--- a/WIP/plan de test/planTestGestionToDo.pptx
+++ b/WIP/plan de test/planTestGestionToDo.pptx
@@ -6,8 +6,6 @@
   </p:sldMasterIdLst>
   <p:sldIdLst>
     <p:sldId id="256" r:id="rId5"/>
-    <p:sldId id="257" r:id="rId6"/>
-    <p:sldId id="258" r:id="rId7"/>
   </p:sldIdLst>
   <p:sldSz cx="12192000" cy="6858000"/>
   <p:notesSz cx="6858000" cy="9144000"/>
@@ -4980,4501 +4978,6 @@
 </p:sld>
 </file>
 
-<file path=ppt/slides/slide2.xml><?xml version="1.0" encoding="utf-8"?>
-<p:sld xmlns:a="http://schemas.openxmlformats.org/drawingml/2006/main" xmlns:r="http://schemas.openxmlformats.org/officeDocument/2006/relationships" xmlns:p="http://schemas.openxmlformats.org/presentationml/2006/main">
-  <p:cSld>
-    <p:spTree>
-      <p:nvGrpSpPr>
-        <p:cNvPr id="1" name=""/>
-        <p:cNvGrpSpPr/>
-        <p:nvPr/>
-      </p:nvGrpSpPr>
-      <p:grpSpPr>
-        <a:xfrm>
-          <a:off x="0" y="0"/>
-          <a:ext cx="0" cy="0"/>
-          <a:chOff x="0" y="0"/>
-          <a:chExt cx="0" cy="0"/>
-        </a:xfrm>
-      </p:grpSpPr>
-      <p:grpSp>
-        <p:nvGrpSpPr>
-          <p:cNvPr id="2" name="Groupe 1">
-            <a:extLst>
-              <a:ext uri="{FF2B5EF4-FFF2-40B4-BE49-F238E27FC236}">
-                <a16:creationId xmlns:a16="http://schemas.microsoft.com/office/drawing/2014/main" id="{A39088D0-176C-FC79-FE20-DE23CC5A9B39}"/>
-              </a:ext>
-            </a:extLst>
-          </p:cNvPr>
-          <p:cNvGrpSpPr/>
-          <p:nvPr/>
-        </p:nvGrpSpPr>
-        <p:grpSpPr>
-          <a:xfrm>
-            <a:off x="437112" y="746619"/>
-            <a:ext cx="11317775" cy="5998071"/>
-            <a:chOff x="178838" y="113307"/>
-            <a:chExt cx="11860390" cy="6631384"/>
-          </a:xfrm>
-        </p:grpSpPr>
-        <p:sp>
-          <p:nvSpPr>
-            <p:cNvPr id="3" name="Forme libre : forme 2">
-              <a:extLst>
-                <a:ext uri="{FF2B5EF4-FFF2-40B4-BE49-F238E27FC236}">
-                  <a16:creationId xmlns:a16="http://schemas.microsoft.com/office/drawing/2014/main" id="{89A6DEB8-C80F-97AB-F679-111595B282B2}"/>
-                </a:ext>
-              </a:extLst>
-            </p:cNvPr>
-            <p:cNvSpPr/>
-            <p:nvPr/>
-          </p:nvSpPr>
-          <p:spPr>
-            <a:xfrm>
-              <a:off x="178838" y="113307"/>
-              <a:ext cx="11860390" cy="2072204"/>
-            </a:xfrm>
-            <a:custGeom>
-              <a:avLst/>
-              <a:gdLst>
-                <a:gd name="connsiteX0" fmla="*/ 0 w 11860390"/>
-                <a:gd name="connsiteY0" fmla="*/ 207220 h 2072204"/>
-                <a:gd name="connsiteX1" fmla="*/ 207220 w 11860390"/>
-                <a:gd name="connsiteY1" fmla="*/ 0 h 2072204"/>
-                <a:gd name="connsiteX2" fmla="*/ 11653170 w 11860390"/>
-                <a:gd name="connsiteY2" fmla="*/ 0 h 2072204"/>
-                <a:gd name="connsiteX3" fmla="*/ 11860390 w 11860390"/>
-                <a:gd name="connsiteY3" fmla="*/ 207220 h 2072204"/>
-                <a:gd name="connsiteX4" fmla="*/ 11860390 w 11860390"/>
-                <a:gd name="connsiteY4" fmla="*/ 1864984 h 2072204"/>
-                <a:gd name="connsiteX5" fmla="*/ 11653170 w 11860390"/>
-                <a:gd name="connsiteY5" fmla="*/ 2072204 h 2072204"/>
-                <a:gd name="connsiteX6" fmla="*/ 207220 w 11860390"/>
-                <a:gd name="connsiteY6" fmla="*/ 2072204 h 2072204"/>
-                <a:gd name="connsiteX7" fmla="*/ 0 w 11860390"/>
-                <a:gd name="connsiteY7" fmla="*/ 1864984 h 2072204"/>
-                <a:gd name="connsiteX8" fmla="*/ 0 w 11860390"/>
-                <a:gd name="connsiteY8" fmla="*/ 207220 h 2072204"/>
-              </a:gdLst>
-              <a:ahLst/>
-              <a:cxnLst>
-                <a:cxn ang="0">
-                  <a:pos x="connsiteX0" y="connsiteY0"/>
-                </a:cxn>
-                <a:cxn ang="0">
-                  <a:pos x="connsiteX1" y="connsiteY1"/>
-                </a:cxn>
-                <a:cxn ang="0">
-                  <a:pos x="connsiteX2" y="connsiteY2"/>
-                </a:cxn>
-                <a:cxn ang="0">
-                  <a:pos x="connsiteX3" y="connsiteY3"/>
-                </a:cxn>
-                <a:cxn ang="0">
-                  <a:pos x="connsiteX4" y="connsiteY4"/>
-                </a:cxn>
-                <a:cxn ang="0">
-                  <a:pos x="connsiteX5" y="connsiteY5"/>
-                </a:cxn>
-                <a:cxn ang="0">
-                  <a:pos x="connsiteX6" y="connsiteY6"/>
-                </a:cxn>
-                <a:cxn ang="0">
-                  <a:pos x="connsiteX7" y="connsiteY7"/>
-                </a:cxn>
-                <a:cxn ang="0">
-                  <a:pos x="connsiteX8" y="connsiteY8"/>
-                </a:cxn>
-              </a:cxnLst>
-              <a:rect l="l" t="t" r="r" b="b"/>
-              <a:pathLst>
-                <a:path w="11860390" h="2072204">
-                  <a:moveTo>
-                    <a:pt x="0" y="207220"/>
-                  </a:moveTo>
-                  <a:cubicBezTo>
-                    <a:pt x="0" y="92776"/>
-                    <a:pt x="92776" y="0"/>
-                    <a:pt x="207220" y="0"/>
-                  </a:cubicBezTo>
-                  <a:lnTo>
-                    <a:pt x="11653170" y="0"/>
-                  </a:lnTo>
-                  <a:cubicBezTo>
-                    <a:pt x="11767614" y="0"/>
-                    <a:pt x="11860390" y="92776"/>
-                    <a:pt x="11860390" y="207220"/>
-                  </a:cubicBezTo>
-                  <a:lnTo>
-                    <a:pt x="11860390" y="1864984"/>
-                  </a:lnTo>
-                  <a:cubicBezTo>
-                    <a:pt x="11860390" y="1979428"/>
-                    <a:pt x="11767614" y="2072204"/>
-                    <a:pt x="11653170" y="2072204"/>
-                  </a:cubicBezTo>
-                  <a:lnTo>
-                    <a:pt x="207220" y="2072204"/>
-                  </a:lnTo>
-                  <a:cubicBezTo>
-                    <a:pt x="92776" y="2072204"/>
-                    <a:pt x="0" y="1979428"/>
-                    <a:pt x="0" y="1864984"/>
-                  </a:cubicBezTo>
-                  <a:lnTo>
-                    <a:pt x="0" y="207220"/>
-                  </a:lnTo>
-                  <a:close/>
-                </a:path>
-              </a:pathLst>
-            </a:custGeom>
-          </p:spPr>
-          <p:style>
-            <a:lnRef idx="2">
-              <a:schemeClr val="lt1">
-                <a:hueOff val="0"/>
-                <a:satOff val="0"/>
-                <a:lumOff val="0"/>
-                <a:alphaOff val="0"/>
-              </a:schemeClr>
-            </a:lnRef>
-            <a:fillRef idx="1">
-              <a:schemeClr val="accent3">
-                <a:hueOff val="0"/>
-                <a:satOff val="0"/>
-                <a:lumOff val="0"/>
-                <a:alphaOff val="0"/>
-              </a:schemeClr>
-            </a:fillRef>
-            <a:effectRef idx="0">
-              <a:schemeClr val="accent3">
-                <a:hueOff val="0"/>
-                <a:satOff val="0"/>
-                <a:lumOff val="0"/>
-                <a:alphaOff val="0"/>
-              </a:schemeClr>
-            </a:effectRef>
-            <a:fontRef idx="minor">
-              <a:schemeClr val="lt1"/>
-            </a:fontRef>
-          </p:style>
-          <p:txBody>
-            <a:bodyPr spcFirstLastPara="0" vert="horz" wrap="square" lIns="266433" tIns="266433" rIns="266433" bIns="266433" numCol="1" spcCol="1270" anchor="t" anchorCtr="0">
-              <a:noAutofit/>
-            </a:bodyPr>
-            <a:lstStyle/>
-            <a:p>
-              <a:pPr marL="0" marR="0" lvl="0" indent="0" algn="l" defTabSz="2400300" rtl="0" eaLnBrk="1" fontAlgn="auto" latinLnBrk="0" hangingPunct="1">
-                <a:lnSpc>
-                  <a:spcPct val="90000"/>
-                </a:lnSpc>
-                <a:spcBef>
-                  <a:spcPct val="0"/>
-                </a:spcBef>
-                <a:spcAft>
-                  <a:spcPct val="35000"/>
-                </a:spcAft>
-                <a:buClrTx/>
-                <a:buSzTx/>
-                <a:buFontTx/>
-                <a:buNone/>
-                <a:tabLst/>
-                <a:defRPr/>
-              </a:pPr>
-              <a:endParaRPr kumimoji="0" lang="fr-FR" sz="1400" b="1" i="0" u="sng" strike="noStrike" kern="1200" cap="none" spc="0" normalizeH="0" baseline="0" noProof="0" dirty="0">
-                <a:ln>
-                  <a:noFill/>
-                </a:ln>
-                <a:solidFill>
-                  <a:prstClr val="white"/>
-                </a:solidFill>
-                <a:effectLst/>
-                <a:uLnTx/>
-                <a:uFillTx/>
-                <a:latin typeface="Calibri" panose="020F0502020204030204"/>
-                <a:ea typeface="+mn-ea"/>
-                <a:cs typeface="+mn-cs"/>
-              </a:endParaRPr>
-            </a:p>
-            <a:p>
-              <a:pPr marL="0" marR="0" lvl="0" indent="0" algn="l" defTabSz="2400300" rtl="0" eaLnBrk="1" fontAlgn="auto" latinLnBrk="0" hangingPunct="1">
-                <a:lnSpc>
-                  <a:spcPct val="90000"/>
-                </a:lnSpc>
-                <a:spcBef>
-                  <a:spcPct val="0"/>
-                </a:spcBef>
-                <a:spcAft>
-                  <a:spcPct val="35000"/>
-                </a:spcAft>
-                <a:buClrTx/>
-                <a:buSzTx/>
-                <a:buFontTx/>
-                <a:buNone/>
-                <a:tabLst/>
-                <a:defRPr/>
-              </a:pPr>
-              <a:r>
-                <a:rPr kumimoji="0" lang="fr-FR" sz="1400" b="0" i="0" u="none" strike="noStrike" kern="1200" cap="none" spc="0" normalizeH="0" baseline="0" noProof="0" dirty="0">
-                  <a:ln>
-                    <a:noFill/>
-                  </a:ln>
-                  <a:solidFill>
-                    <a:prstClr val="white"/>
-                  </a:solidFill>
-                  <a:effectLst/>
-                  <a:uLnTx/>
-                  <a:uFillTx/>
-                  <a:latin typeface="Calibri" panose="020F0502020204030204"/>
-                  <a:ea typeface="+mn-ea"/>
-                  <a:cs typeface="+mn-cs"/>
-                </a:rPr>
-                <a:t>Version du logiciel : 1.0.0</a:t>
-              </a:r>
-            </a:p>
-            <a:p>
-              <a:pPr marL="0" marR="0" lvl="0" indent="0" algn="l" defTabSz="2400300" rtl="0" eaLnBrk="1" fontAlgn="auto" latinLnBrk="0" hangingPunct="1">
-                <a:lnSpc>
-                  <a:spcPct val="90000"/>
-                </a:lnSpc>
-                <a:spcBef>
-                  <a:spcPct val="0"/>
-                </a:spcBef>
-                <a:spcAft>
-                  <a:spcPct val="35000"/>
-                </a:spcAft>
-                <a:buClrTx/>
-                <a:buSzTx/>
-                <a:buFontTx/>
-                <a:buNone/>
-                <a:tabLst/>
-                <a:defRPr/>
-              </a:pPr>
-              <a:r>
-                <a:rPr kumimoji="0" lang="fr-FR" sz="1400" b="0" i="0" u="none" strike="noStrike" kern="1200" cap="none" spc="0" normalizeH="0" baseline="0" noProof="0" dirty="0">
-                  <a:ln>
-                    <a:noFill/>
-                  </a:ln>
-                  <a:solidFill>
-                    <a:prstClr val="white"/>
-                  </a:solidFill>
-                  <a:effectLst/>
-                  <a:uLnTx/>
-                  <a:uFillTx/>
-                  <a:latin typeface="Calibri" panose="020F0502020204030204"/>
-                  <a:ea typeface="+mn-ea"/>
-                  <a:cs typeface="+mn-cs"/>
-                </a:rPr>
-                <a:t>Domaine fonctionnel : Création d’un To Do</a:t>
-              </a:r>
-            </a:p>
-            <a:p>
-              <a:pPr marL="0" marR="0" lvl="0" indent="0" algn="l" defTabSz="2400300" rtl="0" eaLnBrk="1" fontAlgn="auto" latinLnBrk="0" hangingPunct="1">
-                <a:lnSpc>
-                  <a:spcPct val="90000"/>
-                </a:lnSpc>
-                <a:spcBef>
-                  <a:spcPct val="0"/>
-                </a:spcBef>
-                <a:spcAft>
-                  <a:spcPct val="35000"/>
-                </a:spcAft>
-                <a:buClrTx/>
-                <a:buSzTx/>
-                <a:buFontTx/>
-                <a:buNone/>
-                <a:tabLst/>
-                <a:defRPr/>
-              </a:pPr>
-              <a:r>
-                <a:rPr kumimoji="0" lang="fr-FR" sz="1400" b="0" i="0" u="none" strike="noStrike" kern="1200" cap="none" spc="0" normalizeH="0" baseline="0" noProof="0" dirty="0">
-                  <a:ln>
-                    <a:noFill/>
-                  </a:ln>
-                  <a:solidFill>
-                    <a:prstClr val="white"/>
-                  </a:solidFill>
-                  <a:effectLst/>
-                  <a:uLnTx/>
-                  <a:uFillTx/>
-                  <a:latin typeface="Calibri" panose="020F0502020204030204"/>
-                  <a:ea typeface="+mn-ea"/>
-                  <a:cs typeface="+mn-cs"/>
-                </a:rPr>
-                <a:t>Contexte du plan de test : Ce plan de test permet de vérifier la création et l’ajout d’un To Do</a:t>
-              </a:r>
-            </a:p>
-          </p:txBody>
-        </p:sp>
-        <p:sp>
-          <p:nvSpPr>
-            <p:cNvPr id="5" name="Forme libre : forme 4">
-              <a:extLst>
-                <a:ext uri="{FF2B5EF4-FFF2-40B4-BE49-F238E27FC236}">
-                  <a16:creationId xmlns:a16="http://schemas.microsoft.com/office/drawing/2014/main" id="{95975E07-FCB2-7D1E-C69E-CD35025D11DB}"/>
-                </a:ext>
-              </a:extLst>
-            </p:cNvPr>
-            <p:cNvSpPr/>
-            <p:nvPr/>
-          </p:nvSpPr>
-          <p:spPr>
-            <a:xfrm>
-              <a:off x="178838" y="2392897"/>
-              <a:ext cx="5810680" cy="2072204"/>
-            </a:xfrm>
-            <a:custGeom>
-              <a:avLst/>
-              <a:gdLst>
-                <a:gd name="connsiteX0" fmla="*/ 0 w 5810680"/>
-                <a:gd name="connsiteY0" fmla="*/ 207220 h 2072204"/>
-                <a:gd name="connsiteX1" fmla="*/ 207220 w 5810680"/>
-                <a:gd name="connsiteY1" fmla="*/ 0 h 2072204"/>
-                <a:gd name="connsiteX2" fmla="*/ 5603460 w 5810680"/>
-                <a:gd name="connsiteY2" fmla="*/ 0 h 2072204"/>
-                <a:gd name="connsiteX3" fmla="*/ 5810680 w 5810680"/>
-                <a:gd name="connsiteY3" fmla="*/ 207220 h 2072204"/>
-                <a:gd name="connsiteX4" fmla="*/ 5810680 w 5810680"/>
-                <a:gd name="connsiteY4" fmla="*/ 1864984 h 2072204"/>
-                <a:gd name="connsiteX5" fmla="*/ 5603460 w 5810680"/>
-                <a:gd name="connsiteY5" fmla="*/ 2072204 h 2072204"/>
-                <a:gd name="connsiteX6" fmla="*/ 207220 w 5810680"/>
-                <a:gd name="connsiteY6" fmla="*/ 2072204 h 2072204"/>
-                <a:gd name="connsiteX7" fmla="*/ 0 w 5810680"/>
-                <a:gd name="connsiteY7" fmla="*/ 1864984 h 2072204"/>
-                <a:gd name="connsiteX8" fmla="*/ 0 w 5810680"/>
-                <a:gd name="connsiteY8" fmla="*/ 207220 h 2072204"/>
-              </a:gdLst>
-              <a:ahLst/>
-              <a:cxnLst>
-                <a:cxn ang="0">
-                  <a:pos x="connsiteX0" y="connsiteY0"/>
-                </a:cxn>
-                <a:cxn ang="0">
-                  <a:pos x="connsiteX1" y="connsiteY1"/>
-                </a:cxn>
-                <a:cxn ang="0">
-                  <a:pos x="connsiteX2" y="connsiteY2"/>
-                </a:cxn>
-                <a:cxn ang="0">
-                  <a:pos x="connsiteX3" y="connsiteY3"/>
-                </a:cxn>
-                <a:cxn ang="0">
-                  <a:pos x="connsiteX4" y="connsiteY4"/>
-                </a:cxn>
-                <a:cxn ang="0">
-                  <a:pos x="connsiteX5" y="connsiteY5"/>
-                </a:cxn>
-                <a:cxn ang="0">
-                  <a:pos x="connsiteX6" y="connsiteY6"/>
-                </a:cxn>
-                <a:cxn ang="0">
-                  <a:pos x="connsiteX7" y="connsiteY7"/>
-                </a:cxn>
-                <a:cxn ang="0">
-                  <a:pos x="connsiteX8" y="connsiteY8"/>
-                </a:cxn>
-              </a:cxnLst>
-              <a:rect l="l" t="t" r="r" b="b"/>
-              <a:pathLst>
-                <a:path w="5810680" h="2072204">
-                  <a:moveTo>
-                    <a:pt x="0" y="207220"/>
-                  </a:moveTo>
-                  <a:cubicBezTo>
-                    <a:pt x="0" y="92776"/>
-                    <a:pt x="92776" y="0"/>
-                    <a:pt x="207220" y="0"/>
-                  </a:cubicBezTo>
-                  <a:lnTo>
-                    <a:pt x="5603460" y="0"/>
-                  </a:lnTo>
-                  <a:cubicBezTo>
-                    <a:pt x="5717904" y="0"/>
-                    <a:pt x="5810680" y="92776"/>
-                    <a:pt x="5810680" y="207220"/>
-                  </a:cubicBezTo>
-                  <a:lnTo>
-                    <a:pt x="5810680" y="1864984"/>
-                  </a:lnTo>
-                  <a:cubicBezTo>
-                    <a:pt x="5810680" y="1979428"/>
-                    <a:pt x="5717904" y="2072204"/>
-                    <a:pt x="5603460" y="2072204"/>
-                  </a:cubicBezTo>
-                  <a:lnTo>
-                    <a:pt x="207220" y="2072204"/>
-                  </a:lnTo>
-                  <a:cubicBezTo>
-                    <a:pt x="92776" y="2072204"/>
-                    <a:pt x="0" y="1979428"/>
-                    <a:pt x="0" y="1864984"/>
-                  </a:cubicBezTo>
-                  <a:lnTo>
-                    <a:pt x="0" y="207220"/>
-                  </a:lnTo>
-                  <a:close/>
-                </a:path>
-              </a:pathLst>
-            </a:custGeom>
-          </p:spPr>
-          <p:style>
-            <a:lnRef idx="2">
-              <a:schemeClr val="lt1">
-                <a:hueOff val="0"/>
-                <a:satOff val="0"/>
-                <a:lumOff val="0"/>
-                <a:alphaOff val="0"/>
-              </a:schemeClr>
-            </a:lnRef>
-            <a:fillRef idx="1">
-              <a:schemeClr val="accent5">
-                <a:hueOff val="0"/>
-                <a:satOff val="0"/>
-                <a:lumOff val="0"/>
-                <a:alphaOff val="0"/>
-              </a:schemeClr>
-            </a:fillRef>
-            <a:effectRef idx="0">
-              <a:schemeClr val="accent5">
-                <a:hueOff val="0"/>
-                <a:satOff val="0"/>
-                <a:lumOff val="0"/>
-                <a:alphaOff val="0"/>
-              </a:schemeClr>
-            </a:effectRef>
-            <a:fontRef idx="minor">
-              <a:schemeClr val="lt1"/>
-            </a:fontRef>
-          </p:style>
-          <p:txBody>
-            <a:bodyPr spcFirstLastPara="0" vert="horz" wrap="square" lIns="266433" tIns="266433" rIns="266433" bIns="266433" numCol="1" spcCol="1270" anchor="t" anchorCtr="0">
-              <a:noAutofit/>
-            </a:bodyPr>
-            <a:lstStyle/>
-            <a:p>
-              <a:pPr marL="0" marR="0" lvl="0" indent="0" algn="l" defTabSz="2400300" rtl="0" eaLnBrk="1" fontAlgn="auto" latinLnBrk="0" hangingPunct="1">
-                <a:lnSpc>
-                  <a:spcPct val="90000"/>
-                </a:lnSpc>
-                <a:spcBef>
-                  <a:spcPct val="0"/>
-                </a:spcBef>
-                <a:spcAft>
-                  <a:spcPct val="35000"/>
-                </a:spcAft>
-                <a:buClrTx/>
-                <a:buSzTx/>
-                <a:buFontTx/>
-                <a:buNone/>
-                <a:tabLst/>
-                <a:defRPr/>
-              </a:pPr>
-              <a:r>
-                <a:rPr kumimoji="0" lang="fr-FR" sz="1400" b="1" i="0" u="sng" strike="noStrike" kern="1200" cap="none" spc="0" normalizeH="0" baseline="0" noProof="0" dirty="0">
-                  <a:ln>
-                    <a:noFill/>
-                  </a:ln>
-                  <a:solidFill>
-                    <a:prstClr val="white"/>
-                  </a:solidFill>
-                  <a:effectLst/>
-                  <a:uLnTx/>
-                  <a:uFillTx/>
-                  <a:latin typeface="Calibri" panose="020F0502020204030204"/>
-                  <a:ea typeface="+mn-ea"/>
-                  <a:cs typeface="+mn-cs"/>
-                </a:rPr>
-                <a:t>Scope </a:t>
-              </a:r>
-            </a:p>
-            <a:p>
-              <a:pPr marL="0" marR="0" lvl="0" indent="0" algn="l" defTabSz="2400300" rtl="0" eaLnBrk="1" fontAlgn="auto" latinLnBrk="0" hangingPunct="1">
-                <a:lnSpc>
-                  <a:spcPct val="90000"/>
-                </a:lnSpc>
-                <a:spcBef>
-                  <a:spcPct val="0"/>
-                </a:spcBef>
-                <a:spcAft>
-                  <a:spcPct val="35000"/>
-                </a:spcAft>
-                <a:buClrTx/>
-                <a:buSzTx/>
-                <a:buFontTx/>
-                <a:buNone/>
-                <a:tabLst/>
-                <a:defRPr/>
-              </a:pPr>
-              <a:r>
-                <a:rPr kumimoji="0" lang="fr-FR" sz="1200" b="0" i="0" u="none" strike="noStrike" kern="1200" cap="none" spc="0" normalizeH="0" baseline="0" noProof="0" dirty="0">
-                  <a:ln>
-                    <a:noFill/>
-                  </a:ln>
-                  <a:solidFill>
-                    <a:prstClr val="white"/>
-                  </a:solidFill>
-                  <a:effectLst/>
-                  <a:uLnTx/>
-                  <a:uFillTx/>
-                  <a:latin typeface="Calibri" panose="020F0502020204030204"/>
-                  <a:ea typeface="+mn-ea"/>
-                  <a:cs typeface="+mn-cs"/>
-                </a:rPr>
-                <a:t>Entrer du nom d’une taches</a:t>
-              </a:r>
-            </a:p>
-            <a:p>
-              <a:pPr marL="0" marR="0" lvl="0" indent="0" algn="l" defTabSz="2400300" rtl="0" eaLnBrk="1" fontAlgn="auto" latinLnBrk="0" hangingPunct="1">
-                <a:lnSpc>
-                  <a:spcPct val="90000"/>
-                </a:lnSpc>
-                <a:spcBef>
-                  <a:spcPct val="0"/>
-                </a:spcBef>
-                <a:spcAft>
-                  <a:spcPct val="35000"/>
-                </a:spcAft>
-                <a:buClrTx/>
-                <a:buSzTx/>
-                <a:buFontTx/>
-                <a:buNone/>
-                <a:tabLst/>
-                <a:defRPr/>
-              </a:pPr>
-              <a:r>
-                <a:rPr kumimoji="0" lang="fr-FR" sz="1200" b="0" i="0" u="none" strike="noStrike" kern="1200" cap="none" spc="0" normalizeH="0" baseline="0" noProof="0" dirty="0">
-                  <a:ln>
-                    <a:noFill/>
-                  </a:ln>
-                  <a:solidFill>
-                    <a:prstClr val="white"/>
-                  </a:solidFill>
-                  <a:effectLst/>
-                  <a:uLnTx/>
-                  <a:uFillTx/>
-                  <a:latin typeface="Calibri" panose="020F0502020204030204"/>
-                  <a:ea typeface="+mn-ea"/>
-                  <a:cs typeface="+mn-cs"/>
-                </a:rPr>
-                <a:t>Ajout d’une tache </a:t>
-              </a:r>
-            </a:p>
-            <a:p>
-              <a:pPr marL="0" marR="0" lvl="0" indent="0" algn="l" defTabSz="2400300" rtl="0" eaLnBrk="1" fontAlgn="auto" latinLnBrk="0" hangingPunct="1">
-                <a:lnSpc>
-                  <a:spcPct val="90000"/>
-                </a:lnSpc>
-                <a:spcBef>
-                  <a:spcPct val="0"/>
-                </a:spcBef>
-                <a:spcAft>
-                  <a:spcPct val="35000"/>
-                </a:spcAft>
-                <a:buClrTx/>
-                <a:buSzTx/>
-                <a:buFontTx/>
-                <a:buNone/>
-                <a:tabLst/>
-                <a:defRPr/>
-              </a:pPr>
-              <a:r>
-                <a:rPr kumimoji="0" lang="fr-FR" sz="1200" b="0" i="0" u="none" strike="noStrike" kern="1200" cap="none" spc="0" normalizeH="0" baseline="0" noProof="0" dirty="0">
-                  <a:ln>
-                    <a:noFill/>
-                  </a:ln>
-                  <a:solidFill>
-                    <a:prstClr val="white"/>
-                  </a:solidFill>
-                  <a:effectLst/>
-                  <a:uLnTx/>
-                  <a:uFillTx/>
-                  <a:latin typeface="Calibri" panose="020F0502020204030204"/>
-                  <a:ea typeface="+mn-ea"/>
-                  <a:cs typeface="+mn-cs"/>
-                </a:rPr>
-                <a:t>Entrer d’une tache vide</a:t>
-              </a:r>
-            </a:p>
-            <a:p>
-              <a:pPr marL="0" marR="0" lvl="0" indent="0" algn="l" defTabSz="2400300" rtl="0" eaLnBrk="1" fontAlgn="auto" latinLnBrk="0" hangingPunct="1">
-                <a:lnSpc>
-                  <a:spcPct val="90000"/>
-                </a:lnSpc>
-                <a:spcBef>
-                  <a:spcPct val="0"/>
-                </a:spcBef>
-                <a:spcAft>
-                  <a:spcPct val="35000"/>
-                </a:spcAft>
-                <a:buClrTx/>
-                <a:buSzTx/>
-                <a:buFontTx/>
-                <a:buNone/>
-                <a:tabLst/>
-                <a:defRPr/>
-              </a:pPr>
-              <a:endParaRPr kumimoji="0" lang="fr-FR" sz="1200" b="0" i="0" u="none" strike="noStrike" kern="1200" cap="none" spc="0" normalizeH="0" baseline="0" noProof="0" dirty="0">
-                <a:ln>
-                  <a:noFill/>
-                </a:ln>
-                <a:solidFill>
-                  <a:prstClr val="white"/>
-                </a:solidFill>
-                <a:effectLst/>
-                <a:uLnTx/>
-                <a:uFillTx/>
-                <a:latin typeface="Calibri" panose="020F0502020204030204"/>
-                <a:ea typeface="+mn-ea"/>
-                <a:cs typeface="+mn-cs"/>
-              </a:endParaRPr>
-            </a:p>
-            <a:p>
-              <a:pPr marL="0" marR="0" lvl="0" indent="0" algn="l" defTabSz="2400300" rtl="0" eaLnBrk="1" fontAlgn="auto" latinLnBrk="0" hangingPunct="1">
-                <a:lnSpc>
-                  <a:spcPct val="90000"/>
-                </a:lnSpc>
-                <a:spcBef>
-                  <a:spcPct val="0"/>
-                </a:spcBef>
-                <a:spcAft>
-                  <a:spcPct val="35000"/>
-                </a:spcAft>
-                <a:buClrTx/>
-                <a:buSzTx/>
-                <a:buFontTx/>
-                <a:buNone/>
-                <a:tabLst/>
-                <a:defRPr/>
-              </a:pPr>
-              <a:r>
-                <a:rPr kumimoji="0" lang="fr-FR" sz="1200" b="0" i="0" u="none" strike="noStrike" kern="1200" cap="none" spc="0" normalizeH="0" baseline="0" noProof="0" dirty="0">
-                  <a:ln>
-                    <a:noFill/>
-                  </a:ln>
-                  <a:solidFill>
-                    <a:prstClr val="white"/>
-                  </a:solidFill>
-                  <a:effectLst/>
-                  <a:uLnTx/>
-                  <a:uFillTx/>
-                  <a:latin typeface="Calibri" panose="020F0502020204030204"/>
-                  <a:ea typeface="+mn-ea"/>
-                  <a:cs typeface="+mn-cs"/>
-                </a:rPr>
-                <a:t>	</a:t>
-              </a:r>
-            </a:p>
-          </p:txBody>
-        </p:sp>
-        <p:sp>
-          <p:nvSpPr>
-            <p:cNvPr id="6" name="Forme libre : forme 5">
-              <a:extLst>
-                <a:ext uri="{FF2B5EF4-FFF2-40B4-BE49-F238E27FC236}">
-                  <a16:creationId xmlns:a16="http://schemas.microsoft.com/office/drawing/2014/main" id="{E4F2F71F-C983-7129-172A-442603BD6ECE}"/>
-                </a:ext>
-              </a:extLst>
-            </p:cNvPr>
-            <p:cNvSpPr/>
-            <p:nvPr/>
-          </p:nvSpPr>
-          <p:spPr>
-            <a:xfrm>
-              <a:off x="178838" y="4672487"/>
-              <a:ext cx="2845583" cy="2072204"/>
-            </a:xfrm>
-            <a:custGeom>
-              <a:avLst/>
-              <a:gdLst>
-                <a:gd name="connsiteX0" fmla="*/ 0 w 2845583"/>
-                <a:gd name="connsiteY0" fmla="*/ 207220 h 2072204"/>
-                <a:gd name="connsiteX1" fmla="*/ 207220 w 2845583"/>
-                <a:gd name="connsiteY1" fmla="*/ 0 h 2072204"/>
-                <a:gd name="connsiteX2" fmla="*/ 2638363 w 2845583"/>
-                <a:gd name="connsiteY2" fmla="*/ 0 h 2072204"/>
-                <a:gd name="connsiteX3" fmla="*/ 2845583 w 2845583"/>
-                <a:gd name="connsiteY3" fmla="*/ 207220 h 2072204"/>
-                <a:gd name="connsiteX4" fmla="*/ 2845583 w 2845583"/>
-                <a:gd name="connsiteY4" fmla="*/ 1864984 h 2072204"/>
-                <a:gd name="connsiteX5" fmla="*/ 2638363 w 2845583"/>
-                <a:gd name="connsiteY5" fmla="*/ 2072204 h 2072204"/>
-                <a:gd name="connsiteX6" fmla="*/ 207220 w 2845583"/>
-                <a:gd name="connsiteY6" fmla="*/ 2072204 h 2072204"/>
-                <a:gd name="connsiteX7" fmla="*/ 0 w 2845583"/>
-                <a:gd name="connsiteY7" fmla="*/ 1864984 h 2072204"/>
-                <a:gd name="connsiteX8" fmla="*/ 0 w 2845583"/>
-                <a:gd name="connsiteY8" fmla="*/ 207220 h 2072204"/>
-              </a:gdLst>
-              <a:ahLst/>
-              <a:cxnLst>
-                <a:cxn ang="0">
-                  <a:pos x="connsiteX0" y="connsiteY0"/>
-                </a:cxn>
-                <a:cxn ang="0">
-                  <a:pos x="connsiteX1" y="connsiteY1"/>
-                </a:cxn>
-                <a:cxn ang="0">
-                  <a:pos x="connsiteX2" y="connsiteY2"/>
-                </a:cxn>
-                <a:cxn ang="0">
-                  <a:pos x="connsiteX3" y="connsiteY3"/>
-                </a:cxn>
-                <a:cxn ang="0">
-                  <a:pos x="connsiteX4" y="connsiteY4"/>
-                </a:cxn>
-                <a:cxn ang="0">
-                  <a:pos x="connsiteX5" y="connsiteY5"/>
-                </a:cxn>
-                <a:cxn ang="0">
-                  <a:pos x="connsiteX6" y="connsiteY6"/>
-                </a:cxn>
-                <a:cxn ang="0">
-                  <a:pos x="connsiteX7" y="connsiteY7"/>
-                </a:cxn>
-                <a:cxn ang="0">
-                  <a:pos x="connsiteX8" y="connsiteY8"/>
-                </a:cxn>
-              </a:cxnLst>
-              <a:rect l="l" t="t" r="r" b="b"/>
-              <a:pathLst>
-                <a:path w="2845583" h="2072204">
-                  <a:moveTo>
-                    <a:pt x="0" y="207220"/>
-                  </a:moveTo>
-                  <a:cubicBezTo>
-                    <a:pt x="0" y="92776"/>
-                    <a:pt x="92776" y="0"/>
-                    <a:pt x="207220" y="0"/>
-                  </a:cubicBezTo>
-                  <a:lnTo>
-                    <a:pt x="2638363" y="0"/>
-                  </a:lnTo>
-                  <a:cubicBezTo>
-                    <a:pt x="2752807" y="0"/>
-                    <a:pt x="2845583" y="92776"/>
-                    <a:pt x="2845583" y="207220"/>
-                  </a:cubicBezTo>
-                  <a:lnTo>
-                    <a:pt x="2845583" y="1864984"/>
-                  </a:lnTo>
-                  <a:cubicBezTo>
-                    <a:pt x="2845583" y="1979428"/>
-                    <a:pt x="2752807" y="2072204"/>
-                    <a:pt x="2638363" y="2072204"/>
-                  </a:cubicBezTo>
-                  <a:lnTo>
-                    <a:pt x="207220" y="2072204"/>
-                  </a:lnTo>
-                  <a:cubicBezTo>
-                    <a:pt x="92776" y="2072204"/>
-                    <a:pt x="0" y="1979428"/>
-                    <a:pt x="0" y="1864984"/>
-                  </a:cubicBezTo>
-                  <a:lnTo>
-                    <a:pt x="0" y="207220"/>
-                  </a:lnTo>
-                  <a:close/>
-                </a:path>
-              </a:pathLst>
-            </a:custGeom>
-          </p:spPr>
-          <p:style>
-            <a:lnRef idx="2">
-              <a:schemeClr val="lt1">
-                <a:hueOff val="0"/>
-                <a:satOff val="0"/>
-                <a:lumOff val="0"/>
-                <a:alphaOff val="0"/>
-              </a:schemeClr>
-            </a:lnRef>
-            <a:fillRef idx="1">
-              <a:schemeClr val="accent6">
-                <a:hueOff val="0"/>
-                <a:satOff val="0"/>
-                <a:lumOff val="0"/>
-                <a:alphaOff val="0"/>
-              </a:schemeClr>
-            </a:fillRef>
-            <a:effectRef idx="0">
-              <a:schemeClr val="accent6">
-                <a:hueOff val="0"/>
-                <a:satOff val="0"/>
-                <a:lumOff val="0"/>
-                <a:alphaOff val="0"/>
-              </a:schemeClr>
-            </a:effectRef>
-            <a:fontRef idx="minor">
-              <a:schemeClr val="lt1"/>
-            </a:fontRef>
-          </p:style>
-          <p:txBody>
-            <a:bodyPr spcFirstLastPara="0" vert="horz" wrap="square" lIns="174993" tIns="174993" rIns="174993" bIns="174993" numCol="1" spcCol="1270" anchor="t" anchorCtr="0">
-              <a:noAutofit/>
-            </a:bodyPr>
-            <a:lstStyle/>
-            <a:p>
-              <a:pPr marL="0" marR="0" lvl="0" indent="0" algn="l" defTabSz="1333500" rtl="0" eaLnBrk="1" fontAlgn="auto" latinLnBrk="0" hangingPunct="1">
-                <a:lnSpc>
-                  <a:spcPct val="90000"/>
-                </a:lnSpc>
-                <a:spcBef>
-                  <a:spcPct val="0"/>
-                </a:spcBef>
-                <a:spcAft>
-                  <a:spcPct val="35000"/>
-                </a:spcAft>
-                <a:buClrTx/>
-                <a:buSzTx/>
-                <a:buFontTx/>
-                <a:buNone/>
-                <a:tabLst/>
-                <a:defRPr/>
-              </a:pPr>
-              <a:r>
-                <a:rPr kumimoji="0" lang="fr-FR" sz="1400" b="1" i="0" u="sng" strike="noStrike" kern="1200" cap="none" spc="0" normalizeH="0" baseline="0" noProof="0" dirty="0">
-                  <a:ln>
-                    <a:noFill/>
-                  </a:ln>
-                  <a:solidFill>
-                    <a:prstClr val="white"/>
-                  </a:solidFill>
-                  <a:effectLst/>
-                  <a:uLnTx/>
-                  <a:uFillTx/>
-                  <a:latin typeface="Calibri" panose="020F0502020204030204"/>
-                  <a:ea typeface="+mn-ea"/>
-                  <a:cs typeface="+mn-cs"/>
-                </a:rPr>
-                <a:t>Environnement</a:t>
-              </a:r>
-            </a:p>
-            <a:p>
-              <a:pPr marL="0" marR="0" lvl="0" indent="0" algn="l" defTabSz="1333500" rtl="0" eaLnBrk="1" fontAlgn="auto" latinLnBrk="0" hangingPunct="1">
-                <a:lnSpc>
-                  <a:spcPct val="90000"/>
-                </a:lnSpc>
-                <a:spcBef>
-                  <a:spcPct val="0"/>
-                </a:spcBef>
-                <a:spcAft>
-                  <a:spcPct val="35000"/>
-                </a:spcAft>
-                <a:buClrTx/>
-                <a:buSzTx/>
-                <a:buFontTx/>
-                <a:buNone/>
-                <a:tabLst/>
-                <a:defRPr/>
-              </a:pPr>
-              <a:r>
-                <a:rPr kumimoji="0" lang="fr-FR" sz="1400" b="0" i="0" u="none" strike="noStrike" kern="1200" cap="none" spc="0" normalizeH="0" baseline="0" noProof="0" dirty="0">
-                  <a:ln>
-                    <a:noFill/>
-                  </a:ln>
-                  <a:solidFill>
-                    <a:prstClr val="white"/>
-                  </a:solidFill>
-                  <a:effectLst/>
-                  <a:uLnTx/>
-                  <a:uFillTx/>
-                  <a:latin typeface="Calibri" panose="020F0502020204030204"/>
-                  <a:ea typeface="+mn-ea"/>
-                  <a:cs typeface="+mn-cs"/>
-                </a:rPr>
-                <a:t>Local</a:t>
-              </a:r>
-            </a:p>
-            <a:p>
-              <a:pPr marL="0" marR="0" lvl="0" indent="0" algn="l" defTabSz="1333500" rtl="0" eaLnBrk="1" fontAlgn="auto" latinLnBrk="0" hangingPunct="1">
-                <a:lnSpc>
-                  <a:spcPct val="90000"/>
-                </a:lnSpc>
-                <a:spcBef>
-                  <a:spcPct val="0"/>
-                </a:spcBef>
-                <a:spcAft>
-                  <a:spcPct val="35000"/>
-                </a:spcAft>
-                <a:buClrTx/>
-                <a:buSzTx/>
-                <a:buFontTx/>
-                <a:buNone/>
-                <a:tabLst/>
-                <a:defRPr/>
-              </a:pPr>
-              <a:r>
-                <a:rPr kumimoji="0" lang="fr-FR" sz="1400" b="0" i="0" u="none" strike="noStrike" kern="1200" cap="none" spc="0" normalizeH="0" baseline="0" noProof="0" dirty="0">
-                  <a:ln>
-                    <a:noFill/>
-                  </a:ln>
-                  <a:solidFill>
-                    <a:prstClr val="white"/>
-                  </a:solidFill>
-                  <a:effectLst/>
-                  <a:uLnTx/>
-                  <a:uFillTx/>
-                  <a:latin typeface="Calibri" panose="020F0502020204030204"/>
-                  <a:ea typeface="+mn-ea"/>
-                  <a:cs typeface="+mn-cs"/>
-                </a:rPr>
-                <a:t>Intégration</a:t>
-              </a:r>
-            </a:p>
-          </p:txBody>
-        </p:sp>
-        <p:sp>
-          <p:nvSpPr>
-            <p:cNvPr id="7" name="Forme libre : forme 6">
-              <a:extLst>
-                <a:ext uri="{FF2B5EF4-FFF2-40B4-BE49-F238E27FC236}">
-                  <a16:creationId xmlns:a16="http://schemas.microsoft.com/office/drawing/2014/main" id="{C460FFBC-7528-C5F9-9E8B-A3626F688644}"/>
-                </a:ext>
-              </a:extLst>
-            </p:cNvPr>
-            <p:cNvSpPr/>
-            <p:nvPr/>
-          </p:nvSpPr>
-          <p:spPr>
-            <a:xfrm>
-              <a:off x="3143935" y="4672487"/>
-              <a:ext cx="2845583" cy="2072204"/>
-            </a:xfrm>
-            <a:custGeom>
-              <a:avLst/>
-              <a:gdLst>
-                <a:gd name="connsiteX0" fmla="*/ 0 w 2845583"/>
-                <a:gd name="connsiteY0" fmla="*/ 207220 h 2072204"/>
-                <a:gd name="connsiteX1" fmla="*/ 207220 w 2845583"/>
-                <a:gd name="connsiteY1" fmla="*/ 0 h 2072204"/>
-                <a:gd name="connsiteX2" fmla="*/ 2638363 w 2845583"/>
-                <a:gd name="connsiteY2" fmla="*/ 0 h 2072204"/>
-                <a:gd name="connsiteX3" fmla="*/ 2845583 w 2845583"/>
-                <a:gd name="connsiteY3" fmla="*/ 207220 h 2072204"/>
-                <a:gd name="connsiteX4" fmla="*/ 2845583 w 2845583"/>
-                <a:gd name="connsiteY4" fmla="*/ 1864984 h 2072204"/>
-                <a:gd name="connsiteX5" fmla="*/ 2638363 w 2845583"/>
-                <a:gd name="connsiteY5" fmla="*/ 2072204 h 2072204"/>
-                <a:gd name="connsiteX6" fmla="*/ 207220 w 2845583"/>
-                <a:gd name="connsiteY6" fmla="*/ 2072204 h 2072204"/>
-                <a:gd name="connsiteX7" fmla="*/ 0 w 2845583"/>
-                <a:gd name="connsiteY7" fmla="*/ 1864984 h 2072204"/>
-                <a:gd name="connsiteX8" fmla="*/ 0 w 2845583"/>
-                <a:gd name="connsiteY8" fmla="*/ 207220 h 2072204"/>
-              </a:gdLst>
-              <a:ahLst/>
-              <a:cxnLst>
-                <a:cxn ang="0">
-                  <a:pos x="connsiteX0" y="connsiteY0"/>
-                </a:cxn>
-                <a:cxn ang="0">
-                  <a:pos x="connsiteX1" y="connsiteY1"/>
-                </a:cxn>
-                <a:cxn ang="0">
-                  <a:pos x="connsiteX2" y="connsiteY2"/>
-                </a:cxn>
-                <a:cxn ang="0">
-                  <a:pos x="connsiteX3" y="connsiteY3"/>
-                </a:cxn>
-                <a:cxn ang="0">
-                  <a:pos x="connsiteX4" y="connsiteY4"/>
-                </a:cxn>
-                <a:cxn ang="0">
-                  <a:pos x="connsiteX5" y="connsiteY5"/>
-                </a:cxn>
-                <a:cxn ang="0">
-                  <a:pos x="connsiteX6" y="connsiteY6"/>
-                </a:cxn>
-                <a:cxn ang="0">
-                  <a:pos x="connsiteX7" y="connsiteY7"/>
-                </a:cxn>
-                <a:cxn ang="0">
-                  <a:pos x="connsiteX8" y="connsiteY8"/>
-                </a:cxn>
-              </a:cxnLst>
-              <a:rect l="l" t="t" r="r" b="b"/>
-              <a:pathLst>
-                <a:path w="2845583" h="2072204">
-                  <a:moveTo>
-                    <a:pt x="0" y="207220"/>
-                  </a:moveTo>
-                  <a:cubicBezTo>
-                    <a:pt x="0" y="92776"/>
-                    <a:pt x="92776" y="0"/>
-                    <a:pt x="207220" y="0"/>
-                  </a:cubicBezTo>
-                  <a:lnTo>
-                    <a:pt x="2638363" y="0"/>
-                  </a:lnTo>
-                  <a:cubicBezTo>
-                    <a:pt x="2752807" y="0"/>
-                    <a:pt x="2845583" y="92776"/>
-                    <a:pt x="2845583" y="207220"/>
-                  </a:cubicBezTo>
-                  <a:lnTo>
-                    <a:pt x="2845583" y="1864984"/>
-                  </a:lnTo>
-                  <a:cubicBezTo>
-                    <a:pt x="2845583" y="1979428"/>
-                    <a:pt x="2752807" y="2072204"/>
-                    <a:pt x="2638363" y="2072204"/>
-                  </a:cubicBezTo>
-                  <a:lnTo>
-                    <a:pt x="207220" y="2072204"/>
-                  </a:lnTo>
-                  <a:cubicBezTo>
-                    <a:pt x="92776" y="2072204"/>
-                    <a:pt x="0" y="1979428"/>
-                    <a:pt x="0" y="1864984"/>
-                  </a:cubicBezTo>
-                  <a:lnTo>
-                    <a:pt x="0" y="207220"/>
-                  </a:lnTo>
-                  <a:close/>
-                </a:path>
-              </a:pathLst>
-            </a:custGeom>
-          </p:spPr>
-          <p:style>
-            <a:lnRef idx="2">
-              <a:schemeClr val="lt1">
-                <a:hueOff val="0"/>
-                <a:satOff val="0"/>
-                <a:lumOff val="0"/>
-                <a:alphaOff val="0"/>
-              </a:schemeClr>
-            </a:lnRef>
-            <a:fillRef idx="1">
-              <a:schemeClr val="accent6">
-                <a:hueOff val="0"/>
-                <a:satOff val="0"/>
-                <a:lumOff val="0"/>
-                <a:alphaOff val="0"/>
-              </a:schemeClr>
-            </a:fillRef>
-            <a:effectRef idx="0">
-              <a:schemeClr val="accent6">
-                <a:hueOff val="0"/>
-                <a:satOff val="0"/>
-                <a:lumOff val="0"/>
-                <a:alphaOff val="0"/>
-              </a:schemeClr>
-            </a:effectRef>
-            <a:fontRef idx="minor">
-              <a:schemeClr val="lt1"/>
-            </a:fontRef>
-          </p:style>
-          <p:txBody>
-            <a:bodyPr spcFirstLastPara="0" vert="horz" wrap="square" lIns="174993" tIns="174993" rIns="174993" bIns="174993" numCol="1" spcCol="1270" anchor="t" anchorCtr="0">
-              <a:noAutofit/>
-            </a:bodyPr>
-            <a:lstStyle/>
-            <a:p>
-              <a:pPr marL="0" marR="0" lvl="0" indent="0" algn="l" defTabSz="1333500" rtl="0" eaLnBrk="1" fontAlgn="auto" latinLnBrk="0" hangingPunct="1">
-                <a:lnSpc>
-                  <a:spcPct val="90000"/>
-                </a:lnSpc>
-                <a:spcBef>
-                  <a:spcPct val="0"/>
-                </a:spcBef>
-                <a:spcAft>
-                  <a:spcPct val="35000"/>
-                </a:spcAft>
-                <a:buClrTx/>
-                <a:buSzTx/>
-                <a:buFontTx/>
-                <a:buNone/>
-                <a:tabLst/>
-                <a:defRPr/>
-              </a:pPr>
-              <a:r>
-                <a:rPr kumimoji="0" lang="fr-FR" sz="1400" b="1" i="0" u="sng" strike="noStrike" kern="1200" cap="none" spc="0" normalizeH="0" baseline="0" noProof="0" dirty="0">
-                  <a:ln>
-                    <a:noFill/>
-                  </a:ln>
-                  <a:solidFill>
-                    <a:prstClr val="white"/>
-                  </a:solidFill>
-                  <a:effectLst/>
-                  <a:uLnTx/>
-                  <a:uFillTx/>
-                  <a:latin typeface="Calibri" panose="020F0502020204030204"/>
-                  <a:ea typeface="+mn-ea"/>
-                  <a:cs typeface="+mn-cs"/>
-                </a:rPr>
-                <a:t>Données de test:</a:t>
-              </a:r>
-            </a:p>
-            <a:p>
-              <a:pPr marL="0" marR="0" lvl="0" indent="0" algn="l" defTabSz="1333500" rtl="0" eaLnBrk="1" fontAlgn="auto" latinLnBrk="0" hangingPunct="1">
-                <a:lnSpc>
-                  <a:spcPct val="90000"/>
-                </a:lnSpc>
-                <a:spcBef>
-                  <a:spcPct val="0"/>
-                </a:spcBef>
-                <a:spcAft>
-                  <a:spcPct val="35000"/>
-                </a:spcAft>
-                <a:buClrTx/>
-                <a:buSzTx/>
-                <a:buFontTx/>
-                <a:buNone/>
-                <a:tabLst/>
-                <a:defRPr/>
-              </a:pPr>
-              <a:r>
-                <a:rPr kumimoji="0" lang="fr-FR" sz="1400" b="0" i="0" u="none" strike="noStrike" kern="1200" cap="none" spc="0" normalizeH="0" baseline="0" noProof="0" dirty="0">
-                  <a:ln>
-                    <a:noFill/>
-                  </a:ln>
-                  <a:solidFill>
-                    <a:prstClr val="white"/>
-                  </a:solidFill>
-                  <a:effectLst/>
-                  <a:uLnTx/>
-                  <a:uFillTx/>
-                  <a:latin typeface="Calibri" panose="020F0502020204030204"/>
-                  <a:ea typeface="+mn-ea"/>
-                  <a:cs typeface="+mn-cs"/>
-                </a:rPr>
-                <a:t>Faux compte utilisateurs</a:t>
-              </a:r>
-            </a:p>
-            <a:p>
-              <a:pPr marL="0" marR="0" lvl="0" indent="0" algn="l" defTabSz="1333500" rtl="0" eaLnBrk="1" fontAlgn="auto" latinLnBrk="0" hangingPunct="1">
-                <a:lnSpc>
-                  <a:spcPct val="90000"/>
-                </a:lnSpc>
-                <a:spcBef>
-                  <a:spcPct val="0"/>
-                </a:spcBef>
-                <a:spcAft>
-                  <a:spcPct val="35000"/>
-                </a:spcAft>
-                <a:buClrTx/>
-                <a:buSzTx/>
-                <a:buFontTx/>
-                <a:buNone/>
-                <a:tabLst/>
-                <a:defRPr/>
-              </a:pPr>
-              <a:r>
-                <a:rPr kumimoji="0" lang="fr-FR" sz="1400" b="0" i="0" u="none" strike="noStrike" kern="1200" cap="none" spc="0" normalizeH="0" baseline="0" noProof="0" dirty="0">
-                  <a:ln>
-                    <a:noFill/>
-                  </a:ln>
-                  <a:solidFill>
-                    <a:prstClr val="white"/>
-                  </a:solidFill>
-                  <a:effectLst/>
-                  <a:uLnTx/>
-                  <a:uFillTx/>
-                  <a:latin typeface="Calibri" panose="020F0502020204030204"/>
-                  <a:ea typeface="+mn-ea"/>
-                  <a:cs typeface="+mn-cs"/>
-                </a:rPr>
-                <a:t>Nom de taches aléatoire</a:t>
-              </a:r>
-            </a:p>
-            <a:p>
-              <a:pPr marL="0" marR="0" lvl="0" indent="0" algn="l" defTabSz="1333500" rtl="0" eaLnBrk="1" fontAlgn="auto" latinLnBrk="0" hangingPunct="1">
-                <a:lnSpc>
-                  <a:spcPct val="90000"/>
-                </a:lnSpc>
-                <a:spcBef>
-                  <a:spcPct val="0"/>
-                </a:spcBef>
-                <a:spcAft>
-                  <a:spcPct val="35000"/>
-                </a:spcAft>
-                <a:buClrTx/>
-                <a:buSzTx/>
-                <a:buFontTx/>
-                <a:buNone/>
-                <a:tabLst/>
-                <a:defRPr/>
-              </a:pPr>
-              <a:endParaRPr kumimoji="0" lang="fr-FR" sz="1400" b="0" i="0" u="none" strike="noStrike" kern="1200" cap="none" spc="0" normalizeH="0" baseline="0" noProof="0" dirty="0">
-                <a:ln>
-                  <a:noFill/>
-                </a:ln>
-                <a:solidFill>
-                  <a:prstClr val="white"/>
-                </a:solidFill>
-                <a:effectLst/>
-                <a:uLnTx/>
-                <a:uFillTx/>
-                <a:latin typeface="Calibri" panose="020F0502020204030204"/>
-                <a:ea typeface="+mn-ea"/>
-                <a:cs typeface="+mn-cs"/>
-              </a:endParaRPr>
-            </a:p>
-            <a:p>
-              <a:pPr marL="0" marR="0" lvl="0" indent="0" algn="l" defTabSz="1333500" rtl="0" eaLnBrk="1" fontAlgn="auto" latinLnBrk="0" hangingPunct="1">
-                <a:lnSpc>
-                  <a:spcPct val="90000"/>
-                </a:lnSpc>
-                <a:spcBef>
-                  <a:spcPct val="0"/>
-                </a:spcBef>
-                <a:spcAft>
-                  <a:spcPct val="35000"/>
-                </a:spcAft>
-                <a:buClrTx/>
-                <a:buSzTx/>
-                <a:buFontTx/>
-                <a:buNone/>
-                <a:tabLst/>
-                <a:defRPr/>
-              </a:pPr>
-              <a:endParaRPr kumimoji="0" lang="fr-FR" sz="1400" b="0" i="0" u="none" strike="noStrike" kern="1200" cap="none" spc="0" normalizeH="0" baseline="0" noProof="0" dirty="0">
-                <a:ln>
-                  <a:noFill/>
-                </a:ln>
-                <a:solidFill>
-                  <a:prstClr val="white"/>
-                </a:solidFill>
-                <a:effectLst/>
-                <a:uLnTx/>
-                <a:uFillTx/>
-                <a:latin typeface="Calibri" panose="020F0502020204030204"/>
-                <a:ea typeface="+mn-ea"/>
-                <a:cs typeface="+mn-cs"/>
-              </a:endParaRPr>
-            </a:p>
-          </p:txBody>
-        </p:sp>
-        <p:sp>
-          <p:nvSpPr>
-            <p:cNvPr id="8" name="Forme libre : forme 7">
-              <a:extLst>
-                <a:ext uri="{FF2B5EF4-FFF2-40B4-BE49-F238E27FC236}">
-                  <a16:creationId xmlns:a16="http://schemas.microsoft.com/office/drawing/2014/main" id="{66064629-7B0B-C25F-C959-4EBF4C5D9231}"/>
-                </a:ext>
-              </a:extLst>
-            </p:cNvPr>
-            <p:cNvSpPr/>
-            <p:nvPr/>
-          </p:nvSpPr>
-          <p:spPr>
-            <a:xfrm>
-              <a:off x="6202484" y="2392897"/>
-              <a:ext cx="5810680" cy="2072204"/>
-            </a:xfrm>
-            <a:custGeom>
-              <a:avLst/>
-              <a:gdLst>
-                <a:gd name="connsiteX0" fmla="*/ 0 w 5810680"/>
-                <a:gd name="connsiteY0" fmla="*/ 207220 h 2072204"/>
-                <a:gd name="connsiteX1" fmla="*/ 207220 w 5810680"/>
-                <a:gd name="connsiteY1" fmla="*/ 0 h 2072204"/>
-                <a:gd name="connsiteX2" fmla="*/ 5603460 w 5810680"/>
-                <a:gd name="connsiteY2" fmla="*/ 0 h 2072204"/>
-                <a:gd name="connsiteX3" fmla="*/ 5810680 w 5810680"/>
-                <a:gd name="connsiteY3" fmla="*/ 207220 h 2072204"/>
-                <a:gd name="connsiteX4" fmla="*/ 5810680 w 5810680"/>
-                <a:gd name="connsiteY4" fmla="*/ 1864984 h 2072204"/>
-                <a:gd name="connsiteX5" fmla="*/ 5603460 w 5810680"/>
-                <a:gd name="connsiteY5" fmla="*/ 2072204 h 2072204"/>
-                <a:gd name="connsiteX6" fmla="*/ 207220 w 5810680"/>
-                <a:gd name="connsiteY6" fmla="*/ 2072204 h 2072204"/>
-                <a:gd name="connsiteX7" fmla="*/ 0 w 5810680"/>
-                <a:gd name="connsiteY7" fmla="*/ 1864984 h 2072204"/>
-                <a:gd name="connsiteX8" fmla="*/ 0 w 5810680"/>
-                <a:gd name="connsiteY8" fmla="*/ 207220 h 2072204"/>
-              </a:gdLst>
-              <a:ahLst/>
-              <a:cxnLst>
-                <a:cxn ang="0">
-                  <a:pos x="connsiteX0" y="connsiteY0"/>
-                </a:cxn>
-                <a:cxn ang="0">
-                  <a:pos x="connsiteX1" y="connsiteY1"/>
-                </a:cxn>
-                <a:cxn ang="0">
-                  <a:pos x="connsiteX2" y="connsiteY2"/>
-                </a:cxn>
-                <a:cxn ang="0">
-                  <a:pos x="connsiteX3" y="connsiteY3"/>
-                </a:cxn>
-                <a:cxn ang="0">
-                  <a:pos x="connsiteX4" y="connsiteY4"/>
-                </a:cxn>
-                <a:cxn ang="0">
-                  <a:pos x="connsiteX5" y="connsiteY5"/>
-                </a:cxn>
-                <a:cxn ang="0">
-                  <a:pos x="connsiteX6" y="connsiteY6"/>
-                </a:cxn>
-                <a:cxn ang="0">
-                  <a:pos x="connsiteX7" y="connsiteY7"/>
-                </a:cxn>
-                <a:cxn ang="0">
-                  <a:pos x="connsiteX8" y="connsiteY8"/>
-                </a:cxn>
-              </a:cxnLst>
-              <a:rect l="l" t="t" r="r" b="b"/>
-              <a:pathLst>
-                <a:path w="5810680" h="2072204">
-                  <a:moveTo>
-                    <a:pt x="0" y="207220"/>
-                  </a:moveTo>
-                  <a:cubicBezTo>
-                    <a:pt x="0" y="92776"/>
-                    <a:pt x="92776" y="0"/>
-                    <a:pt x="207220" y="0"/>
-                  </a:cubicBezTo>
-                  <a:lnTo>
-                    <a:pt x="5603460" y="0"/>
-                  </a:lnTo>
-                  <a:cubicBezTo>
-                    <a:pt x="5717904" y="0"/>
-                    <a:pt x="5810680" y="92776"/>
-                    <a:pt x="5810680" y="207220"/>
-                  </a:cubicBezTo>
-                  <a:lnTo>
-                    <a:pt x="5810680" y="1864984"/>
-                  </a:lnTo>
-                  <a:cubicBezTo>
-                    <a:pt x="5810680" y="1979428"/>
-                    <a:pt x="5717904" y="2072204"/>
-                    <a:pt x="5603460" y="2072204"/>
-                  </a:cubicBezTo>
-                  <a:lnTo>
-                    <a:pt x="207220" y="2072204"/>
-                  </a:lnTo>
-                  <a:cubicBezTo>
-                    <a:pt x="92776" y="2072204"/>
-                    <a:pt x="0" y="1979428"/>
-                    <a:pt x="0" y="1864984"/>
-                  </a:cubicBezTo>
-                  <a:lnTo>
-                    <a:pt x="0" y="207220"/>
-                  </a:lnTo>
-                  <a:close/>
-                </a:path>
-              </a:pathLst>
-            </a:custGeom>
-          </p:spPr>
-          <p:style>
-            <a:lnRef idx="2">
-              <a:schemeClr val="lt1">
-                <a:hueOff val="0"/>
-                <a:satOff val="0"/>
-                <a:lumOff val="0"/>
-                <a:alphaOff val="0"/>
-              </a:schemeClr>
-            </a:lnRef>
-            <a:fillRef idx="1">
-              <a:schemeClr val="accent5">
-                <a:hueOff val="0"/>
-                <a:satOff val="0"/>
-                <a:lumOff val="0"/>
-                <a:alphaOff val="0"/>
-              </a:schemeClr>
-            </a:fillRef>
-            <a:effectRef idx="0">
-              <a:schemeClr val="accent5">
-                <a:hueOff val="0"/>
-                <a:satOff val="0"/>
-                <a:lumOff val="0"/>
-                <a:alphaOff val="0"/>
-              </a:schemeClr>
-            </a:effectRef>
-            <a:fontRef idx="minor">
-              <a:schemeClr val="lt1"/>
-            </a:fontRef>
-          </p:style>
-          <p:txBody>
-            <a:bodyPr spcFirstLastPara="0" vert="horz" wrap="square" lIns="266433" tIns="266433" rIns="266433" bIns="266433" numCol="1" spcCol="1270" anchor="t" anchorCtr="0">
-              <a:noAutofit/>
-            </a:bodyPr>
-            <a:lstStyle/>
-            <a:p>
-              <a:pPr marL="0" marR="0" lvl="0" indent="0" algn="l" defTabSz="2400300" rtl="0" eaLnBrk="1" fontAlgn="auto" latinLnBrk="0" hangingPunct="1">
-                <a:lnSpc>
-                  <a:spcPct val="90000"/>
-                </a:lnSpc>
-                <a:spcBef>
-                  <a:spcPct val="0"/>
-                </a:spcBef>
-                <a:spcAft>
-                  <a:spcPct val="35000"/>
-                </a:spcAft>
-                <a:buClrTx/>
-                <a:buSzTx/>
-                <a:buFontTx/>
-                <a:buNone/>
-                <a:tabLst/>
-                <a:defRPr/>
-              </a:pPr>
-              <a:r>
-                <a:rPr kumimoji="0" lang="fr-FR" sz="1400" b="1" i="0" u="sng" strike="noStrike" kern="1200" cap="none" spc="0" normalizeH="0" baseline="0" noProof="0" dirty="0">
-                  <a:ln>
-                    <a:noFill/>
-                  </a:ln>
-                  <a:solidFill>
-                    <a:prstClr val="white"/>
-                  </a:solidFill>
-                  <a:effectLst/>
-                  <a:uLnTx/>
-                  <a:uFillTx/>
-                  <a:latin typeface="Calibri" panose="020F0502020204030204"/>
-                  <a:ea typeface="+mn-ea"/>
-                  <a:cs typeface="+mn-cs"/>
-                </a:rPr>
-                <a:t>Hors scope (lister ici les cas limite non testés, les cas non accessibles et tout ce qui permettra de déterminer la limite du périmètre de tests)</a:t>
-              </a:r>
-            </a:p>
-            <a:p>
-              <a:pPr marL="0" marR="0" lvl="0" indent="0" algn="l" defTabSz="2400300" rtl="0" eaLnBrk="1" fontAlgn="auto" latinLnBrk="0" hangingPunct="1">
-                <a:lnSpc>
-                  <a:spcPct val="90000"/>
-                </a:lnSpc>
-                <a:spcBef>
-                  <a:spcPct val="0"/>
-                </a:spcBef>
-                <a:spcAft>
-                  <a:spcPct val="35000"/>
-                </a:spcAft>
-                <a:buClrTx/>
-                <a:buSzTx/>
-                <a:buFontTx/>
-                <a:buNone/>
-                <a:tabLst/>
-                <a:defRPr/>
-              </a:pPr>
-              <a:r>
-                <a:rPr kumimoji="0" lang="fr-FR" sz="1400" b="0" i="0" u="none" strike="noStrike" kern="1200" cap="none" spc="0" normalizeH="0" baseline="0" noProof="0" dirty="0">
-                  <a:ln>
-                    <a:noFill/>
-                  </a:ln>
-                  <a:solidFill>
-                    <a:prstClr val="white"/>
-                  </a:solidFill>
-                  <a:effectLst/>
-                  <a:uLnTx/>
-                  <a:uFillTx/>
-                  <a:latin typeface="Calibri" panose="020F0502020204030204"/>
-                  <a:ea typeface="+mn-ea"/>
-                  <a:cs typeface="+mn-cs"/>
-                </a:rPr>
-                <a:t>Saisies de caractère spéciaux type:  «*#%|</a:t>
-              </a:r>
-            </a:p>
-            <a:p>
-              <a:pPr marL="0" marR="0" lvl="0" indent="0" algn="l" defTabSz="2400300" rtl="0" eaLnBrk="1" fontAlgn="auto" latinLnBrk="0" hangingPunct="1">
-                <a:lnSpc>
-                  <a:spcPct val="90000"/>
-                </a:lnSpc>
-                <a:spcBef>
-                  <a:spcPct val="0"/>
-                </a:spcBef>
-                <a:spcAft>
-                  <a:spcPct val="35000"/>
-                </a:spcAft>
-                <a:buClrTx/>
-                <a:buSzTx/>
-                <a:buFontTx/>
-                <a:buNone/>
-                <a:tabLst/>
-                <a:defRPr/>
-              </a:pPr>
-              <a:r>
-                <a:rPr kumimoji="0" lang="fr-FR" sz="1400" b="0" i="0" u="none" strike="noStrike" kern="1200" cap="none" spc="0" normalizeH="0" baseline="0" noProof="0" dirty="0">
-                  <a:ln>
-                    <a:noFill/>
-                  </a:ln>
-                  <a:solidFill>
-                    <a:prstClr val="white"/>
-                  </a:solidFill>
-                  <a:effectLst/>
-                  <a:uLnTx/>
-                  <a:uFillTx/>
-                  <a:latin typeface="Calibri" panose="020F0502020204030204"/>
-                  <a:ea typeface="+mn-ea"/>
-                  <a:cs typeface="+mn-cs"/>
-                </a:rPr>
-                <a:t>Entrer de charactères spéciaux et uniquement de chiffres</a:t>
-              </a:r>
-            </a:p>
-            <a:p>
-              <a:pPr marL="0" marR="0" lvl="0" indent="0" algn="l" defTabSz="2400300" rtl="0" eaLnBrk="1" fontAlgn="auto" latinLnBrk="0" hangingPunct="1">
-                <a:lnSpc>
-                  <a:spcPct val="90000"/>
-                </a:lnSpc>
-                <a:spcBef>
-                  <a:spcPct val="0"/>
-                </a:spcBef>
-                <a:spcAft>
-                  <a:spcPct val="35000"/>
-                </a:spcAft>
-                <a:buClrTx/>
-                <a:buSzTx/>
-                <a:buFontTx/>
-                <a:buNone/>
-                <a:tabLst/>
-                <a:defRPr/>
-              </a:pPr>
-              <a:r>
-                <a:rPr kumimoji="0" lang="fr-FR" sz="1400" b="0" i="0" u="none" strike="noStrike" kern="1200" cap="none" spc="0" normalizeH="0" baseline="0" noProof="0" dirty="0">
-                  <a:ln>
-                    <a:noFill/>
-                  </a:ln>
-                  <a:solidFill>
-                    <a:prstClr val="white"/>
-                  </a:solidFill>
-                  <a:effectLst/>
-                  <a:uLnTx/>
-                  <a:uFillTx/>
-                  <a:latin typeface="Calibri" panose="020F0502020204030204"/>
-                  <a:ea typeface="+mn-ea"/>
-                  <a:cs typeface="+mn-cs"/>
-                </a:rPr>
-                <a:t>Entrer limite de charactères</a:t>
-              </a:r>
-            </a:p>
-            <a:p>
-              <a:pPr marL="0" marR="0" lvl="0" indent="0" algn="l" defTabSz="2400300" rtl="0" eaLnBrk="1" fontAlgn="auto" latinLnBrk="0" hangingPunct="1">
-                <a:lnSpc>
-                  <a:spcPct val="90000"/>
-                </a:lnSpc>
-                <a:spcBef>
-                  <a:spcPct val="0"/>
-                </a:spcBef>
-                <a:spcAft>
-                  <a:spcPct val="35000"/>
-                </a:spcAft>
-                <a:buClrTx/>
-                <a:buSzTx/>
-                <a:buFontTx/>
-                <a:buNone/>
-                <a:tabLst/>
-                <a:defRPr/>
-              </a:pPr>
-              <a:endParaRPr kumimoji="0" lang="fr-FR" sz="1400" b="0" i="0" u="none" strike="noStrike" kern="1200" cap="none" spc="0" normalizeH="0" baseline="0" noProof="0" dirty="0">
-                <a:ln>
-                  <a:noFill/>
-                </a:ln>
-                <a:solidFill>
-                  <a:prstClr val="white"/>
-                </a:solidFill>
-                <a:effectLst/>
-                <a:uLnTx/>
-                <a:uFillTx/>
-                <a:latin typeface="Calibri" panose="020F0502020204030204"/>
-                <a:ea typeface="+mn-ea"/>
-                <a:cs typeface="+mn-cs"/>
-              </a:endParaRPr>
-            </a:p>
-            <a:p>
-              <a:pPr marL="0" marR="0" lvl="0" indent="0" algn="l" defTabSz="2400300" rtl="0" eaLnBrk="1" fontAlgn="auto" latinLnBrk="0" hangingPunct="1">
-                <a:lnSpc>
-                  <a:spcPct val="90000"/>
-                </a:lnSpc>
-                <a:spcBef>
-                  <a:spcPct val="0"/>
-                </a:spcBef>
-                <a:spcAft>
-                  <a:spcPct val="35000"/>
-                </a:spcAft>
-                <a:buClrTx/>
-                <a:buSzTx/>
-                <a:buFontTx/>
-                <a:buNone/>
-                <a:tabLst/>
-                <a:defRPr/>
-              </a:pPr>
-              <a:endParaRPr kumimoji="0" lang="fr-FR" sz="1400" b="0" i="0" u="none" strike="noStrike" kern="1200" cap="none" spc="0" normalizeH="0" baseline="0" noProof="0" dirty="0">
-                <a:ln>
-                  <a:noFill/>
-                </a:ln>
-                <a:solidFill>
-                  <a:prstClr val="white"/>
-                </a:solidFill>
-                <a:effectLst/>
-                <a:uLnTx/>
-                <a:uFillTx/>
-                <a:latin typeface="Calibri" panose="020F0502020204030204"/>
-                <a:ea typeface="+mn-ea"/>
-                <a:cs typeface="+mn-cs"/>
-              </a:endParaRPr>
-            </a:p>
-            <a:p>
-              <a:pPr marL="0" marR="0" lvl="0" indent="0" algn="l" defTabSz="2400300" rtl="0" eaLnBrk="1" fontAlgn="auto" latinLnBrk="0" hangingPunct="1">
-                <a:lnSpc>
-                  <a:spcPct val="90000"/>
-                </a:lnSpc>
-                <a:spcBef>
-                  <a:spcPct val="0"/>
-                </a:spcBef>
-                <a:spcAft>
-                  <a:spcPct val="35000"/>
-                </a:spcAft>
-                <a:buClrTx/>
-                <a:buSzTx/>
-                <a:buFontTx/>
-                <a:buNone/>
-                <a:tabLst/>
-                <a:defRPr/>
-              </a:pPr>
-              <a:endParaRPr kumimoji="0" lang="fr-FR" sz="1400" b="1" i="0" u="sng" strike="noStrike" kern="1200" cap="none" spc="0" normalizeH="0" baseline="0" noProof="0" dirty="0">
-                <a:ln>
-                  <a:noFill/>
-                </a:ln>
-                <a:solidFill>
-                  <a:prstClr val="white"/>
-                </a:solidFill>
-                <a:effectLst/>
-                <a:uLnTx/>
-                <a:uFillTx/>
-                <a:latin typeface="Calibri" panose="020F0502020204030204"/>
-                <a:ea typeface="+mn-ea"/>
-                <a:cs typeface="+mn-cs"/>
-              </a:endParaRPr>
-            </a:p>
-          </p:txBody>
-        </p:sp>
-        <p:sp>
-          <p:nvSpPr>
-            <p:cNvPr id="9" name="Forme libre : forme 8">
-              <a:extLst>
-                <a:ext uri="{FF2B5EF4-FFF2-40B4-BE49-F238E27FC236}">
-                  <a16:creationId xmlns:a16="http://schemas.microsoft.com/office/drawing/2014/main" id="{2F7D2A6D-A987-BE81-6081-55AF662860A4}"/>
-                </a:ext>
-              </a:extLst>
-            </p:cNvPr>
-            <p:cNvSpPr/>
-            <p:nvPr/>
-          </p:nvSpPr>
-          <p:spPr>
-            <a:xfrm>
-              <a:off x="6228547" y="4672487"/>
-              <a:ext cx="2845583" cy="2072204"/>
-            </a:xfrm>
-            <a:custGeom>
-              <a:avLst/>
-              <a:gdLst>
-                <a:gd name="connsiteX0" fmla="*/ 0 w 2845583"/>
-                <a:gd name="connsiteY0" fmla="*/ 207220 h 2072204"/>
-                <a:gd name="connsiteX1" fmla="*/ 207220 w 2845583"/>
-                <a:gd name="connsiteY1" fmla="*/ 0 h 2072204"/>
-                <a:gd name="connsiteX2" fmla="*/ 2638363 w 2845583"/>
-                <a:gd name="connsiteY2" fmla="*/ 0 h 2072204"/>
-                <a:gd name="connsiteX3" fmla="*/ 2845583 w 2845583"/>
-                <a:gd name="connsiteY3" fmla="*/ 207220 h 2072204"/>
-                <a:gd name="connsiteX4" fmla="*/ 2845583 w 2845583"/>
-                <a:gd name="connsiteY4" fmla="*/ 1864984 h 2072204"/>
-                <a:gd name="connsiteX5" fmla="*/ 2638363 w 2845583"/>
-                <a:gd name="connsiteY5" fmla="*/ 2072204 h 2072204"/>
-                <a:gd name="connsiteX6" fmla="*/ 207220 w 2845583"/>
-                <a:gd name="connsiteY6" fmla="*/ 2072204 h 2072204"/>
-                <a:gd name="connsiteX7" fmla="*/ 0 w 2845583"/>
-                <a:gd name="connsiteY7" fmla="*/ 1864984 h 2072204"/>
-                <a:gd name="connsiteX8" fmla="*/ 0 w 2845583"/>
-                <a:gd name="connsiteY8" fmla="*/ 207220 h 2072204"/>
-              </a:gdLst>
-              <a:ahLst/>
-              <a:cxnLst>
-                <a:cxn ang="0">
-                  <a:pos x="connsiteX0" y="connsiteY0"/>
-                </a:cxn>
-                <a:cxn ang="0">
-                  <a:pos x="connsiteX1" y="connsiteY1"/>
-                </a:cxn>
-                <a:cxn ang="0">
-                  <a:pos x="connsiteX2" y="connsiteY2"/>
-                </a:cxn>
-                <a:cxn ang="0">
-                  <a:pos x="connsiteX3" y="connsiteY3"/>
-                </a:cxn>
-                <a:cxn ang="0">
-                  <a:pos x="connsiteX4" y="connsiteY4"/>
-                </a:cxn>
-                <a:cxn ang="0">
-                  <a:pos x="connsiteX5" y="connsiteY5"/>
-                </a:cxn>
-                <a:cxn ang="0">
-                  <a:pos x="connsiteX6" y="connsiteY6"/>
-                </a:cxn>
-                <a:cxn ang="0">
-                  <a:pos x="connsiteX7" y="connsiteY7"/>
-                </a:cxn>
-                <a:cxn ang="0">
-                  <a:pos x="connsiteX8" y="connsiteY8"/>
-                </a:cxn>
-              </a:cxnLst>
-              <a:rect l="l" t="t" r="r" b="b"/>
-              <a:pathLst>
-                <a:path w="2845583" h="2072204">
-                  <a:moveTo>
-                    <a:pt x="0" y="207220"/>
-                  </a:moveTo>
-                  <a:cubicBezTo>
-                    <a:pt x="0" y="92776"/>
-                    <a:pt x="92776" y="0"/>
-                    <a:pt x="207220" y="0"/>
-                  </a:cubicBezTo>
-                  <a:lnTo>
-                    <a:pt x="2638363" y="0"/>
-                  </a:lnTo>
-                  <a:cubicBezTo>
-                    <a:pt x="2752807" y="0"/>
-                    <a:pt x="2845583" y="92776"/>
-                    <a:pt x="2845583" y="207220"/>
-                  </a:cubicBezTo>
-                  <a:lnTo>
-                    <a:pt x="2845583" y="1864984"/>
-                  </a:lnTo>
-                  <a:cubicBezTo>
-                    <a:pt x="2845583" y="1979428"/>
-                    <a:pt x="2752807" y="2072204"/>
-                    <a:pt x="2638363" y="2072204"/>
-                  </a:cubicBezTo>
-                  <a:lnTo>
-                    <a:pt x="207220" y="2072204"/>
-                  </a:lnTo>
-                  <a:cubicBezTo>
-                    <a:pt x="92776" y="2072204"/>
-                    <a:pt x="0" y="1979428"/>
-                    <a:pt x="0" y="1864984"/>
-                  </a:cubicBezTo>
-                  <a:lnTo>
-                    <a:pt x="0" y="207220"/>
-                  </a:lnTo>
-                  <a:close/>
-                </a:path>
-              </a:pathLst>
-            </a:custGeom>
-            <a:solidFill>
-              <a:schemeClr val="accent4"/>
-            </a:solidFill>
-          </p:spPr>
-          <p:style>
-            <a:lnRef idx="2">
-              <a:schemeClr val="lt1">
-                <a:hueOff val="0"/>
-                <a:satOff val="0"/>
-                <a:lumOff val="0"/>
-                <a:alphaOff val="0"/>
-              </a:schemeClr>
-            </a:lnRef>
-            <a:fillRef idx="1">
-              <a:schemeClr val="accent6">
-                <a:hueOff val="0"/>
-                <a:satOff val="0"/>
-                <a:lumOff val="0"/>
-                <a:alphaOff val="0"/>
-              </a:schemeClr>
-            </a:fillRef>
-            <a:effectRef idx="0">
-              <a:schemeClr val="accent6">
-                <a:hueOff val="0"/>
-                <a:satOff val="0"/>
-                <a:lumOff val="0"/>
-                <a:alphaOff val="0"/>
-              </a:schemeClr>
-            </a:effectRef>
-            <a:fontRef idx="minor">
-              <a:schemeClr val="lt1"/>
-            </a:fontRef>
-          </p:style>
-          <p:txBody>
-            <a:bodyPr spcFirstLastPara="0" vert="horz" wrap="square" lIns="174993" tIns="174993" rIns="174993" bIns="174993" numCol="1" spcCol="1270" anchor="t" anchorCtr="0">
-              <a:noAutofit/>
-            </a:bodyPr>
-            <a:lstStyle/>
-            <a:p>
-              <a:pPr marL="0" marR="0" lvl="0" indent="0" algn="l" defTabSz="1333500" rtl="0" eaLnBrk="1" fontAlgn="auto" latinLnBrk="0" hangingPunct="1">
-                <a:lnSpc>
-                  <a:spcPct val="90000"/>
-                </a:lnSpc>
-                <a:spcBef>
-                  <a:spcPct val="0"/>
-                </a:spcBef>
-                <a:spcAft>
-                  <a:spcPct val="35000"/>
-                </a:spcAft>
-                <a:buClrTx/>
-                <a:buSzTx/>
-                <a:buFontTx/>
-                <a:buNone/>
-                <a:tabLst/>
-                <a:defRPr/>
-              </a:pPr>
-              <a:r>
-                <a:rPr kumimoji="0" lang="fr-FR" sz="1400" b="1" i="0" u="sng" strike="noStrike" kern="1200" cap="none" spc="0" normalizeH="0" baseline="0" noProof="0" dirty="0">
-                  <a:ln>
-                    <a:noFill/>
-                  </a:ln>
-                  <a:solidFill>
-                    <a:prstClr val="black"/>
-                  </a:solidFill>
-                  <a:effectLst/>
-                  <a:uLnTx/>
-                  <a:uFillTx/>
-                  <a:latin typeface="Calibri" panose="020F0502020204030204"/>
-                  <a:ea typeface="+mn-ea"/>
-                  <a:cs typeface="+mn-cs"/>
-                </a:rPr>
-                <a:t>Risques</a:t>
-              </a:r>
-            </a:p>
-            <a:p>
-              <a:pPr marL="0" marR="0" lvl="0" indent="0" algn="l" defTabSz="1333500" rtl="0" eaLnBrk="1" fontAlgn="auto" latinLnBrk="0" hangingPunct="1">
-                <a:lnSpc>
-                  <a:spcPct val="90000"/>
-                </a:lnSpc>
-                <a:spcBef>
-                  <a:spcPct val="0"/>
-                </a:spcBef>
-                <a:spcAft>
-                  <a:spcPct val="35000"/>
-                </a:spcAft>
-                <a:buClrTx/>
-                <a:buSzTx/>
-                <a:buFontTx/>
-                <a:buNone/>
-                <a:tabLst/>
-                <a:defRPr/>
-              </a:pPr>
-              <a:r>
-                <a:rPr kumimoji="0" lang="fr-FR" sz="1400" b="0" i="0" u="none" strike="noStrike" kern="1200" cap="none" spc="0" normalizeH="0" baseline="0" noProof="0" dirty="0">
-                  <a:ln>
-                    <a:noFill/>
-                  </a:ln>
-                  <a:solidFill>
-                    <a:prstClr val="black"/>
-                  </a:solidFill>
-                  <a:effectLst/>
-                  <a:uLnTx/>
-                  <a:uFillTx/>
-                  <a:latin typeface="Calibri" panose="020F0502020204030204"/>
-                  <a:ea typeface="+mn-ea"/>
-                  <a:cs typeface="+mn-cs"/>
-                </a:rPr>
-                <a:t>Modifier les taches des utilisateurs</a:t>
-              </a:r>
-            </a:p>
-            <a:p>
-              <a:pPr marL="0" marR="0" lvl="0" indent="0" algn="l" defTabSz="1333500" rtl="0" eaLnBrk="1" fontAlgn="auto" latinLnBrk="0" hangingPunct="1">
-                <a:lnSpc>
-                  <a:spcPct val="90000"/>
-                </a:lnSpc>
-                <a:spcBef>
-                  <a:spcPct val="0"/>
-                </a:spcBef>
-                <a:spcAft>
-                  <a:spcPct val="35000"/>
-                </a:spcAft>
-                <a:buClrTx/>
-                <a:buSzTx/>
-                <a:buFontTx/>
-                <a:buNone/>
-                <a:tabLst/>
-                <a:defRPr/>
-              </a:pPr>
-              <a:r>
-                <a:rPr kumimoji="0" lang="fr-FR" sz="1400" b="0" i="0" u="none" strike="noStrike" kern="1200" cap="none" spc="0" normalizeH="0" baseline="0" noProof="0" dirty="0">
-                  <a:ln>
-                    <a:noFill/>
-                  </a:ln>
-                  <a:solidFill>
-                    <a:prstClr val="black"/>
-                  </a:solidFill>
-                  <a:effectLst/>
-                  <a:uLnTx/>
-                  <a:uFillTx/>
-                  <a:latin typeface="Calibri" panose="020F0502020204030204"/>
-                  <a:ea typeface="+mn-ea"/>
-                  <a:cs typeface="+mn-cs"/>
-                </a:rPr>
-                <a:t>Créer des nouvelles taches au utilisateurs</a:t>
-              </a:r>
-            </a:p>
-          </p:txBody>
-        </p:sp>
-        <p:sp>
-          <p:nvSpPr>
-            <p:cNvPr id="10" name="Forme libre : forme 9">
-              <a:extLst>
-                <a:ext uri="{FF2B5EF4-FFF2-40B4-BE49-F238E27FC236}">
-                  <a16:creationId xmlns:a16="http://schemas.microsoft.com/office/drawing/2014/main" id="{16512F84-A41F-BF6B-DEC4-4A8BFC8E8873}"/>
-                </a:ext>
-              </a:extLst>
-            </p:cNvPr>
-            <p:cNvSpPr/>
-            <p:nvPr/>
-          </p:nvSpPr>
-          <p:spPr>
-            <a:xfrm>
-              <a:off x="9193645" y="4672487"/>
-              <a:ext cx="2845583" cy="2072204"/>
-            </a:xfrm>
-            <a:custGeom>
-              <a:avLst/>
-              <a:gdLst>
-                <a:gd name="connsiteX0" fmla="*/ 0 w 2845583"/>
-                <a:gd name="connsiteY0" fmla="*/ 207220 h 2072204"/>
-                <a:gd name="connsiteX1" fmla="*/ 207220 w 2845583"/>
-                <a:gd name="connsiteY1" fmla="*/ 0 h 2072204"/>
-                <a:gd name="connsiteX2" fmla="*/ 2638363 w 2845583"/>
-                <a:gd name="connsiteY2" fmla="*/ 0 h 2072204"/>
-                <a:gd name="connsiteX3" fmla="*/ 2845583 w 2845583"/>
-                <a:gd name="connsiteY3" fmla="*/ 207220 h 2072204"/>
-                <a:gd name="connsiteX4" fmla="*/ 2845583 w 2845583"/>
-                <a:gd name="connsiteY4" fmla="*/ 1864984 h 2072204"/>
-                <a:gd name="connsiteX5" fmla="*/ 2638363 w 2845583"/>
-                <a:gd name="connsiteY5" fmla="*/ 2072204 h 2072204"/>
-                <a:gd name="connsiteX6" fmla="*/ 207220 w 2845583"/>
-                <a:gd name="connsiteY6" fmla="*/ 2072204 h 2072204"/>
-                <a:gd name="connsiteX7" fmla="*/ 0 w 2845583"/>
-                <a:gd name="connsiteY7" fmla="*/ 1864984 h 2072204"/>
-                <a:gd name="connsiteX8" fmla="*/ 0 w 2845583"/>
-                <a:gd name="connsiteY8" fmla="*/ 207220 h 2072204"/>
-              </a:gdLst>
-              <a:ahLst/>
-              <a:cxnLst>
-                <a:cxn ang="0">
-                  <a:pos x="connsiteX0" y="connsiteY0"/>
-                </a:cxn>
-                <a:cxn ang="0">
-                  <a:pos x="connsiteX1" y="connsiteY1"/>
-                </a:cxn>
-                <a:cxn ang="0">
-                  <a:pos x="connsiteX2" y="connsiteY2"/>
-                </a:cxn>
-                <a:cxn ang="0">
-                  <a:pos x="connsiteX3" y="connsiteY3"/>
-                </a:cxn>
-                <a:cxn ang="0">
-                  <a:pos x="connsiteX4" y="connsiteY4"/>
-                </a:cxn>
-                <a:cxn ang="0">
-                  <a:pos x="connsiteX5" y="connsiteY5"/>
-                </a:cxn>
-                <a:cxn ang="0">
-                  <a:pos x="connsiteX6" y="connsiteY6"/>
-                </a:cxn>
-                <a:cxn ang="0">
-                  <a:pos x="connsiteX7" y="connsiteY7"/>
-                </a:cxn>
-                <a:cxn ang="0">
-                  <a:pos x="connsiteX8" y="connsiteY8"/>
-                </a:cxn>
-              </a:cxnLst>
-              <a:rect l="l" t="t" r="r" b="b"/>
-              <a:pathLst>
-                <a:path w="2845583" h="2072204">
-                  <a:moveTo>
-                    <a:pt x="0" y="207220"/>
-                  </a:moveTo>
-                  <a:cubicBezTo>
-                    <a:pt x="0" y="92776"/>
-                    <a:pt x="92776" y="0"/>
-                    <a:pt x="207220" y="0"/>
-                  </a:cubicBezTo>
-                  <a:lnTo>
-                    <a:pt x="2638363" y="0"/>
-                  </a:lnTo>
-                  <a:cubicBezTo>
-                    <a:pt x="2752807" y="0"/>
-                    <a:pt x="2845583" y="92776"/>
-                    <a:pt x="2845583" y="207220"/>
-                  </a:cubicBezTo>
-                  <a:lnTo>
-                    <a:pt x="2845583" y="1864984"/>
-                  </a:lnTo>
-                  <a:cubicBezTo>
-                    <a:pt x="2845583" y="1979428"/>
-                    <a:pt x="2752807" y="2072204"/>
-                    <a:pt x="2638363" y="2072204"/>
-                  </a:cubicBezTo>
-                  <a:lnTo>
-                    <a:pt x="207220" y="2072204"/>
-                  </a:lnTo>
-                  <a:cubicBezTo>
-                    <a:pt x="92776" y="2072204"/>
-                    <a:pt x="0" y="1979428"/>
-                    <a:pt x="0" y="1864984"/>
-                  </a:cubicBezTo>
-                  <a:lnTo>
-                    <a:pt x="0" y="207220"/>
-                  </a:lnTo>
-                  <a:close/>
-                </a:path>
-              </a:pathLst>
-            </a:custGeom>
-          </p:spPr>
-          <p:style>
-            <a:lnRef idx="2">
-              <a:schemeClr val="lt1">
-                <a:hueOff val="0"/>
-                <a:satOff val="0"/>
-                <a:lumOff val="0"/>
-                <a:alphaOff val="0"/>
-              </a:schemeClr>
-            </a:lnRef>
-            <a:fillRef idx="1">
-              <a:schemeClr val="accent6">
-                <a:hueOff val="0"/>
-                <a:satOff val="0"/>
-                <a:lumOff val="0"/>
-                <a:alphaOff val="0"/>
-              </a:schemeClr>
-            </a:fillRef>
-            <a:effectRef idx="0">
-              <a:schemeClr val="accent6">
-                <a:hueOff val="0"/>
-                <a:satOff val="0"/>
-                <a:lumOff val="0"/>
-                <a:alphaOff val="0"/>
-              </a:schemeClr>
-            </a:effectRef>
-            <a:fontRef idx="minor">
-              <a:schemeClr val="lt1"/>
-            </a:fontRef>
-          </p:style>
-          <p:txBody>
-            <a:bodyPr spcFirstLastPara="0" vert="horz" wrap="square" lIns="174993" tIns="174993" rIns="174993" bIns="174993" numCol="1" spcCol="1270" anchor="t" anchorCtr="0">
-              <a:noAutofit/>
-            </a:bodyPr>
-            <a:lstStyle/>
-            <a:p>
-              <a:pPr marL="0" marR="0" lvl="0" indent="0" algn="l" defTabSz="1333500" rtl="0" eaLnBrk="1" fontAlgn="auto" latinLnBrk="0" hangingPunct="1">
-                <a:lnSpc>
-                  <a:spcPct val="90000"/>
-                </a:lnSpc>
-                <a:spcBef>
-                  <a:spcPct val="0"/>
-                </a:spcBef>
-                <a:spcAft>
-                  <a:spcPct val="35000"/>
-                </a:spcAft>
-                <a:buClrTx/>
-                <a:buSzTx/>
-                <a:buFontTx/>
-                <a:buNone/>
-                <a:tabLst/>
-                <a:defRPr/>
-              </a:pPr>
-              <a:r>
-                <a:rPr kumimoji="0" lang="fr-FR" sz="1400" b="1" i="0" u="sng" strike="noStrike" kern="1200" cap="none" spc="0" normalizeH="0" baseline="0" noProof="0" dirty="0">
-                  <a:ln>
-                    <a:noFill/>
-                  </a:ln>
-                  <a:solidFill>
-                    <a:prstClr val="white"/>
-                  </a:solidFill>
-                  <a:effectLst/>
-                  <a:uLnTx/>
-                  <a:uFillTx/>
-                  <a:latin typeface="Calibri" panose="020F0502020204030204"/>
-                  <a:ea typeface="+mn-ea"/>
-                  <a:cs typeface="+mn-cs"/>
-                </a:rPr>
-                <a:t>Ressources, calendrier</a:t>
-              </a:r>
-            </a:p>
-            <a:p>
-              <a:pPr marL="0" marR="0" lvl="0" indent="0" algn="l" defTabSz="1333500" rtl="0" eaLnBrk="1" fontAlgn="auto" latinLnBrk="0" hangingPunct="1">
-                <a:lnSpc>
-                  <a:spcPct val="90000"/>
-                </a:lnSpc>
-                <a:spcBef>
-                  <a:spcPct val="0"/>
-                </a:spcBef>
-                <a:spcAft>
-                  <a:spcPct val="35000"/>
-                </a:spcAft>
-                <a:buClrTx/>
-                <a:buSzTx/>
-                <a:buFontTx/>
-                <a:buNone/>
-                <a:tabLst/>
-                <a:defRPr/>
-              </a:pPr>
-              <a:r>
-                <a:rPr kumimoji="0" lang="fr-FR" sz="1400" b="0" i="0" u="none" strike="noStrike" kern="1200" cap="none" spc="0" normalizeH="0" baseline="0" noProof="0" dirty="0">
-                  <a:ln>
-                    <a:noFill/>
-                  </a:ln>
-                  <a:solidFill>
-                    <a:prstClr val="white"/>
-                  </a:solidFill>
-                  <a:effectLst/>
-                  <a:uLnTx/>
-                  <a:uFillTx/>
-                  <a:latin typeface="Calibri" panose="020F0502020204030204"/>
-                  <a:ea typeface="+mn-ea"/>
-                  <a:cs typeface="+mn-cs"/>
-                </a:rPr>
-                <a:t>Tests à réaliser dès la fin des différents plans de test</a:t>
-              </a:r>
-            </a:p>
-            <a:p>
-              <a:pPr marL="0" marR="0" lvl="0" indent="0" algn="l" defTabSz="1333500" rtl="0" eaLnBrk="1" fontAlgn="auto" latinLnBrk="0" hangingPunct="1">
-                <a:lnSpc>
-                  <a:spcPct val="90000"/>
-                </a:lnSpc>
-                <a:spcBef>
-                  <a:spcPct val="0"/>
-                </a:spcBef>
-                <a:spcAft>
-                  <a:spcPct val="35000"/>
-                </a:spcAft>
-                <a:buClrTx/>
-                <a:buSzTx/>
-                <a:buFontTx/>
-                <a:buNone/>
-                <a:tabLst/>
-                <a:defRPr/>
-              </a:pPr>
-              <a:endParaRPr kumimoji="0" lang="fr-FR" sz="1400" b="1" i="0" u="sng" strike="noStrike" kern="1200" cap="none" spc="0" normalizeH="0" baseline="0" noProof="0" dirty="0">
-                <a:ln>
-                  <a:noFill/>
-                </a:ln>
-                <a:solidFill>
-                  <a:prstClr val="white"/>
-                </a:solidFill>
-                <a:effectLst/>
-                <a:uLnTx/>
-                <a:uFillTx/>
-                <a:latin typeface="Calibri" panose="020F0502020204030204"/>
-                <a:ea typeface="+mn-ea"/>
-                <a:cs typeface="+mn-cs"/>
-              </a:endParaRPr>
-            </a:p>
-          </p:txBody>
-        </p:sp>
-      </p:grpSp>
-      <p:sp>
-        <p:nvSpPr>
-          <p:cNvPr id="13" name="ZoneTexte 12">
-            <a:extLst>
-              <a:ext uri="{FF2B5EF4-FFF2-40B4-BE49-F238E27FC236}">
-                <a16:creationId xmlns:a16="http://schemas.microsoft.com/office/drawing/2014/main" id="{CE8EF61D-A04D-7E9D-BAA1-3C7353834DC6}"/>
-              </a:ext>
-            </a:extLst>
-          </p:cNvPr>
-          <p:cNvSpPr txBox="1"/>
-          <p:nvPr/>
-        </p:nvSpPr>
-        <p:spPr>
-          <a:xfrm>
-            <a:off x="2468461" y="321887"/>
-            <a:ext cx="6094602" cy="424732"/>
-          </a:xfrm>
-          <a:prstGeom prst="rect">
-            <a:avLst/>
-          </a:prstGeom>
-          <a:noFill/>
-        </p:spPr>
-        <p:txBody>
-          <a:bodyPr wrap="square">
-            <a:spAutoFit/>
-          </a:bodyPr>
-          <a:lstStyle/>
-          <a:p>
-            <a:pPr marL="0" marR="0" lvl="0" indent="0" algn="ctr" defTabSz="2400300" rtl="0" eaLnBrk="1" fontAlgn="auto" latinLnBrk="0" hangingPunct="1">
-              <a:lnSpc>
-                <a:spcPct val="90000"/>
-              </a:lnSpc>
-              <a:spcBef>
-                <a:spcPct val="0"/>
-              </a:spcBef>
-              <a:spcAft>
-                <a:spcPct val="35000"/>
-              </a:spcAft>
-              <a:buClrTx/>
-              <a:buSzTx/>
-              <a:buFontTx/>
-              <a:buNone/>
-              <a:tabLst/>
-              <a:defRPr/>
-            </a:pPr>
-            <a:r>
-              <a:rPr kumimoji="0" lang="fr-FR" sz="2400" b="0" i="0" u="none" strike="noStrike" kern="1200" cap="none" spc="0" normalizeH="0" baseline="0" noProof="0" dirty="0">
-                <a:ln>
-                  <a:noFill/>
-                </a:ln>
-                <a:solidFill>
-                  <a:prstClr val="black"/>
-                </a:solidFill>
-                <a:effectLst/>
-                <a:uLnTx/>
-                <a:uFillTx/>
-                <a:latin typeface="Calibri" panose="020F0502020204030204"/>
-                <a:ea typeface="+mn-ea"/>
-                <a:cs typeface="+mn-cs"/>
-              </a:rPr>
-              <a:t>Création d’un To Do</a:t>
-            </a:r>
-          </a:p>
-        </p:txBody>
-      </p:sp>
-    </p:spTree>
-    <p:extLst>
-      <p:ext uri="{BB962C8B-B14F-4D97-AF65-F5344CB8AC3E}">
-        <p14:creationId xmlns:p14="http://schemas.microsoft.com/office/powerpoint/2010/main" val="2706972947"/>
-      </p:ext>
-    </p:extLst>
-  </p:cSld>
-  <p:clrMapOvr>
-    <a:masterClrMapping/>
-  </p:clrMapOvr>
-</p:sld>
-</file>
-
-<file path=ppt/slides/slide3.xml><?xml version="1.0" encoding="utf-8"?>
-<p:sld xmlns:a="http://schemas.openxmlformats.org/drawingml/2006/main" xmlns:r="http://schemas.openxmlformats.org/officeDocument/2006/relationships" xmlns:p="http://schemas.openxmlformats.org/presentationml/2006/main">
-  <p:cSld>
-    <p:spTree>
-      <p:nvGrpSpPr>
-        <p:cNvPr id="1" name=""/>
-        <p:cNvGrpSpPr/>
-        <p:nvPr/>
-      </p:nvGrpSpPr>
-      <p:grpSpPr>
-        <a:xfrm>
-          <a:off x="0" y="0"/>
-          <a:ext cx="0" cy="0"/>
-          <a:chOff x="0" y="0"/>
-          <a:chExt cx="0" cy="0"/>
-        </a:xfrm>
-      </p:grpSpPr>
-      <p:grpSp>
-        <p:nvGrpSpPr>
-          <p:cNvPr id="2" name="Groupe 1">
-            <a:extLst>
-              <a:ext uri="{FF2B5EF4-FFF2-40B4-BE49-F238E27FC236}">
-                <a16:creationId xmlns:a16="http://schemas.microsoft.com/office/drawing/2014/main" id="{A39088D0-176C-FC79-FE20-DE23CC5A9B39}"/>
-              </a:ext>
-            </a:extLst>
-          </p:cNvPr>
-          <p:cNvGrpSpPr/>
-          <p:nvPr/>
-        </p:nvGrpSpPr>
-        <p:grpSpPr>
-          <a:xfrm>
-            <a:off x="437112" y="746619"/>
-            <a:ext cx="11317775" cy="5998071"/>
-            <a:chOff x="178838" y="113307"/>
-            <a:chExt cx="11860390" cy="6631384"/>
-          </a:xfrm>
-        </p:grpSpPr>
-        <p:sp>
-          <p:nvSpPr>
-            <p:cNvPr id="3" name="Forme libre : forme 2">
-              <a:extLst>
-                <a:ext uri="{FF2B5EF4-FFF2-40B4-BE49-F238E27FC236}">
-                  <a16:creationId xmlns:a16="http://schemas.microsoft.com/office/drawing/2014/main" id="{89A6DEB8-C80F-97AB-F679-111595B282B2}"/>
-                </a:ext>
-              </a:extLst>
-            </p:cNvPr>
-            <p:cNvSpPr/>
-            <p:nvPr/>
-          </p:nvSpPr>
-          <p:spPr>
-            <a:xfrm>
-              <a:off x="178838" y="113307"/>
-              <a:ext cx="11860390" cy="2072204"/>
-            </a:xfrm>
-            <a:custGeom>
-              <a:avLst/>
-              <a:gdLst>
-                <a:gd name="connsiteX0" fmla="*/ 0 w 11860390"/>
-                <a:gd name="connsiteY0" fmla="*/ 207220 h 2072204"/>
-                <a:gd name="connsiteX1" fmla="*/ 207220 w 11860390"/>
-                <a:gd name="connsiteY1" fmla="*/ 0 h 2072204"/>
-                <a:gd name="connsiteX2" fmla="*/ 11653170 w 11860390"/>
-                <a:gd name="connsiteY2" fmla="*/ 0 h 2072204"/>
-                <a:gd name="connsiteX3" fmla="*/ 11860390 w 11860390"/>
-                <a:gd name="connsiteY3" fmla="*/ 207220 h 2072204"/>
-                <a:gd name="connsiteX4" fmla="*/ 11860390 w 11860390"/>
-                <a:gd name="connsiteY4" fmla="*/ 1864984 h 2072204"/>
-                <a:gd name="connsiteX5" fmla="*/ 11653170 w 11860390"/>
-                <a:gd name="connsiteY5" fmla="*/ 2072204 h 2072204"/>
-                <a:gd name="connsiteX6" fmla="*/ 207220 w 11860390"/>
-                <a:gd name="connsiteY6" fmla="*/ 2072204 h 2072204"/>
-                <a:gd name="connsiteX7" fmla="*/ 0 w 11860390"/>
-                <a:gd name="connsiteY7" fmla="*/ 1864984 h 2072204"/>
-                <a:gd name="connsiteX8" fmla="*/ 0 w 11860390"/>
-                <a:gd name="connsiteY8" fmla="*/ 207220 h 2072204"/>
-              </a:gdLst>
-              <a:ahLst/>
-              <a:cxnLst>
-                <a:cxn ang="0">
-                  <a:pos x="connsiteX0" y="connsiteY0"/>
-                </a:cxn>
-                <a:cxn ang="0">
-                  <a:pos x="connsiteX1" y="connsiteY1"/>
-                </a:cxn>
-                <a:cxn ang="0">
-                  <a:pos x="connsiteX2" y="connsiteY2"/>
-                </a:cxn>
-                <a:cxn ang="0">
-                  <a:pos x="connsiteX3" y="connsiteY3"/>
-                </a:cxn>
-                <a:cxn ang="0">
-                  <a:pos x="connsiteX4" y="connsiteY4"/>
-                </a:cxn>
-                <a:cxn ang="0">
-                  <a:pos x="connsiteX5" y="connsiteY5"/>
-                </a:cxn>
-                <a:cxn ang="0">
-                  <a:pos x="connsiteX6" y="connsiteY6"/>
-                </a:cxn>
-                <a:cxn ang="0">
-                  <a:pos x="connsiteX7" y="connsiteY7"/>
-                </a:cxn>
-                <a:cxn ang="0">
-                  <a:pos x="connsiteX8" y="connsiteY8"/>
-                </a:cxn>
-              </a:cxnLst>
-              <a:rect l="l" t="t" r="r" b="b"/>
-              <a:pathLst>
-                <a:path w="11860390" h="2072204">
-                  <a:moveTo>
-                    <a:pt x="0" y="207220"/>
-                  </a:moveTo>
-                  <a:cubicBezTo>
-                    <a:pt x="0" y="92776"/>
-                    <a:pt x="92776" y="0"/>
-                    <a:pt x="207220" y="0"/>
-                  </a:cubicBezTo>
-                  <a:lnTo>
-                    <a:pt x="11653170" y="0"/>
-                  </a:lnTo>
-                  <a:cubicBezTo>
-                    <a:pt x="11767614" y="0"/>
-                    <a:pt x="11860390" y="92776"/>
-                    <a:pt x="11860390" y="207220"/>
-                  </a:cubicBezTo>
-                  <a:lnTo>
-                    <a:pt x="11860390" y="1864984"/>
-                  </a:lnTo>
-                  <a:cubicBezTo>
-                    <a:pt x="11860390" y="1979428"/>
-                    <a:pt x="11767614" y="2072204"/>
-                    <a:pt x="11653170" y="2072204"/>
-                  </a:cubicBezTo>
-                  <a:lnTo>
-                    <a:pt x="207220" y="2072204"/>
-                  </a:lnTo>
-                  <a:cubicBezTo>
-                    <a:pt x="92776" y="2072204"/>
-                    <a:pt x="0" y="1979428"/>
-                    <a:pt x="0" y="1864984"/>
-                  </a:cubicBezTo>
-                  <a:lnTo>
-                    <a:pt x="0" y="207220"/>
-                  </a:lnTo>
-                  <a:close/>
-                </a:path>
-              </a:pathLst>
-            </a:custGeom>
-          </p:spPr>
-          <p:style>
-            <a:lnRef idx="2">
-              <a:schemeClr val="lt1">
-                <a:hueOff val="0"/>
-                <a:satOff val="0"/>
-                <a:lumOff val="0"/>
-                <a:alphaOff val="0"/>
-              </a:schemeClr>
-            </a:lnRef>
-            <a:fillRef idx="1">
-              <a:schemeClr val="accent3">
-                <a:hueOff val="0"/>
-                <a:satOff val="0"/>
-                <a:lumOff val="0"/>
-                <a:alphaOff val="0"/>
-              </a:schemeClr>
-            </a:fillRef>
-            <a:effectRef idx="0">
-              <a:schemeClr val="accent3">
-                <a:hueOff val="0"/>
-                <a:satOff val="0"/>
-                <a:lumOff val="0"/>
-                <a:alphaOff val="0"/>
-              </a:schemeClr>
-            </a:effectRef>
-            <a:fontRef idx="minor">
-              <a:schemeClr val="lt1"/>
-            </a:fontRef>
-          </p:style>
-          <p:txBody>
-            <a:bodyPr spcFirstLastPara="0" vert="horz" wrap="square" lIns="266433" tIns="266433" rIns="266433" bIns="266433" numCol="1" spcCol="1270" anchor="t" anchorCtr="0">
-              <a:noAutofit/>
-            </a:bodyPr>
-            <a:lstStyle/>
-            <a:p>
-              <a:pPr marL="0" marR="0" lvl="0" indent="0" algn="l" defTabSz="2400300" rtl="0" eaLnBrk="1" fontAlgn="auto" latinLnBrk="0" hangingPunct="1">
-                <a:lnSpc>
-                  <a:spcPct val="90000"/>
-                </a:lnSpc>
-                <a:spcBef>
-                  <a:spcPct val="0"/>
-                </a:spcBef>
-                <a:spcAft>
-                  <a:spcPct val="35000"/>
-                </a:spcAft>
-                <a:buClrTx/>
-                <a:buSzTx/>
-                <a:buFontTx/>
-                <a:buNone/>
-                <a:tabLst/>
-                <a:defRPr/>
-              </a:pPr>
-              <a:endParaRPr kumimoji="0" lang="fr-FR" sz="1400" b="1" i="0" u="sng" strike="noStrike" kern="1200" cap="none" spc="0" normalizeH="0" baseline="0" noProof="0" dirty="0">
-                <a:ln>
-                  <a:noFill/>
-                </a:ln>
-                <a:solidFill>
-                  <a:prstClr val="white"/>
-                </a:solidFill>
-                <a:effectLst/>
-                <a:uLnTx/>
-                <a:uFillTx/>
-                <a:latin typeface="Calibri" panose="020F0502020204030204"/>
-                <a:ea typeface="+mn-ea"/>
-                <a:cs typeface="+mn-cs"/>
-              </a:endParaRPr>
-            </a:p>
-            <a:p>
-              <a:pPr marL="0" marR="0" lvl="0" indent="0" algn="l" defTabSz="2400300" rtl="0" eaLnBrk="1" fontAlgn="auto" latinLnBrk="0" hangingPunct="1">
-                <a:lnSpc>
-                  <a:spcPct val="90000"/>
-                </a:lnSpc>
-                <a:spcBef>
-                  <a:spcPct val="0"/>
-                </a:spcBef>
-                <a:spcAft>
-                  <a:spcPct val="35000"/>
-                </a:spcAft>
-                <a:buClrTx/>
-                <a:buSzTx/>
-                <a:buFontTx/>
-                <a:buNone/>
-                <a:tabLst/>
-                <a:defRPr/>
-              </a:pPr>
-              <a:r>
-                <a:rPr kumimoji="0" lang="fr-FR" sz="1400" b="0" i="0" u="none" strike="noStrike" kern="1200" cap="none" spc="0" normalizeH="0" baseline="0" noProof="0" dirty="0">
-                  <a:ln>
-                    <a:noFill/>
-                  </a:ln>
-                  <a:solidFill>
-                    <a:prstClr val="white"/>
-                  </a:solidFill>
-                  <a:effectLst/>
-                  <a:uLnTx/>
-                  <a:uFillTx/>
-                  <a:latin typeface="Calibri" panose="020F0502020204030204"/>
-                  <a:ea typeface="+mn-ea"/>
-                  <a:cs typeface="+mn-cs"/>
-                </a:rPr>
-                <a:t>Version du logiciel : 1.0.0</a:t>
-              </a:r>
-            </a:p>
-            <a:p>
-              <a:pPr marL="0" marR="0" lvl="0" indent="0" algn="l" defTabSz="2400300" rtl="0" eaLnBrk="1" fontAlgn="auto" latinLnBrk="0" hangingPunct="1">
-                <a:lnSpc>
-                  <a:spcPct val="90000"/>
-                </a:lnSpc>
-                <a:spcBef>
-                  <a:spcPct val="0"/>
-                </a:spcBef>
-                <a:spcAft>
-                  <a:spcPct val="35000"/>
-                </a:spcAft>
-                <a:buClrTx/>
-                <a:buSzTx/>
-                <a:buFontTx/>
-                <a:buNone/>
-                <a:tabLst/>
-                <a:defRPr/>
-              </a:pPr>
-              <a:r>
-                <a:rPr kumimoji="0" lang="fr-FR" sz="1400" b="0" i="0" u="none" strike="noStrike" kern="1200" cap="none" spc="0" normalizeH="0" baseline="0" noProof="0" dirty="0">
-                  <a:ln>
-                    <a:noFill/>
-                  </a:ln>
-                  <a:solidFill>
-                    <a:prstClr val="white"/>
-                  </a:solidFill>
-                  <a:effectLst/>
-                  <a:uLnTx/>
-                  <a:uFillTx/>
-                  <a:latin typeface="Calibri" panose="020F0502020204030204"/>
-                  <a:ea typeface="+mn-ea"/>
-                  <a:cs typeface="+mn-cs"/>
-                </a:rPr>
-                <a:t>Domaine fonctionnel : Saisie des données de la création de compte.</a:t>
-              </a:r>
-            </a:p>
-            <a:p>
-              <a:pPr marL="0" marR="0" lvl="0" indent="0" algn="l" defTabSz="2400300" rtl="0" eaLnBrk="1" fontAlgn="auto" latinLnBrk="0" hangingPunct="1">
-                <a:lnSpc>
-                  <a:spcPct val="90000"/>
-                </a:lnSpc>
-                <a:spcBef>
-                  <a:spcPct val="0"/>
-                </a:spcBef>
-                <a:spcAft>
-                  <a:spcPct val="35000"/>
-                </a:spcAft>
-                <a:buClrTx/>
-                <a:buSzTx/>
-                <a:buFontTx/>
-                <a:buNone/>
-                <a:tabLst/>
-                <a:defRPr/>
-              </a:pPr>
-              <a:r>
-                <a:rPr kumimoji="0" lang="fr-FR" sz="1400" b="0" i="0" u="none" strike="noStrike" kern="1200" cap="none" spc="0" normalizeH="0" baseline="0" noProof="0" dirty="0">
-                  <a:ln>
-                    <a:noFill/>
-                  </a:ln>
-                  <a:solidFill>
-                    <a:prstClr val="white"/>
-                  </a:solidFill>
-                  <a:effectLst/>
-                  <a:uLnTx/>
-                  <a:uFillTx/>
-                  <a:latin typeface="Calibri" panose="020F0502020204030204"/>
-                  <a:ea typeface="+mn-ea"/>
-                  <a:cs typeface="+mn-cs"/>
-                </a:rPr>
-                <a:t>Contexte du plan de test : Ce plan de test permet de vérifier </a:t>
-              </a:r>
-              <a:r>
-                <a:rPr lang="fr-FR" sz="1400" dirty="0"/>
-                <a:t>la mise à jour, la suppression du profil et de prendre les infos du </a:t>
-              </a:r>
-              <a:r>
-                <a:rPr lang="fr-FR" sz="1400" dirty="0" err="1"/>
-                <a:t>users</a:t>
-              </a:r>
-              <a:endParaRPr kumimoji="0" lang="fr-FR" sz="1400" b="0" i="0" u="none" strike="noStrike" kern="1200" cap="none" spc="0" normalizeH="0" baseline="0" noProof="0" dirty="0">
-                <a:ln>
-                  <a:noFill/>
-                </a:ln>
-                <a:solidFill>
-                  <a:prstClr val="white"/>
-                </a:solidFill>
-                <a:effectLst/>
-                <a:uLnTx/>
-                <a:uFillTx/>
-                <a:latin typeface="Calibri" panose="020F0502020204030204"/>
-                <a:ea typeface="+mn-ea"/>
-                <a:cs typeface="+mn-cs"/>
-              </a:endParaRPr>
-            </a:p>
-          </p:txBody>
-        </p:sp>
-        <p:sp>
-          <p:nvSpPr>
-            <p:cNvPr id="5" name="Forme libre : forme 4">
-              <a:extLst>
-                <a:ext uri="{FF2B5EF4-FFF2-40B4-BE49-F238E27FC236}">
-                  <a16:creationId xmlns:a16="http://schemas.microsoft.com/office/drawing/2014/main" id="{95975E07-FCB2-7D1E-C69E-CD35025D11DB}"/>
-                </a:ext>
-              </a:extLst>
-            </p:cNvPr>
-            <p:cNvSpPr/>
-            <p:nvPr/>
-          </p:nvSpPr>
-          <p:spPr>
-            <a:xfrm>
-              <a:off x="178838" y="2392897"/>
-              <a:ext cx="5810680" cy="2072204"/>
-            </a:xfrm>
-            <a:custGeom>
-              <a:avLst/>
-              <a:gdLst>
-                <a:gd name="connsiteX0" fmla="*/ 0 w 5810680"/>
-                <a:gd name="connsiteY0" fmla="*/ 207220 h 2072204"/>
-                <a:gd name="connsiteX1" fmla="*/ 207220 w 5810680"/>
-                <a:gd name="connsiteY1" fmla="*/ 0 h 2072204"/>
-                <a:gd name="connsiteX2" fmla="*/ 5603460 w 5810680"/>
-                <a:gd name="connsiteY2" fmla="*/ 0 h 2072204"/>
-                <a:gd name="connsiteX3" fmla="*/ 5810680 w 5810680"/>
-                <a:gd name="connsiteY3" fmla="*/ 207220 h 2072204"/>
-                <a:gd name="connsiteX4" fmla="*/ 5810680 w 5810680"/>
-                <a:gd name="connsiteY4" fmla="*/ 1864984 h 2072204"/>
-                <a:gd name="connsiteX5" fmla="*/ 5603460 w 5810680"/>
-                <a:gd name="connsiteY5" fmla="*/ 2072204 h 2072204"/>
-                <a:gd name="connsiteX6" fmla="*/ 207220 w 5810680"/>
-                <a:gd name="connsiteY6" fmla="*/ 2072204 h 2072204"/>
-                <a:gd name="connsiteX7" fmla="*/ 0 w 5810680"/>
-                <a:gd name="connsiteY7" fmla="*/ 1864984 h 2072204"/>
-                <a:gd name="connsiteX8" fmla="*/ 0 w 5810680"/>
-                <a:gd name="connsiteY8" fmla="*/ 207220 h 2072204"/>
-              </a:gdLst>
-              <a:ahLst/>
-              <a:cxnLst>
-                <a:cxn ang="0">
-                  <a:pos x="connsiteX0" y="connsiteY0"/>
-                </a:cxn>
-                <a:cxn ang="0">
-                  <a:pos x="connsiteX1" y="connsiteY1"/>
-                </a:cxn>
-                <a:cxn ang="0">
-                  <a:pos x="connsiteX2" y="connsiteY2"/>
-                </a:cxn>
-                <a:cxn ang="0">
-                  <a:pos x="connsiteX3" y="connsiteY3"/>
-                </a:cxn>
-                <a:cxn ang="0">
-                  <a:pos x="connsiteX4" y="connsiteY4"/>
-                </a:cxn>
-                <a:cxn ang="0">
-                  <a:pos x="connsiteX5" y="connsiteY5"/>
-                </a:cxn>
-                <a:cxn ang="0">
-                  <a:pos x="connsiteX6" y="connsiteY6"/>
-                </a:cxn>
-                <a:cxn ang="0">
-                  <a:pos x="connsiteX7" y="connsiteY7"/>
-                </a:cxn>
-                <a:cxn ang="0">
-                  <a:pos x="connsiteX8" y="connsiteY8"/>
-                </a:cxn>
-              </a:cxnLst>
-              <a:rect l="l" t="t" r="r" b="b"/>
-              <a:pathLst>
-                <a:path w="5810680" h="2072204">
-                  <a:moveTo>
-                    <a:pt x="0" y="207220"/>
-                  </a:moveTo>
-                  <a:cubicBezTo>
-                    <a:pt x="0" y="92776"/>
-                    <a:pt x="92776" y="0"/>
-                    <a:pt x="207220" y="0"/>
-                  </a:cubicBezTo>
-                  <a:lnTo>
-                    <a:pt x="5603460" y="0"/>
-                  </a:lnTo>
-                  <a:cubicBezTo>
-                    <a:pt x="5717904" y="0"/>
-                    <a:pt x="5810680" y="92776"/>
-                    <a:pt x="5810680" y="207220"/>
-                  </a:cubicBezTo>
-                  <a:lnTo>
-                    <a:pt x="5810680" y="1864984"/>
-                  </a:lnTo>
-                  <a:cubicBezTo>
-                    <a:pt x="5810680" y="1979428"/>
-                    <a:pt x="5717904" y="2072204"/>
-                    <a:pt x="5603460" y="2072204"/>
-                  </a:cubicBezTo>
-                  <a:lnTo>
-                    <a:pt x="207220" y="2072204"/>
-                  </a:lnTo>
-                  <a:cubicBezTo>
-                    <a:pt x="92776" y="2072204"/>
-                    <a:pt x="0" y="1979428"/>
-                    <a:pt x="0" y="1864984"/>
-                  </a:cubicBezTo>
-                  <a:lnTo>
-                    <a:pt x="0" y="207220"/>
-                  </a:lnTo>
-                  <a:close/>
-                </a:path>
-              </a:pathLst>
-            </a:custGeom>
-          </p:spPr>
-          <p:style>
-            <a:lnRef idx="2">
-              <a:schemeClr val="lt1">
-                <a:hueOff val="0"/>
-                <a:satOff val="0"/>
-                <a:lumOff val="0"/>
-                <a:alphaOff val="0"/>
-              </a:schemeClr>
-            </a:lnRef>
-            <a:fillRef idx="1">
-              <a:schemeClr val="accent5">
-                <a:hueOff val="0"/>
-                <a:satOff val="0"/>
-                <a:lumOff val="0"/>
-                <a:alphaOff val="0"/>
-              </a:schemeClr>
-            </a:fillRef>
-            <a:effectRef idx="0">
-              <a:schemeClr val="accent5">
-                <a:hueOff val="0"/>
-                <a:satOff val="0"/>
-                <a:lumOff val="0"/>
-                <a:alphaOff val="0"/>
-              </a:schemeClr>
-            </a:effectRef>
-            <a:fontRef idx="minor">
-              <a:schemeClr val="lt1"/>
-            </a:fontRef>
-          </p:style>
-          <p:txBody>
-            <a:bodyPr spcFirstLastPara="0" vert="horz" wrap="square" lIns="266433" tIns="266433" rIns="266433" bIns="266433" numCol="1" spcCol="1270" anchor="t" anchorCtr="0">
-              <a:noAutofit/>
-            </a:bodyPr>
-            <a:lstStyle/>
-            <a:p>
-              <a:pPr marL="0" marR="0" lvl="0" indent="0" algn="l" defTabSz="2400300" rtl="0" eaLnBrk="1" fontAlgn="auto" latinLnBrk="0" hangingPunct="1">
-                <a:lnSpc>
-                  <a:spcPct val="90000"/>
-                </a:lnSpc>
-                <a:spcBef>
-                  <a:spcPct val="0"/>
-                </a:spcBef>
-                <a:spcAft>
-                  <a:spcPct val="35000"/>
-                </a:spcAft>
-                <a:buClrTx/>
-                <a:buSzTx/>
-                <a:buFontTx/>
-                <a:buNone/>
-                <a:tabLst/>
-                <a:defRPr/>
-              </a:pPr>
-              <a:r>
-                <a:rPr kumimoji="0" lang="fr-FR" sz="1400" b="1" i="0" u="sng" strike="noStrike" kern="1200" cap="none" spc="0" normalizeH="0" baseline="0" noProof="0" dirty="0">
-                  <a:ln>
-                    <a:noFill/>
-                  </a:ln>
-                  <a:solidFill>
-                    <a:prstClr val="white"/>
-                  </a:solidFill>
-                  <a:effectLst/>
-                  <a:uLnTx/>
-                  <a:uFillTx/>
-                  <a:latin typeface="Calibri" panose="020F0502020204030204"/>
-                  <a:ea typeface="+mn-ea"/>
-                  <a:cs typeface="+mn-cs"/>
-                </a:rPr>
-                <a:t>Scope </a:t>
-              </a:r>
-            </a:p>
-            <a:p>
-              <a:pPr marL="0" marR="0" lvl="0" indent="0" algn="l" defTabSz="2400300" rtl="0" eaLnBrk="1" fontAlgn="auto" latinLnBrk="0" hangingPunct="1">
-                <a:lnSpc>
-                  <a:spcPct val="90000"/>
-                </a:lnSpc>
-                <a:spcBef>
-                  <a:spcPct val="0"/>
-                </a:spcBef>
-                <a:spcAft>
-                  <a:spcPct val="35000"/>
-                </a:spcAft>
-                <a:buClrTx/>
-                <a:buSzTx/>
-                <a:buFontTx/>
-                <a:buNone/>
-                <a:tabLst/>
-                <a:defRPr/>
-              </a:pPr>
-              <a:r>
-                <a:rPr kumimoji="0" lang="fr-FR" sz="1200" b="0" i="0" u="none" strike="noStrike" kern="1200" cap="none" spc="0" normalizeH="0" baseline="0" noProof="0" dirty="0">
-                  <a:ln>
-                    <a:noFill/>
-                  </a:ln>
-                  <a:solidFill>
-                    <a:prstClr val="white"/>
-                  </a:solidFill>
-                  <a:effectLst/>
-                  <a:uLnTx/>
-                  <a:uFillTx/>
-                  <a:latin typeface="Calibri" panose="020F0502020204030204"/>
-                  <a:ea typeface="+mn-ea"/>
-                  <a:cs typeface="+mn-cs"/>
-                </a:rPr>
-                <a:t>Entrer dans un champ type email</a:t>
-              </a:r>
-            </a:p>
-            <a:p>
-              <a:pPr marL="0" marR="0" lvl="0" indent="0" algn="l" defTabSz="2400300" rtl="0" eaLnBrk="1" fontAlgn="auto" latinLnBrk="0" hangingPunct="1">
-                <a:lnSpc>
-                  <a:spcPct val="90000"/>
-                </a:lnSpc>
-                <a:spcBef>
-                  <a:spcPct val="0"/>
-                </a:spcBef>
-                <a:spcAft>
-                  <a:spcPct val="35000"/>
-                </a:spcAft>
-                <a:buClrTx/>
-                <a:buSzTx/>
-                <a:buFontTx/>
-                <a:buNone/>
-                <a:tabLst/>
-                <a:defRPr/>
-              </a:pPr>
-              <a:r>
-                <a:rPr kumimoji="0" lang="fr-FR" sz="1200" b="0" i="0" u="none" strike="noStrike" kern="1200" cap="none" spc="0" normalizeH="0" baseline="0" noProof="0" dirty="0">
-                  <a:ln>
-                    <a:noFill/>
-                  </a:ln>
-                  <a:solidFill>
-                    <a:prstClr val="white"/>
-                  </a:solidFill>
-                  <a:effectLst/>
-                  <a:uLnTx/>
-                  <a:uFillTx/>
-                  <a:latin typeface="Calibri" panose="020F0502020204030204"/>
-                  <a:ea typeface="+mn-ea"/>
-                  <a:cs typeface="+mn-cs"/>
-                </a:rPr>
-                <a:t>Entrer dans un champ type charactères </a:t>
-              </a:r>
-            </a:p>
-            <a:p>
-              <a:pPr marL="0" marR="0" lvl="0" indent="0" algn="l" defTabSz="2400300" rtl="0" eaLnBrk="1" fontAlgn="auto" latinLnBrk="0" hangingPunct="1">
-                <a:lnSpc>
-                  <a:spcPct val="90000"/>
-                </a:lnSpc>
-                <a:spcBef>
-                  <a:spcPct val="0"/>
-                </a:spcBef>
-                <a:spcAft>
-                  <a:spcPct val="35000"/>
-                </a:spcAft>
-                <a:buClrTx/>
-                <a:buSzTx/>
-                <a:buFontTx/>
-                <a:buNone/>
-                <a:tabLst/>
-                <a:defRPr/>
-              </a:pPr>
-              <a:r>
-                <a:rPr kumimoji="0" lang="fr-FR" sz="1200" b="0" i="0" u="none" strike="noStrike" kern="1200" cap="none" spc="0" normalizeH="0" baseline="0" noProof="0" dirty="0">
-                  <a:ln>
-                    <a:noFill/>
-                  </a:ln>
-                  <a:solidFill>
-                    <a:prstClr val="white"/>
-                  </a:solidFill>
-                  <a:effectLst/>
-                  <a:uLnTx/>
-                  <a:uFillTx/>
-                  <a:latin typeface="Calibri" panose="020F0502020204030204"/>
-                  <a:ea typeface="+mn-ea"/>
-                  <a:cs typeface="+mn-cs"/>
-                </a:rPr>
-                <a:t>Entrer dans champ type numérique</a:t>
-              </a:r>
-            </a:p>
-            <a:p>
-              <a:pPr marL="0" marR="0" lvl="0" indent="0" algn="l" defTabSz="2400300" rtl="0" eaLnBrk="1" fontAlgn="auto" latinLnBrk="0" hangingPunct="1">
-                <a:lnSpc>
-                  <a:spcPct val="90000"/>
-                </a:lnSpc>
-                <a:spcBef>
-                  <a:spcPct val="0"/>
-                </a:spcBef>
-                <a:spcAft>
-                  <a:spcPct val="35000"/>
-                </a:spcAft>
-                <a:buClrTx/>
-                <a:buSzTx/>
-                <a:buFontTx/>
-                <a:buNone/>
-                <a:tabLst/>
-                <a:defRPr/>
-              </a:pPr>
-              <a:r>
-                <a:rPr lang="fr-FR" sz="1200" dirty="0">
-                  <a:solidFill>
-                    <a:prstClr val="white"/>
-                  </a:solidFill>
-                  <a:latin typeface="Calibri" panose="020F0502020204030204"/>
-                </a:rPr>
-                <a:t>Suppression du profil</a:t>
-              </a:r>
-              <a:endParaRPr kumimoji="0" lang="fr-FR" sz="1200" b="0" i="0" u="none" strike="noStrike" kern="1200" cap="none" spc="0" normalizeH="0" baseline="0" noProof="0" dirty="0">
-                <a:ln>
-                  <a:noFill/>
-                </a:ln>
-                <a:solidFill>
-                  <a:prstClr val="white"/>
-                </a:solidFill>
-                <a:effectLst/>
-                <a:uLnTx/>
-                <a:uFillTx/>
-                <a:latin typeface="Calibri" panose="020F0502020204030204"/>
-                <a:ea typeface="+mn-ea"/>
-                <a:cs typeface="+mn-cs"/>
-              </a:endParaRPr>
-            </a:p>
-            <a:p>
-              <a:pPr marL="0" marR="0" lvl="0" indent="0" algn="l" defTabSz="2400300" rtl="0" eaLnBrk="1" fontAlgn="auto" latinLnBrk="0" hangingPunct="1">
-                <a:lnSpc>
-                  <a:spcPct val="90000"/>
-                </a:lnSpc>
-                <a:spcBef>
-                  <a:spcPct val="0"/>
-                </a:spcBef>
-                <a:spcAft>
-                  <a:spcPct val="35000"/>
-                </a:spcAft>
-                <a:buClrTx/>
-                <a:buSzTx/>
-                <a:buFontTx/>
-                <a:buNone/>
-                <a:tabLst/>
-                <a:defRPr/>
-              </a:pPr>
-              <a:endParaRPr kumimoji="0" lang="fr-FR" sz="1200" b="0" i="0" u="none" strike="noStrike" kern="1200" cap="none" spc="0" normalizeH="0" baseline="0" noProof="0" dirty="0">
-                <a:ln>
-                  <a:noFill/>
-                </a:ln>
-                <a:solidFill>
-                  <a:prstClr val="white"/>
-                </a:solidFill>
-                <a:effectLst/>
-                <a:uLnTx/>
-                <a:uFillTx/>
-                <a:latin typeface="Calibri" panose="020F0502020204030204"/>
-                <a:ea typeface="+mn-ea"/>
-                <a:cs typeface="+mn-cs"/>
-              </a:endParaRPr>
-            </a:p>
-            <a:p>
-              <a:pPr marL="0" marR="0" lvl="0" indent="0" algn="l" defTabSz="2400300" rtl="0" eaLnBrk="1" fontAlgn="auto" latinLnBrk="0" hangingPunct="1">
-                <a:lnSpc>
-                  <a:spcPct val="90000"/>
-                </a:lnSpc>
-                <a:spcBef>
-                  <a:spcPct val="0"/>
-                </a:spcBef>
-                <a:spcAft>
-                  <a:spcPct val="35000"/>
-                </a:spcAft>
-                <a:buClrTx/>
-                <a:buSzTx/>
-                <a:buFontTx/>
-                <a:buNone/>
-                <a:tabLst/>
-                <a:defRPr/>
-              </a:pPr>
-              <a:r>
-                <a:rPr kumimoji="0" lang="fr-FR" sz="1200" b="0" i="0" u="none" strike="noStrike" kern="1200" cap="none" spc="0" normalizeH="0" baseline="0" noProof="0" dirty="0">
-                  <a:ln>
-                    <a:noFill/>
-                  </a:ln>
-                  <a:solidFill>
-                    <a:prstClr val="white"/>
-                  </a:solidFill>
-                  <a:effectLst/>
-                  <a:uLnTx/>
-                  <a:uFillTx/>
-                  <a:latin typeface="Calibri" panose="020F0502020204030204"/>
-                  <a:ea typeface="+mn-ea"/>
-                  <a:cs typeface="+mn-cs"/>
-                </a:rPr>
-                <a:t>	</a:t>
-              </a:r>
-            </a:p>
-          </p:txBody>
-        </p:sp>
-        <p:sp>
-          <p:nvSpPr>
-            <p:cNvPr id="6" name="Forme libre : forme 5">
-              <a:extLst>
-                <a:ext uri="{FF2B5EF4-FFF2-40B4-BE49-F238E27FC236}">
-                  <a16:creationId xmlns:a16="http://schemas.microsoft.com/office/drawing/2014/main" id="{E4F2F71F-C983-7129-172A-442603BD6ECE}"/>
-                </a:ext>
-              </a:extLst>
-            </p:cNvPr>
-            <p:cNvSpPr/>
-            <p:nvPr/>
-          </p:nvSpPr>
-          <p:spPr>
-            <a:xfrm>
-              <a:off x="178838" y="4672487"/>
-              <a:ext cx="2845583" cy="2072204"/>
-            </a:xfrm>
-            <a:custGeom>
-              <a:avLst/>
-              <a:gdLst>
-                <a:gd name="connsiteX0" fmla="*/ 0 w 2845583"/>
-                <a:gd name="connsiteY0" fmla="*/ 207220 h 2072204"/>
-                <a:gd name="connsiteX1" fmla="*/ 207220 w 2845583"/>
-                <a:gd name="connsiteY1" fmla="*/ 0 h 2072204"/>
-                <a:gd name="connsiteX2" fmla="*/ 2638363 w 2845583"/>
-                <a:gd name="connsiteY2" fmla="*/ 0 h 2072204"/>
-                <a:gd name="connsiteX3" fmla="*/ 2845583 w 2845583"/>
-                <a:gd name="connsiteY3" fmla="*/ 207220 h 2072204"/>
-                <a:gd name="connsiteX4" fmla="*/ 2845583 w 2845583"/>
-                <a:gd name="connsiteY4" fmla="*/ 1864984 h 2072204"/>
-                <a:gd name="connsiteX5" fmla="*/ 2638363 w 2845583"/>
-                <a:gd name="connsiteY5" fmla="*/ 2072204 h 2072204"/>
-                <a:gd name="connsiteX6" fmla="*/ 207220 w 2845583"/>
-                <a:gd name="connsiteY6" fmla="*/ 2072204 h 2072204"/>
-                <a:gd name="connsiteX7" fmla="*/ 0 w 2845583"/>
-                <a:gd name="connsiteY7" fmla="*/ 1864984 h 2072204"/>
-                <a:gd name="connsiteX8" fmla="*/ 0 w 2845583"/>
-                <a:gd name="connsiteY8" fmla="*/ 207220 h 2072204"/>
-              </a:gdLst>
-              <a:ahLst/>
-              <a:cxnLst>
-                <a:cxn ang="0">
-                  <a:pos x="connsiteX0" y="connsiteY0"/>
-                </a:cxn>
-                <a:cxn ang="0">
-                  <a:pos x="connsiteX1" y="connsiteY1"/>
-                </a:cxn>
-                <a:cxn ang="0">
-                  <a:pos x="connsiteX2" y="connsiteY2"/>
-                </a:cxn>
-                <a:cxn ang="0">
-                  <a:pos x="connsiteX3" y="connsiteY3"/>
-                </a:cxn>
-                <a:cxn ang="0">
-                  <a:pos x="connsiteX4" y="connsiteY4"/>
-                </a:cxn>
-                <a:cxn ang="0">
-                  <a:pos x="connsiteX5" y="connsiteY5"/>
-                </a:cxn>
-                <a:cxn ang="0">
-                  <a:pos x="connsiteX6" y="connsiteY6"/>
-                </a:cxn>
-                <a:cxn ang="0">
-                  <a:pos x="connsiteX7" y="connsiteY7"/>
-                </a:cxn>
-                <a:cxn ang="0">
-                  <a:pos x="connsiteX8" y="connsiteY8"/>
-                </a:cxn>
-              </a:cxnLst>
-              <a:rect l="l" t="t" r="r" b="b"/>
-              <a:pathLst>
-                <a:path w="2845583" h="2072204">
-                  <a:moveTo>
-                    <a:pt x="0" y="207220"/>
-                  </a:moveTo>
-                  <a:cubicBezTo>
-                    <a:pt x="0" y="92776"/>
-                    <a:pt x="92776" y="0"/>
-                    <a:pt x="207220" y="0"/>
-                  </a:cubicBezTo>
-                  <a:lnTo>
-                    <a:pt x="2638363" y="0"/>
-                  </a:lnTo>
-                  <a:cubicBezTo>
-                    <a:pt x="2752807" y="0"/>
-                    <a:pt x="2845583" y="92776"/>
-                    <a:pt x="2845583" y="207220"/>
-                  </a:cubicBezTo>
-                  <a:lnTo>
-                    <a:pt x="2845583" y="1864984"/>
-                  </a:lnTo>
-                  <a:cubicBezTo>
-                    <a:pt x="2845583" y="1979428"/>
-                    <a:pt x="2752807" y="2072204"/>
-                    <a:pt x="2638363" y="2072204"/>
-                  </a:cubicBezTo>
-                  <a:lnTo>
-                    <a:pt x="207220" y="2072204"/>
-                  </a:lnTo>
-                  <a:cubicBezTo>
-                    <a:pt x="92776" y="2072204"/>
-                    <a:pt x="0" y="1979428"/>
-                    <a:pt x="0" y="1864984"/>
-                  </a:cubicBezTo>
-                  <a:lnTo>
-                    <a:pt x="0" y="207220"/>
-                  </a:lnTo>
-                  <a:close/>
-                </a:path>
-              </a:pathLst>
-            </a:custGeom>
-          </p:spPr>
-          <p:style>
-            <a:lnRef idx="2">
-              <a:schemeClr val="lt1">
-                <a:hueOff val="0"/>
-                <a:satOff val="0"/>
-                <a:lumOff val="0"/>
-                <a:alphaOff val="0"/>
-              </a:schemeClr>
-            </a:lnRef>
-            <a:fillRef idx="1">
-              <a:schemeClr val="accent6">
-                <a:hueOff val="0"/>
-                <a:satOff val="0"/>
-                <a:lumOff val="0"/>
-                <a:alphaOff val="0"/>
-              </a:schemeClr>
-            </a:fillRef>
-            <a:effectRef idx="0">
-              <a:schemeClr val="accent6">
-                <a:hueOff val="0"/>
-                <a:satOff val="0"/>
-                <a:lumOff val="0"/>
-                <a:alphaOff val="0"/>
-              </a:schemeClr>
-            </a:effectRef>
-            <a:fontRef idx="minor">
-              <a:schemeClr val="lt1"/>
-            </a:fontRef>
-          </p:style>
-          <p:txBody>
-            <a:bodyPr spcFirstLastPara="0" vert="horz" wrap="square" lIns="174993" tIns="174993" rIns="174993" bIns="174993" numCol="1" spcCol="1270" anchor="t" anchorCtr="0">
-              <a:noAutofit/>
-            </a:bodyPr>
-            <a:lstStyle/>
-            <a:p>
-              <a:pPr marL="0" marR="0" lvl="0" indent="0" algn="l" defTabSz="1333500" rtl="0" eaLnBrk="1" fontAlgn="auto" latinLnBrk="0" hangingPunct="1">
-                <a:lnSpc>
-                  <a:spcPct val="90000"/>
-                </a:lnSpc>
-                <a:spcBef>
-                  <a:spcPct val="0"/>
-                </a:spcBef>
-                <a:spcAft>
-                  <a:spcPct val="35000"/>
-                </a:spcAft>
-                <a:buClrTx/>
-                <a:buSzTx/>
-                <a:buFontTx/>
-                <a:buNone/>
-                <a:tabLst/>
-                <a:defRPr/>
-              </a:pPr>
-              <a:r>
-                <a:rPr kumimoji="0" lang="fr-FR" sz="1400" b="1" i="0" u="sng" strike="noStrike" kern="1200" cap="none" spc="0" normalizeH="0" baseline="0" noProof="0" dirty="0">
-                  <a:ln>
-                    <a:noFill/>
-                  </a:ln>
-                  <a:solidFill>
-                    <a:prstClr val="white"/>
-                  </a:solidFill>
-                  <a:effectLst/>
-                  <a:uLnTx/>
-                  <a:uFillTx/>
-                  <a:latin typeface="Calibri" panose="020F0502020204030204"/>
-                  <a:ea typeface="+mn-ea"/>
-                  <a:cs typeface="+mn-cs"/>
-                </a:rPr>
-                <a:t>Environnement</a:t>
-              </a:r>
-            </a:p>
-            <a:p>
-              <a:pPr marL="0" marR="0" lvl="0" indent="0" algn="l" defTabSz="1333500" rtl="0" eaLnBrk="1" fontAlgn="auto" latinLnBrk="0" hangingPunct="1">
-                <a:lnSpc>
-                  <a:spcPct val="90000"/>
-                </a:lnSpc>
-                <a:spcBef>
-                  <a:spcPct val="0"/>
-                </a:spcBef>
-                <a:spcAft>
-                  <a:spcPct val="35000"/>
-                </a:spcAft>
-                <a:buClrTx/>
-                <a:buSzTx/>
-                <a:buFontTx/>
-                <a:buNone/>
-                <a:tabLst/>
-                <a:defRPr/>
-              </a:pPr>
-              <a:r>
-                <a:rPr kumimoji="0" lang="fr-FR" sz="1400" b="0" i="0" u="none" strike="noStrike" kern="1200" cap="none" spc="0" normalizeH="0" baseline="0" noProof="0" dirty="0">
-                  <a:ln>
-                    <a:noFill/>
-                  </a:ln>
-                  <a:solidFill>
-                    <a:prstClr val="white"/>
-                  </a:solidFill>
-                  <a:effectLst/>
-                  <a:uLnTx/>
-                  <a:uFillTx/>
-                  <a:latin typeface="Calibri" panose="020F0502020204030204"/>
-                  <a:ea typeface="+mn-ea"/>
-                  <a:cs typeface="+mn-cs"/>
-                </a:rPr>
-                <a:t>Local</a:t>
-              </a:r>
-            </a:p>
-            <a:p>
-              <a:pPr marL="0" marR="0" lvl="0" indent="0" algn="l" defTabSz="1333500" rtl="0" eaLnBrk="1" fontAlgn="auto" latinLnBrk="0" hangingPunct="1">
-                <a:lnSpc>
-                  <a:spcPct val="90000"/>
-                </a:lnSpc>
-                <a:spcBef>
-                  <a:spcPct val="0"/>
-                </a:spcBef>
-                <a:spcAft>
-                  <a:spcPct val="35000"/>
-                </a:spcAft>
-                <a:buClrTx/>
-                <a:buSzTx/>
-                <a:buFontTx/>
-                <a:buNone/>
-                <a:tabLst/>
-                <a:defRPr/>
-              </a:pPr>
-              <a:r>
-                <a:rPr kumimoji="0" lang="fr-FR" sz="1400" b="0" i="0" u="none" strike="noStrike" kern="1200" cap="none" spc="0" normalizeH="0" baseline="0" noProof="0" dirty="0">
-                  <a:ln>
-                    <a:noFill/>
-                  </a:ln>
-                  <a:solidFill>
-                    <a:prstClr val="white"/>
-                  </a:solidFill>
-                  <a:effectLst/>
-                  <a:uLnTx/>
-                  <a:uFillTx/>
-                  <a:latin typeface="Calibri" panose="020F0502020204030204"/>
-                  <a:ea typeface="+mn-ea"/>
-                  <a:cs typeface="+mn-cs"/>
-                </a:rPr>
-                <a:t>Intégration</a:t>
-              </a:r>
-            </a:p>
-          </p:txBody>
-        </p:sp>
-        <p:sp>
-          <p:nvSpPr>
-            <p:cNvPr id="7" name="Forme libre : forme 6">
-              <a:extLst>
-                <a:ext uri="{FF2B5EF4-FFF2-40B4-BE49-F238E27FC236}">
-                  <a16:creationId xmlns:a16="http://schemas.microsoft.com/office/drawing/2014/main" id="{C460FFBC-7528-C5F9-9E8B-A3626F688644}"/>
-                </a:ext>
-              </a:extLst>
-            </p:cNvPr>
-            <p:cNvSpPr/>
-            <p:nvPr/>
-          </p:nvSpPr>
-          <p:spPr>
-            <a:xfrm>
-              <a:off x="3143935" y="4672487"/>
-              <a:ext cx="2845583" cy="2072204"/>
-            </a:xfrm>
-            <a:custGeom>
-              <a:avLst/>
-              <a:gdLst>
-                <a:gd name="connsiteX0" fmla="*/ 0 w 2845583"/>
-                <a:gd name="connsiteY0" fmla="*/ 207220 h 2072204"/>
-                <a:gd name="connsiteX1" fmla="*/ 207220 w 2845583"/>
-                <a:gd name="connsiteY1" fmla="*/ 0 h 2072204"/>
-                <a:gd name="connsiteX2" fmla="*/ 2638363 w 2845583"/>
-                <a:gd name="connsiteY2" fmla="*/ 0 h 2072204"/>
-                <a:gd name="connsiteX3" fmla="*/ 2845583 w 2845583"/>
-                <a:gd name="connsiteY3" fmla="*/ 207220 h 2072204"/>
-                <a:gd name="connsiteX4" fmla="*/ 2845583 w 2845583"/>
-                <a:gd name="connsiteY4" fmla="*/ 1864984 h 2072204"/>
-                <a:gd name="connsiteX5" fmla="*/ 2638363 w 2845583"/>
-                <a:gd name="connsiteY5" fmla="*/ 2072204 h 2072204"/>
-                <a:gd name="connsiteX6" fmla="*/ 207220 w 2845583"/>
-                <a:gd name="connsiteY6" fmla="*/ 2072204 h 2072204"/>
-                <a:gd name="connsiteX7" fmla="*/ 0 w 2845583"/>
-                <a:gd name="connsiteY7" fmla="*/ 1864984 h 2072204"/>
-                <a:gd name="connsiteX8" fmla="*/ 0 w 2845583"/>
-                <a:gd name="connsiteY8" fmla="*/ 207220 h 2072204"/>
-              </a:gdLst>
-              <a:ahLst/>
-              <a:cxnLst>
-                <a:cxn ang="0">
-                  <a:pos x="connsiteX0" y="connsiteY0"/>
-                </a:cxn>
-                <a:cxn ang="0">
-                  <a:pos x="connsiteX1" y="connsiteY1"/>
-                </a:cxn>
-                <a:cxn ang="0">
-                  <a:pos x="connsiteX2" y="connsiteY2"/>
-                </a:cxn>
-                <a:cxn ang="0">
-                  <a:pos x="connsiteX3" y="connsiteY3"/>
-                </a:cxn>
-                <a:cxn ang="0">
-                  <a:pos x="connsiteX4" y="connsiteY4"/>
-                </a:cxn>
-                <a:cxn ang="0">
-                  <a:pos x="connsiteX5" y="connsiteY5"/>
-                </a:cxn>
-                <a:cxn ang="0">
-                  <a:pos x="connsiteX6" y="connsiteY6"/>
-                </a:cxn>
-                <a:cxn ang="0">
-                  <a:pos x="connsiteX7" y="connsiteY7"/>
-                </a:cxn>
-                <a:cxn ang="0">
-                  <a:pos x="connsiteX8" y="connsiteY8"/>
-                </a:cxn>
-              </a:cxnLst>
-              <a:rect l="l" t="t" r="r" b="b"/>
-              <a:pathLst>
-                <a:path w="2845583" h="2072204">
-                  <a:moveTo>
-                    <a:pt x="0" y="207220"/>
-                  </a:moveTo>
-                  <a:cubicBezTo>
-                    <a:pt x="0" y="92776"/>
-                    <a:pt x="92776" y="0"/>
-                    <a:pt x="207220" y="0"/>
-                  </a:cubicBezTo>
-                  <a:lnTo>
-                    <a:pt x="2638363" y="0"/>
-                  </a:lnTo>
-                  <a:cubicBezTo>
-                    <a:pt x="2752807" y="0"/>
-                    <a:pt x="2845583" y="92776"/>
-                    <a:pt x="2845583" y="207220"/>
-                  </a:cubicBezTo>
-                  <a:lnTo>
-                    <a:pt x="2845583" y="1864984"/>
-                  </a:lnTo>
-                  <a:cubicBezTo>
-                    <a:pt x="2845583" y="1979428"/>
-                    <a:pt x="2752807" y="2072204"/>
-                    <a:pt x="2638363" y="2072204"/>
-                  </a:cubicBezTo>
-                  <a:lnTo>
-                    <a:pt x="207220" y="2072204"/>
-                  </a:lnTo>
-                  <a:cubicBezTo>
-                    <a:pt x="92776" y="2072204"/>
-                    <a:pt x="0" y="1979428"/>
-                    <a:pt x="0" y="1864984"/>
-                  </a:cubicBezTo>
-                  <a:lnTo>
-                    <a:pt x="0" y="207220"/>
-                  </a:lnTo>
-                  <a:close/>
-                </a:path>
-              </a:pathLst>
-            </a:custGeom>
-          </p:spPr>
-          <p:style>
-            <a:lnRef idx="2">
-              <a:schemeClr val="lt1">
-                <a:hueOff val="0"/>
-                <a:satOff val="0"/>
-                <a:lumOff val="0"/>
-                <a:alphaOff val="0"/>
-              </a:schemeClr>
-            </a:lnRef>
-            <a:fillRef idx="1">
-              <a:schemeClr val="accent6">
-                <a:hueOff val="0"/>
-                <a:satOff val="0"/>
-                <a:lumOff val="0"/>
-                <a:alphaOff val="0"/>
-              </a:schemeClr>
-            </a:fillRef>
-            <a:effectRef idx="0">
-              <a:schemeClr val="accent6">
-                <a:hueOff val="0"/>
-                <a:satOff val="0"/>
-                <a:lumOff val="0"/>
-                <a:alphaOff val="0"/>
-              </a:schemeClr>
-            </a:effectRef>
-            <a:fontRef idx="minor">
-              <a:schemeClr val="lt1"/>
-            </a:fontRef>
-          </p:style>
-          <p:txBody>
-            <a:bodyPr spcFirstLastPara="0" vert="horz" wrap="square" lIns="174993" tIns="174993" rIns="174993" bIns="174993" numCol="1" spcCol="1270" anchor="t" anchorCtr="0">
-              <a:noAutofit/>
-            </a:bodyPr>
-            <a:lstStyle/>
-            <a:p>
-              <a:pPr marL="0" marR="0" lvl="0" indent="0" algn="l" defTabSz="1333500" rtl="0" eaLnBrk="1" fontAlgn="auto" latinLnBrk="0" hangingPunct="1">
-                <a:lnSpc>
-                  <a:spcPct val="90000"/>
-                </a:lnSpc>
-                <a:spcBef>
-                  <a:spcPct val="0"/>
-                </a:spcBef>
-                <a:spcAft>
-                  <a:spcPct val="35000"/>
-                </a:spcAft>
-                <a:buClrTx/>
-                <a:buSzTx/>
-                <a:buFontTx/>
-                <a:buNone/>
-                <a:tabLst/>
-                <a:defRPr/>
-              </a:pPr>
-              <a:r>
-                <a:rPr kumimoji="0" lang="fr-FR" sz="1400" b="1" i="0" u="sng" strike="noStrike" kern="1200" cap="none" spc="0" normalizeH="0" baseline="0" noProof="0" dirty="0">
-                  <a:ln>
-                    <a:noFill/>
-                  </a:ln>
-                  <a:solidFill>
-                    <a:prstClr val="white"/>
-                  </a:solidFill>
-                  <a:effectLst/>
-                  <a:uLnTx/>
-                  <a:uFillTx/>
-                  <a:latin typeface="Calibri" panose="020F0502020204030204"/>
-                  <a:ea typeface="+mn-ea"/>
-                  <a:cs typeface="+mn-cs"/>
-                </a:rPr>
-                <a:t>Données de test:</a:t>
-              </a:r>
-            </a:p>
-            <a:p>
-              <a:pPr marL="0" marR="0" lvl="0" indent="0" algn="l" defTabSz="1333500" rtl="0" eaLnBrk="1" fontAlgn="auto" latinLnBrk="0" hangingPunct="1">
-                <a:lnSpc>
-                  <a:spcPct val="90000"/>
-                </a:lnSpc>
-                <a:spcBef>
-                  <a:spcPct val="0"/>
-                </a:spcBef>
-                <a:spcAft>
-                  <a:spcPct val="35000"/>
-                </a:spcAft>
-                <a:buClrTx/>
-                <a:buSzTx/>
-                <a:buFontTx/>
-                <a:buNone/>
-                <a:tabLst/>
-                <a:defRPr/>
-              </a:pPr>
-              <a:r>
-                <a:rPr kumimoji="0" lang="fr-FR" sz="1400" b="0" i="0" u="none" strike="noStrike" kern="1200" cap="none" spc="0" normalizeH="0" baseline="0" noProof="0" dirty="0">
-                  <a:ln>
-                    <a:noFill/>
-                  </a:ln>
-                  <a:solidFill>
-                    <a:prstClr val="white"/>
-                  </a:solidFill>
-                  <a:effectLst/>
-                  <a:uLnTx/>
-                  <a:uFillTx/>
-                  <a:latin typeface="Calibri" panose="020F0502020204030204"/>
-                  <a:ea typeface="+mn-ea"/>
-                  <a:cs typeface="+mn-cs"/>
-                </a:rPr>
-                <a:t>Fausse plage de données</a:t>
-              </a:r>
-            </a:p>
-            <a:p>
-              <a:pPr marL="0" marR="0" lvl="0" indent="0" algn="l" defTabSz="1333500" rtl="0" eaLnBrk="1" fontAlgn="auto" latinLnBrk="0" hangingPunct="1">
-                <a:lnSpc>
-                  <a:spcPct val="90000"/>
-                </a:lnSpc>
-                <a:spcBef>
-                  <a:spcPct val="0"/>
-                </a:spcBef>
-                <a:spcAft>
-                  <a:spcPct val="35000"/>
-                </a:spcAft>
-                <a:buClrTx/>
-                <a:buSzTx/>
-                <a:buFontTx/>
-                <a:buNone/>
-                <a:tabLst/>
-                <a:defRPr/>
-              </a:pPr>
-              <a:endParaRPr kumimoji="0" lang="fr-FR" sz="1400" b="0" i="0" u="none" strike="noStrike" kern="1200" cap="none" spc="0" normalizeH="0" baseline="0" noProof="0" dirty="0">
-                <a:ln>
-                  <a:noFill/>
-                </a:ln>
-                <a:solidFill>
-                  <a:prstClr val="white"/>
-                </a:solidFill>
-                <a:effectLst/>
-                <a:uLnTx/>
-                <a:uFillTx/>
-                <a:latin typeface="Calibri" panose="020F0502020204030204"/>
-                <a:ea typeface="+mn-ea"/>
-                <a:cs typeface="+mn-cs"/>
-              </a:endParaRPr>
-            </a:p>
-          </p:txBody>
-        </p:sp>
-        <p:sp>
-          <p:nvSpPr>
-            <p:cNvPr id="8" name="Forme libre : forme 7">
-              <a:extLst>
-                <a:ext uri="{FF2B5EF4-FFF2-40B4-BE49-F238E27FC236}">
-                  <a16:creationId xmlns:a16="http://schemas.microsoft.com/office/drawing/2014/main" id="{66064629-7B0B-C25F-C959-4EBF4C5D9231}"/>
-                </a:ext>
-              </a:extLst>
-            </p:cNvPr>
-            <p:cNvSpPr/>
-            <p:nvPr/>
-          </p:nvSpPr>
-          <p:spPr>
-            <a:xfrm>
-              <a:off x="6202484" y="2392897"/>
-              <a:ext cx="5810680" cy="2072204"/>
-            </a:xfrm>
-            <a:custGeom>
-              <a:avLst/>
-              <a:gdLst>
-                <a:gd name="connsiteX0" fmla="*/ 0 w 5810680"/>
-                <a:gd name="connsiteY0" fmla="*/ 207220 h 2072204"/>
-                <a:gd name="connsiteX1" fmla="*/ 207220 w 5810680"/>
-                <a:gd name="connsiteY1" fmla="*/ 0 h 2072204"/>
-                <a:gd name="connsiteX2" fmla="*/ 5603460 w 5810680"/>
-                <a:gd name="connsiteY2" fmla="*/ 0 h 2072204"/>
-                <a:gd name="connsiteX3" fmla="*/ 5810680 w 5810680"/>
-                <a:gd name="connsiteY3" fmla="*/ 207220 h 2072204"/>
-                <a:gd name="connsiteX4" fmla="*/ 5810680 w 5810680"/>
-                <a:gd name="connsiteY4" fmla="*/ 1864984 h 2072204"/>
-                <a:gd name="connsiteX5" fmla="*/ 5603460 w 5810680"/>
-                <a:gd name="connsiteY5" fmla="*/ 2072204 h 2072204"/>
-                <a:gd name="connsiteX6" fmla="*/ 207220 w 5810680"/>
-                <a:gd name="connsiteY6" fmla="*/ 2072204 h 2072204"/>
-                <a:gd name="connsiteX7" fmla="*/ 0 w 5810680"/>
-                <a:gd name="connsiteY7" fmla="*/ 1864984 h 2072204"/>
-                <a:gd name="connsiteX8" fmla="*/ 0 w 5810680"/>
-                <a:gd name="connsiteY8" fmla="*/ 207220 h 2072204"/>
-              </a:gdLst>
-              <a:ahLst/>
-              <a:cxnLst>
-                <a:cxn ang="0">
-                  <a:pos x="connsiteX0" y="connsiteY0"/>
-                </a:cxn>
-                <a:cxn ang="0">
-                  <a:pos x="connsiteX1" y="connsiteY1"/>
-                </a:cxn>
-                <a:cxn ang="0">
-                  <a:pos x="connsiteX2" y="connsiteY2"/>
-                </a:cxn>
-                <a:cxn ang="0">
-                  <a:pos x="connsiteX3" y="connsiteY3"/>
-                </a:cxn>
-                <a:cxn ang="0">
-                  <a:pos x="connsiteX4" y="connsiteY4"/>
-                </a:cxn>
-                <a:cxn ang="0">
-                  <a:pos x="connsiteX5" y="connsiteY5"/>
-                </a:cxn>
-                <a:cxn ang="0">
-                  <a:pos x="connsiteX6" y="connsiteY6"/>
-                </a:cxn>
-                <a:cxn ang="0">
-                  <a:pos x="connsiteX7" y="connsiteY7"/>
-                </a:cxn>
-                <a:cxn ang="0">
-                  <a:pos x="connsiteX8" y="connsiteY8"/>
-                </a:cxn>
-              </a:cxnLst>
-              <a:rect l="l" t="t" r="r" b="b"/>
-              <a:pathLst>
-                <a:path w="5810680" h="2072204">
-                  <a:moveTo>
-                    <a:pt x="0" y="207220"/>
-                  </a:moveTo>
-                  <a:cubicBezTo>
-                    <a:pt x="0" y="92776"/>
-                    <a:pt x="92776" y="0"/>
-                    <a:pt x="207220" y="0"/>
-                  </a:cubicBezTo>
-                  <a:lnTo>
-                    <a:pt x="5603460" y="0"/>
-                  </a:lnTo>
-                  <a:cubicBezTo>
-                    <a:pt x="5717904" y="0"/>
-                    <a:pt x="5810680" y="92776"/>
-                    <a:pt x="5810680" y="207220"/>
-                  </a:cubicBezTo>
-                  <a:lnTo>
-                    <a:pt x="5810680" y="1864984"/>
-                  </a:lnTo>
-                  <a:cubicBezTo>
-                    <a:pt x="5810680" y="1979428"/>
-                    <a:pt x="5717904" y="2072204"/>
-                    <a:pt x="5603460" y="2072204"/>
-                  </a:cubicBezTo>
-                  <a:lnTo>
-                    <a:pt x="207220" y="2072204"/>
-                  </a:lnTo>
-                  <a:cubicBezTo>
-                    <a:pt x="92776" y="2072204"/>
-                    <a:pt x="0" y="1979428"/>
-                    <a:pt x="0" y="1864984"/>
-                  </a:cubicBezTo>
-                  <a:lnTo>
-                    <a:pt x="0" y="207220"/>
-                  </a:lnTo>
-                  <a:close/>
-                </a:path>
-              </a:pathLst>
-            </a:custGeom>
-          </p:spPr>
-          <p:style>
-            <a:lnRef idx="2">
-              <a:schemeClr val="lt1">
-                <a:hueOff val="0"/>
-                <a:satOff val="0"/>
-                <a:lumOff val="0"/>
-                <a:alphaOff val="0"/>
-              </a:schemeClr>
-            </a:lnRef>
-            <a:fillRef idx="1">
-              <a:schemeClr val="accent5">
-                <a:hueOff val="0"/>
-                <a:satOff val="0"/>
-                <a:lumOff val="0"/>
-                <a:alphaOff val="0"/>
-              </a:schemeClr>
-            </a:fillRef>
-            <a:effectRef idx="0">
-              <a:schemeClr val="accent5">
-                <a:hueOff val="0"/>
-                <a:satOff val="0"/>
-                <a:lumOff val="0"/>
-                <a:alphaOff val="0"/>
-              </a:schemeClr>
-            </a:effectRef>
-            <a:fontRef idx="minor">
-              <a:schemeClr val="lt1"/>
-            </a:fontRef>
-          </p:style>
-          <p:txBody>
-            <a:bodyPr spcFirstLastPara="0" vert="horz" wrap="square" lIns="266433" tIns="266433" rIns="266433" bIns="266433" numCol="1" spcCol="1270" anchor="t" anchorCtr="0">
-              <a:noAutofit/>
-            </a:bodyPr>
-            <a:lstStyle/>
-            <a:p>
-              <a:pPr marL="0" marR="0" lvl="0" indent="0" algn="l" defTabSz="2400300" rtl="0" eaLnBrk="1" fontAlgn="auto" latinLnBrk="0" hangingPunct="1">
-                <a:lnSpc>
-                  <a:spcPct val="90000"/>
-                </a:lnSpc>
-                <a:spcBef>
-                  <a:spcPct val="0"/>
-                </a:spcBef>
-                <a:spcAft>
-                  <a:spcPct val="35000"/>
-                </a:spcAft>
-                <a:buClrTx/>
-                <a:buSzTx/>
-                <a:buFontTx/>
-                <a:buNone/>
-                <a:tabLst/>
-                <a:defRPr/>
-              </a:pPr>
-              <a:r>
-                <a:rPr kumimoji="0" lang="fr-FR" sz="1400" b="1" i="0" u="sng" strike="noStrike" kern="1200" cap="none" spc="0" normalizeH="0" baseline="0" noProof="0" dirty="0">
-                  <a:ln>
-                    <a:noFill/>
-                  </a:ln>
-                  <a:solidFill>
-                    <a:prstClr val="white"/>
-                  </a:solidFill>
-                  <a:effectLst/>
-                  <a:uLnTx/>
-                  <a:uFillTx/>
-                  <a:latin typeface="Calibri" panose="020F0502020204030204"/>
-                  <a:ea typeface="+mn-ea"/>
-                  <a:cs typeface="+mn-cs"/>
-                </a:rPr>
-                <a:t>Hors scope (lister ici les cas limite non testés, les cas non accessibles et tout ce qui permettra de déterminer la limite du périmètre de tests)</a:t>
-              </a:r>
-            </a:p>
-            <a:p>
-              <a:pPr marL="0" marR="0" lvl="0" indent="0" algn="l" defTabSz="2400300" rtl="0" eaLnBrk="1" fontAlgn="auto" latinLnBrk="0" hangingPunct="1">
-                <a:lnSpc>
-                  <a:spcPct val="90000"/>
-                </a:lnSpc>
-                <a:spcBef>
-                  <a:spcPct val="0"/>
-                </a:spcBef>
-                <a:spcAft>
-                  <a:spcPct val="35000"/>
-                </a:spcAft>
-                <a:buClrTx/>
-                <a:buSzTx/>
-                <a:buFontTx/>
-                <a:buNone/>
-                <a:tabLst/>
-                <a:defRPr/>
-              </a:pPr>
-              <a:r>
-                <a:rPr kumimoji="0" lang="fr-FR" sz="1400" b="0" i="0" u="none" strike="noStrike" kern="1200" cap="none" spc="0" normalizeH="0" baseline="0" noProof="0" dirty="0">
-                  <a:ln>
-                    <a:noFill/>
-                  </a:ln>
-                  <a:solidFill>
-                    <a:prstClr val="white"/>
-                  </a:solidFill>
-                  <a:effectLst/>
-                  <a:uLnTx/>
-                  <a:uFillTx/>
-                  <a:latin typeface="Calibri" panose="020F0502020204030204"/>
-                  <a:ea typeface="+mn-ea"/>
-                  <a:cs typeface="+mn-cs"/>
-                </a:rPr>
-                <a:t>Saisies de caractère spéciaux type:  «*#%|</a:t>
-              </a:r>
-            </a:p>
-            <a:p>
-              <a:pPr marL="0" marR="0" lvl="0" indent="0" algn="l" defTabSz="2400300" rtl="0" eaLnBrk="1" fontAlgn="auto" latinLnBrk="0" hangingPunct="1">
-                <a:lnSpc>
-                  <a:spcPct val="90000"/>
-                </a:lnSpc>
-                <a:spcBef>
-                  <a:spcPct val="0"/>
-                </a:spcBef>
-                <a:spcAft>
-                  <a:spcPct val="35000"/>
-                </a:spcAft>
-                <a:buClrTx/>
-                <a:buSzTx/>
-                <a:buFontTx/>
-                <a:buNone/>
-                <a:tabLst/>
-                <a:defRPr/>
-              </a:pPr>
-              <a:r>
-                <a:rPr kumimoji="0" lang="fr-FR" sz="1400" b="0" i="0" u="none" strike="noStrike" kern="1200" cap="none" spc="0" normalizeH="0" baseline="0" noProof="0" dirty="0">
-                  <a:ln>
-                    <a:noFill/>
-                  </a:ln>
-                  <a:solidFill>
-                    <a:prstClr val="white"/>
-                  </a:solidFill>
-                  <a:effectLst/>
-                  <a:uLnTx/>
-                  <a:uFillTx/>
-                  <a:latin typeface="Calibri" panose="020F0502020204030204"/>
-                  <a:ea typeface="+mn-ea"/>
-                  <a:cs typeface="+mn-cs"/>
-                </a:rPr>
-                <a:t>Entrer de charactères spéciaux et uniquement de chiffres</a:t>
-              </a:r>
-            </a:p>
-            <a:p>
-              <a:pPr marL="0" marR="0" lvl="0" indent="0" algn="l" defTabSz="2400300" rtl="0" eaLnBrk="1" fontAlgn="auto" latinLnBrk="0" hangingPunct="1">
-                <a:lnSpc>
-                  <a:spcPct val="90000"/>
-                </a:lnSpc>
-                <a:spcBef>
-                  <a:spcPct val="0"/>
-                </a:spcBef>
-                <a:spcAft>
-                  <a:spcPct val="35000"/>
-                </a:spcAft>
-                <a:buClrTx/>
-                <a:buSzTx/>
-                <a:buFontTx/>
-                <a:buNone/>
-                <a:tabLst/>
-                <a:defRPr/>
-              </a:pPr>
-              <a:r>
-                <a:rPr kumimoji="0" lang="fr-FR" sz="1400" b="0" i="0" u="none" strike="noStrike" kern="1200" cap="none" spc="0" normalizeH="0" baseline="0" noProof="0" dirty="0">
-                  <a:ln>
-                    <a:noFill/>
-                  </a:ln>
-                  <a:solidFill>
-                    <a:prstClr val="white"/>
-                  </a:solidFill>
-                  <a:effectLst/>
-                  <a:uLnTx/>
-                  <a:uFillTx/>
-                  <a:latin typeface="Calibri" panose="020F0502020204030204"/>
-                  <a:ea typeface="+mn-ea"/>
-                  <a:cs typeface="+mn-cs"/>
-                </a:rPr>
-                <a:t>Entrer limite de charactères</a:t>
-              </a:r>
-            </a:p>
-            <a:p>
-              <a:pPr marL="0" marR="0" lvl="0" indent="0" algn="l" defTabSz="2400300" rtl="0" eaLnBrk="1" fontAlgn="auto" latinLnBrk="0" hangingPunct="1">
-                <a:lnSpc>
-                  <a:spcPct val="90000"/>
-                </a:lnSpc>
-                <a:spcBef>
-                  <a:spcPct val="0"/>
-                </a:spcBef>
-                <a:spcAft>
-                  <a:spcPct val="35000"/>
-                </a:spcAft>
-                <a:buClrTx/>
-                <a:buSzTx/>
-                <a:buFontTx/>
-                <a:buNone/>
-                <a:tabLst/>
-                <a:defRPr/>
-              </a:pPr>
-              <a:endParaRPr kumimoji="0" lang="fr-FR" sz="1400" b="0" i="0" u="none" strike="noStrike" kern="1200" cap="none" spc="0" normalizeH="0" baseline="0" noProof="0" dirty="0">
-                <a:ln>
-                  <a:noFill/>
-                </a:ln>
-                <a:solidFill>
-                  <a:prstClr val="white"/>
-                </a:solidFill>
-                <a:effectLst/>
-                <a:uLnTx/>
-                <a:uFillTx/>
-                <a:latin typeface="Calibri" panose="020F0502020204030204"/>
-                <a:ea typeface="+mn-ea"/>
-                <a:cs typeface="+mn-cs"/>
-              </a:endParaRPr>
-            </a:p>
-            <a:p>
-              <a:pPr marL="0" marR="0" lvl="0" indent="0" algn="l" defTabSz="2400300" rtl="0" eaLnBrk="1" fontAlgn="auto" latinLnBrk="0" hangingPunct="1">
-                <a:lnSpc>
-                  <a:spcPct val="90000"/>
-                </a:lnSpc>
-                <a:spcBef>
-                  <a:spcPct val="0"/>
-                </a:spcBef>
-                <a:spcAft>
-                  <a:spcPct val="35000"/>
-                </a:spcAft>
-                <a:buClrTx/>
-                <a:buSzTx/>
-                <a:buFontTx/>
-                <a:buNone/>
-                <a:tabLst/>
-                <a:defRPr/>
-              </a:pPr>
-              <a:endParaRPr kumimoji="0" lang="fr-FR" sz="1400" b="0" i="0" u="none" strike="noStrike" kern="1200" cap="none" spc="0" normalizeH="0" baseline="0" noProof="0" dirty="0">
-                <a:ln>
-                  <a:noFill/>
-                </a:ln>
-                <a:solidFill>
-                  <a:prstClr val="white"/>
-                </a:solidFill>
-                <a:effectLst/>
-                <a:uLnTx/>
-                <a:uFillTx/>
-                <a:latin typeface="Calibri" panose="020F0502020204030204"/>
-                <a:ea typeface="+mn-ea"/>
-                <a:cs typeface="+mn-cs"/>
-              </a:endParaRPr>
-            </a:p>
-            <a:p>
-              <a:pPr marL="0" marR="0" lvl="0" indent="0" algn="l" defTabSz="2400300" rtl="0" eaLnBrk="1" fontAlgn="auto" latinLnBrk="0" hangingPunct="1">
-                <a:lnSpc>
-                  <a:spcPct val="90000"/>
-                </a:lnSpc>
-                <a:spcBef>
-                  <a:spcPct val="0"/>
-                </a:spcBef>
-                <a:spcAft>
-                  <a:spcPct val="35000"/>
-                </a:spcAft>
-                <a:buClrTx/>
-                <a:buSzTx/>
-                <a:buFontTx/>
-                <a:buNone/>
-                <a:tabLst/>
-                <a:defRPr/>
-              </a:pPr>
-              <a:endParaRPr kumimoji="0" lang="fr-FR" sz="1400" b="1" i="0" u="sng" strike="noStrike" kern="1200" cap="none" spc="0" normalizeH="0" baseline="0" noProof="0" dirty="0">
-                <a:ln>
-                  <a:noFill/>
-                </a:ln>
-                <a:solidFill>
-                  <a:prstClr val="white"/>
-                </a:solidFill>
-                <a:effectLst/>
-                <a:uLnTx/>
-                <a:uFillTx/>
-                <a:latin typeface="Calibri" panose="020F0502020204030204"/>
-                <a:ea typeface="+mn-ea"/>
-                <a:cs typeface="+mn-cs"/>
-              </a:endParaRPr>
-            </a:p>
-          </p:txBody>
-        </p:sp>
-        <p:sp>
-          <p:nvSpPr>
-            <p:cNvPr id="9" name="Forme libre : forme 8">
-              <a:extLst>
-                <a:ext uri="{FF2B5EF4-FFF2-40B4-BE49-F238E27FC236}">
-                  <a16:creationId xmlns:a16="http://schemas.microsoft.com/office/drawing/2014/main" id="{2F7D2A6D-A987-BE81-6081-55AF662860A4}"/>
-                </a:ext>
-              </a:extLst>
-            </p:cNvPr>
-            <p:cNvSpPr/>
-            <p:nvPr/>
-          </p:nvSpPr>
-          <p:spPr>
-            <a:xfrm>
-              <a:off x="6228547" y="4672487"/>
-              <a:ext cx="2845583" cy="2072204"/>
-            </a:xfrm>
-            <a:custGeom>
-              <a:avLst/>
-              <a:gdLst>
-                <a:gd name="connsiteX0" fmla="*/ 0 w 2845583"/>
-                <a:gd name="connsiteY0" fmla="*/ 207220 h 2072204"/>
-                <a:gd name="connsiteX1" fmla="*/ 207220 w 2845583"/>
-                <a:gd name="connsiteY1" fmla="*/ 0 h 2072204"/>
-                <a:gd name="connsiteX2" fmla="*/ 2638363 w 2845583"/>
-                <a:gd name="connsiteY2" fmla="*/ 0 h 2072204"/>
-                <a:gd name="connsiteX3" fmla="*/ 2845583 w 2845583"/>
-                <a:gd name="connsiteY3" fmla="*/ 207220 h 2072204"/>
-                <a:gd name="connsiteX4" fmla="*/ 2845583 w 2845583"/>
-                <a:gd name="connsiteY4" fmla="*/ 1864984 h 2072204"/>
-                <a:gd name="connsiteX5" fmla="*/ 2638363 w 2845583"/>
-                <a:gd name="connsiteY5" fmla="*/ 2072204 h 2072204"/>
-                <a:gd name="connsiteX6" fmla="*/ 207220 w 2845583"/>
-                <a:gd name="connsiteY6" fmla="*/ 2072204 h 2072204"/>
-                <a:gd name="connsiteX7" fmla="*/ 0 w 2845583"/>
-                <a:gd name="connsiteY7" fmla="*/ 1864984 h 2072204"/>
-                <a:gd name="connsiteX8" fmla="*/ 0 w 2845583"/>
-                <a:gd name="connsiteY8" fmla="*/ 207220 h 2072204"/>
-              </a:gdLst>
-              <a:ahLst/>
-              <a:cxnLst>
-                <a:cxn ang="0">
-                  <a:pos x="connsiteX0" y="connsiteY0"/>
-                </a:cxn>
-                <a:cxn ang="0">
-                  <a:pos x="connsiteX1" y="connsiteY1"/>
-                </a:cxn>
-                <a:cxn ang="0">
-                  <a:pos x="connsiteX2" y="connsiteY2"/>
-                </a:cxn>
-                <a:cxn ang="0">
-                  <a:pos x="connsiteX3" y="connsiteY3"/>
-                </a:cxn>
-                <a:cxn ang="0">
-                  <a:pos x="connsiteX4" y="connsiteY4"/>
-                </a:cxn>
-                <a:cxn ang="0">
-                  <a:pos x="connsiteX5" y="connsiteY5"/>
-                </a:cxn>
-                <a:cxn ang="0">
-                  <a:pos x="connsiteX6" y="connsiteY6"/>
-                </a:cxn>
-                <a:cxn ang="0">
-                  <a:pos x="connsiteX7" y="connsiteY7"/>
-                </a:cxn>
-                <a:cxn ang="0">
-                  <a:pos x="connsiteX8" y="connsiteY8"/>
-                </a:cxn>
-              </a:cxnLst>
-              <a:rect l="l" t="t" r="r" b="b"/>
-              <a:pathLst>
-                <a:path w="2845583" h="2072204">
-                  <a:moveTo>
-                    <a:pt x="0" y="207220"/>
-                  </a:moveTo>
-                  <a:cubicBezTo>
-                    <a:pt x="0" y="92776"/>
-                    <a:pt x="92776" y="0"/>
-                    <a:pt x="207220" y="0"/>
-                  </a:cubicBezTo>
-                  <a:lnTo>
-                    <a:pt x="2638363" y="0"/>
-                  </a:lnTo>
-                  <a:cubicBezTo>
-                    <a:pt x="2752807" y="0"/>
-                    <a:pt x="2845583" y="92776"/>
-                    <a:pt x="2845583" y="207220"/>
-                  </a:cubicBezTo>
-                  <a:lnTo>
-                    <a:pt x="2845583" y="1864984"/>
-                  </a:lnTo>
-                  <a:cubicBezTo>
-                    <a:pt x="2845583" y="1979428"/>
-                    <a:pt x="2752807" y="2072204"/>
-                    <a:pt x="2638363" y="2072204"/>
-                  </a:cubicBezTo>
-                  <a:lnTo>
-                    <a:pt x="207220" y="2072204"/>
-                  </a:lnTo>
-                  <a:cubicBezTo>
-                    <a:pt x="92776" y="2072204"/>
-                    <a:pt x="0" y="1979428"/>
-                    <a:pt x="0" y="1864984"/>
-                  </a:cubicBezTo>
-                  <a:lnTo>
-                    <a:pt x="0" y="207220"/>
-                  </a:lnTo>
-                  <a:close/>
-                </a:path>
-              </a:pathLst>
-            </a:custGeom>
-            <a:solidFill>
-              <a:schemeClr val="accent4"/>
-            </a:solidFill>
-          </p:spPr>
-          <p:style>
-            <a:lnRef idx="2">
-              <a:schemeClr val="lt1">
-                <a:hueOff val="0"/>
-                <a:satOff val="0"/>
-                <a:lumOff val="0"/>
-                <a:alphaOff val="0"/>
-              </a:schemeClr>
-            </a:lnRef>
-            <a:fillRef idx="1">
-              <a:schemeClr val="accent6">
-                <a:hueOff val="0"/>
-                <a:satOff val="0"/>
-                <a:lumOff val="0"/>
-                <a:alphaOff val="0"/>
-              </a:schemeClr>
-            </a:fillRef>
-            <a:effectRef idx="0">
-              <a:schemeClr val="accent6">
-                <a:hueOff val="0"/>
-                <a:satOff val="0"/>
-                <a:lumOff val="0"/>
-                <a:alphaOff val="0"/>
-              </a:schemeClr>
-            </a:effectRef>
-            <a:fontRef idx="minor">
-              <a:schemeClr val="lt1"/>
-            </a:fontRef>
-          </p:style>
-          <p:txBody>
-            <a:bodyPr spcFirstLastPara="0" vert="horz" wrap="square" lIns="174993" tIns="174993" rIns="174993" bIns="174993" numCol="1" spcCol="1270" anchor="t" anchorCtr="0">
-              <a:noAutofit/>
-            </a:bodyPr>
-            <a:lstStyle/>
-            <a:p>
-              <a:pPr marL="0" marR="0" lvl="0" indent="0" algn="l" defTabSz="1333500" rtl="0" eaLnBrk="1" fontAlgn="auto" latinLnBrk="0" hangingPunct="1">
-                <a:lnSpc>
-                  <a:spcPct val="90000"/>
-                </a:lnSpc>
-                <a:spcBef>
-                  <a:spcPct val="0"/>
-                </a:spcBef>
-                <a:spcAft>
-                  <a:spcPct val="35000"/>
-                </a:spcAft>
-                <a:buClrTx/>
-                <a:buSzTx/>
-                <a:buFontTx/>
-                <a:buNone/>
-                <a:tabLst/>
-                <a:defRPr/>
-              </a:pPr>
-              <a:r>
-                <a:rPr kumimoji="0" lang="fr-FR" sz="1400" b="1" i="0" u="sng" strike="noStrike" kern="1200" cap="none" spc="0" normalizeH="0" baseline="0" noProof="0" dirty="0">
-                  <a:ln>
-                    <a:noFill/>
-                  </a:ln>
-                  <a:solidFill>
-                    <a:prstClr val="black"/>
-                  </a:solidFill>
-                  <a:effectLst/>
-                  <a:uLnTx/>
-                  <a:uFillTx/>
-                  <a:latin typeface="Calibri" panose="020F0502020204030204"/>
-                  <a:ea typeface="+mn-ea"/>
-                  <a:cs typeface="+mn-cs"/>
-                </a:rPr>
-                <a:t>Risques</a:t>
-              </a:r>
-            </a:p>
-            <a:p>
-              <a:pPr marL="0" marR="0" lvl="0" indent="0" algn="l" defTabSz="1333500" rtl="0" eaLnBrk="1" fontAlgn="auto" latinLnBrk="0" hangingPunct="1">
-                <a:lnSpc>
-                  <a:spcPct val="90000"/>
-                </a:lnSpc>
-                <a:spcBef>
-                  <a:spcPct val="0"/>
-                </a:spcBef>
-                <a:spcAft>
-                  <a:spcPct val="35000"/>
-                </a:spcAft>
-                <a:buClrTx/>
-                <a:buSzTx/>
-                <a:buFontTx/>
-                <a:buNone/>
-                <a:tabLst/>
-                <a:defRPr/>
-              </a:pPr>
-              <a:r>
-                <a:rPr kumimoji="0" lang="fr-FR" sz="1400" b="0" i="0" u="none" strike="noStrike" kern="1200" cap="none" spc="0" normalizeH="0" baseline="0" noProof="0" dirty="0">
-                  <a:ln>
-                    <a:noFill/>
-                  </a:ln>
-                  <a:solidFill>
-                    <a:prstClr val="black"/>
-                  </a:solidFill>
-                  <a:effectLst/>
-                  <a:uLnTx/>
-                  <a:uFillTx/>
-                  <a:latin typeface="Calibri" panose="020F0502020204030204"/>
-                  <a:ea typeface="+mn-ea"/>
-                  <a:cs typeface="+mn-cs"/>
-                </a:rPr>
-                <a:t>Créer trop d’utilisateur fictif</a:t>
-              </a:r>
-            </a:p>
-            <a:p>
-              <a:pPr marL="0" marR="0" lvl="0" indent="0" algn="l" defTabSz="1333500" rtl="0" eaLnBrk="1" fontAlgn="auto" latinLnBrk="0" hangingPunct="1">
-                <a:lnSpc>
-                  <a:spcPct val="90000"/>
-                </a:lnSpc>
-                <a:spcBef>
-                  <a:spcPct val="0"/>
-                </a:spcBef>
-                <a:spcAft>
-                  <a:spcPct val="35000"/>
-                </a:spcAft>
-                <a:buClrTx/>
-                <a:buSzTx/>
-                <a:buFontTx/>
-                <a:buNone/>
-                <a:tabLst/>
-                <a:defRPr/>
-              </a:pPr>
-              <a:r>
-                <a:rPr lang="fr-FR" sz="1400" dirty="0">
-                  <a:solidFill>
-                    <a:prstClr val="black"/>
-                  </a:solidFill>
-                  <a:latin typeface="Calibri" panose="020F0502020204030204"/>
-                </a:rPr>
-                <a:t>Suppression d’un utilisateur existant</a:t>
-              </a:r>
-              <a:endParaRPr kumimoji="0" lang="fr-FR" sz="1400" b="0" i="0" u="none" strike="noStrike" kern="1200" cap="none" spc="0" normalizeH="0" baseline="0" noProof="0" dirty="0">
-                <a:ln>
-                  <a:noFill/>
-                </a:ln>
-                <a:solidFill>
-                  <a:prstClr val="black"/>
-                </a:solidFill>
-                <a:effectLst/>
-                <a:uLnTx/>
-                <a:uFillTx/>
-                <a:latin typeface="Calibri" panose="020F0502020204030204"/>
-                <a:ea typeface="+mn-ea"/>
-                <a:cs typeface="+mn-cs"/>
-              </a:endParaRPr>
-            </a:p>
-          </p:txBody>
-        </p:sp>
-        <p:sp>
-          <p:nvSpPr>
-            <p:cNvPr id="10" name="Forme libre : forme 9">
-              <a:extLst>
-                <a:ext uri="{FF2B5EF4-FFF2-40B4-BE49-F238E27FC236}">
-                  <a16:creationId xmlns:a16="http://schemas.microsoft.com/office/drawing/2014/main" id="{16512F84-A41F-BF6B-DEC4-4A8BFC8E8873}"/>
-                </a:ext>
-              </a:extLst>
-            </p:cNvPr>
-            <p:cNvSpPr/>
-            <p:nvPr/>
-          </p:nvSpPr>
-          <p:spPr>
-            <a:xfrm>
-              <a:off x="9193645" y="4672487"/>
-              <a:ext cx="2845583" cy="2072204"/>
-            </a:xfrm>
-            <a:custGeom>
-              <a:avLst/>
-              <a:gdLst>
-                <a:gd name="connsiteX0" fmla="*/ 0 w 2845583"/>
-                <a:gd name="connsiteY0" fmla="*/ 207220 h 2072204"/>
-                <a:gd name="connsiteX1" fmla="*/ 207220 w 2845583"/>
-                <a:gd name="connsiteY1" fmla="*/ 0 h 2072204"/>
-                <a:gd name="connsiteX2" fmla="*/ 2638363 w 2845583"/>
-                <a:gd name="connsiteY2" fmla="*/ 0 h 2072204"/>
-                <a:gd name="connsiteX3" fmla="*/ 2845583 w 2845583"/>
-                <a:gd name="connsiteY3" fmla="*/ 207220 h 2072204"/>
-                <a:gd name="connsiteX4" fmla="*/ 2845583 w 2845583"/>
-                <a:gd name="connsiteY4" fmla="*/ 1864984 h 2072204"/>
-                <a:gd name="connsiteX5" fmla="*/ 2638363 w 2845583"/>
-                <a:gd name="connsiteY5" fmla="*/ 2072204 h 2072204"/>
-                <a:gd name="connsiteX6" fmla="*/ 207220 w 2845583"/>
-                <a:gd name="connsiteY6" fmla="*/ 2072204 h 2072204"/>
-                <a:gd name="connsiteX7" fmla="*/ 0 w 2845583"/>
-                <a:gd name="connsiteY7" fmla="*/ 1864984 h 2072204"/>
-                <a:gd name="connsiteX8" fmla="*/ 0 w 2845583"/>
-                <a:gd name="connsiteY8" fmla="*/ 207220 h 2072204"/>
-              </a:gdLst>
-              <a:ahLst/>
-              <a:cxnLst>
-                <a:cxn ang="0">
-                  <a:pos x="connsiteX0" y="connsiteY0"/>
-                </a:cxn>
-                <a:cxn ang="0">
-                  <a:pos x="connsiteX1" y="connsiteY1"/>
-                </a:cxn>
-                <a:cxn ang="0">
-                  <a:pos x="connsiteX2" y="connsiteY2"/>
-                </a:cxn>
-                <a:cxn ang="0">
-                  <a:pos x="connsiteX3" y="connsiteY3"/>
-                </a:cxn>
-                <a:cxn ang="0">
-                  <a:pos x="connsiteX4" y="connsiteY4"/>
-                </a:cxn>
-                <a:cxn ang="0">
-                  <a:pos x="connsiteX5" y="connsiteY5"/>
-                </a:cxn>
-                <a:cxn ang="0">
-                  <a:pos x="connsiteX6" y="connsiteY6"/>
-                </a:cxn>
-                <a:cxn ang="0">
-                  <a:pos x="connsiteX7" y="connsiteY7"/>
-                </a:cxn>
-                <a:cxn ang="0">
-                  <a:pos x="connsiteX8" y="connsiteY8"/>
-                </a:cxn>
-              </a:cxnLst>
-              <a:rect l="l" t="t" r="r" b="b"/>
-              <a:pathLst>
-                <a:path w="2845583" h="2072204">
-                  <a:moveTo>
-                    <a:pt x="0" y="207220"/>
-                  </a:moveTo>
-                  <a:cubicBezTo>
-                    <a:pt x="0" y="92776"/>
-                    <a:pt x="92776" y="0"/>
-                    <a:pt x="207220" y="0"/>
-                  </a:cubicBezTo>
-                  <a:lnTo>
-                    <a:pt x="2638363" y="0"/>
-                  </a:lnTo>
-                  <a:cubicBezTo>
-                    <a:pt x="2752807" y="0"/>
-                    <a:pt x="2845583" y="92776"/>
-                    <a:pt x="2845583" y="207220"/>
-                  </a:cubicBezTo>
-                  <a:lnTo>
-                    <a:pt x="2845583" y="1864984"/>
-                  </a:lnTo>
-                  <a:cubicBezTo>
-                    <a:pt x="2845583" y="1979428"/>
-                    <a:pt x="2752807" y="2072204"/>
-                    <a:pt x="2638363" y="2072204"/>
-                  </a:cubicBezTo>
-                  <a:lnTo>
-                    <a:pt x="207220" y="2072204"/>
-                  </a:lnTo>
-                  <a:cubicBezTo>
-                    <a:pt x="92776" y="2072204"/>
-                    <a:pt x="0" y="1979428"/>
-                    <a:pt x="0" y="1864984"/>
-                  </a:cubicBezTo>
-                  <a:lnTo>
-                    <a:pt x="0" y="207220"/>
-                  </a:lnTo>
-                  <a:close/>
-                </a:path>
-              </a:pathLst>
-            </a:custGeom>
-          </p:spPr>
-          <p:style>
-            <a:lnRef idx="2">
-              <a:schemeClr val="lt1">
-                <a:hueOff val="0"/>
-                <a:satOff val="0"/>
-                <a:lumOff val="0"/>
-                <a:alphaOff val="0"/>
-              </a:schemeClr>
-            </a:lnRef>
-            <a:fillRef idx="1">
-              <a:schemeClr val="accent6">
-                <a:hueOff val="0"/>
-                <a:satOff val="0"/>
-                <a:lumOff val="0"/>
-                <a:alphaOff val="0"/>
-              </a:schemeClr>
-            </a:fillRef>
-            <a:effectRef idx="0">
-              <a:schemeClr val="accent6">
-                <a:hueOff val="0"/>
-                <a:satOff val="0"/>
-                <a:lumOff val="0"/>
-                <a:alphaOff val="0"/>
-              </a:schemeClr>
-            </a:effectRef>
-            <a:fontRef idx="minor">
-              <a:schemeClr val="lt1"/>
-            </a:fontRef>
-          </p:style>
-          <p:txBody>
-            <a:bodyPr spcFirstLastPara="0" vert="horz" wrap="square" lIns="174993" tIns="174993" rIns="174993" bIns="174993" numCol="1" spcCol="1270" anchor="t" anchorCtr="0">
-              <a:noAutofit/>
-            </a:bodyPr>
-            <a:lstStyle/>
-            <a:p>
-              <a:pPr marL="0" marR="0" lvl="0" indent="0" algn="l" defTabSz="1333500" rtl="0" eaLnBrk="1" fontAlgn="auto" latinLnBrk="0" hangingPunct="1">
-                <a:lnSpc>
-                  <a:spcPct val="90000"/>
-                </a:lnSpc>
-                <a:spcBef>
-                  <a:spcPct val="0"/>
-                </a:spcBef>
-                <a:spcAft>
-                  <a:spcPct val="35000"/>
-                </a:spcAft>
-                <a:buClrTx/>
-                <a:buSzTx/>
-                <a:buFontTx/>
-                <a:buNone/>
-                <a:tabLst/>
-                <a:defRPr/>
-              </a:pPr>
-              <a:r>
-                <a:rPr kumimoji="0" lang="fr-FR" sz="1400" b="1" i="0" u="sng" strike="noStrike" kern="1200" cap="none" spc="0" normalizeH="0" baseline="0" noProof="0" dirty="0">
-                  <a:ln>
-                    <a:noFill/>
-                  </a:ln>
-                  <a:solidFill>
-                    <a:prstClr val="white"/>
-                  </a:solidFill>
-                  <a:effectLst/>
-                  <a:uLnTx/>
-                  <a:uFillTx/>
-                  <a:latin typeface="Calibri" panose="020F0502020204030204"/>
-                  <a:ea typeface="+mn-ea"/>
-                  <a:cs typeface="+mn-cs"/>
-                </a:rPr>
-                <a:t>Ressources, calendrier</a:t>
-              </a:r>
-            </a:p>
-            <a:p>
-              <a:pPr marL="0" marR="0" lvl="0" indent="0" algn="l" defTabSz="1333500" rtl="0" eaLnBrk="1" fontAlgn="auto" latinLnBrk="0" hangingPunct="1">
-                <a:lnSpc>
-                  <a:spcPct val="90000"/>
-                </a:lnSpc>
-                <a:spcBef>
-                  <a:spcPct val="0"/>
-                </a:spcBef>
-                <a:spcAft>
-                  <a:spcPct val="35000"/>
-                </a:spcAft>
-                <a:buClrTx/>
-                <a:buSzTx/>
-                <a:buFontTx/>
-                <a:buNone/>
-                <a:tabLst/>
-                <a:defRPr/>
-              </a:pPr>
-              <a:r>
-                <a:rPr kumimoji="0" lang="fr-FR" sz="1400" b="0" i="0" u="none" strike="noStrike" kern="1200" cap="none" spc="0" normalizeH="0" baseline="0" noProof="0" dirty="0">
-                  <a:ln>
-                    <a:noFill/>
-                  </a:ln>
-                  <a:solidFill>
-                    <a:prstClr val="white"/>
-                  </a:solidFill>
-                  <a:effectLst/>
-                  <a:uLnTx/>
-                  <a:uFillTx/>
-                  <a:latin typeface="Calibri" panose="020F0502020204030204"/>
-                  <a:ea typeface="+mn-ea"/>
-                  <a:cs typeface="+mn-cs"/>
-                </a:rPr>
-                <a:t>Tests à réaliser dès la fin des différents plans de test</a:t>
-              </a:r>
-            </a:p>
-            <a:p>
-              <a:pPr marL="0" marR="0" lvl="0" indent="0" algn="l" defTabSz="1333500" rtl="0" eaLnBrk="1" fontAlgn="auto" latinLnBrk="0" hangingPunct="1">
-                <a:lnSpc>
-                  <a:spcPct val="90000"/>
-                </a:lnSpc>
-                <a:spcBef>
-                  <a:spcPct val="0"/>
-                </a:spcBef>
-                <a:spcAft>
-                  <a:spcPct val="35000"/>
-                </a:spcAft>
-                <a:buClrTx/>
-                <a:buSzTx/>
-                <a:buFontTx/>
-                <a:buNone/>
-                <a:tabLst/>
-                <a:defRPr/>
-              </a:pPr>
-              <a:endParaRPr kumimoji="0" lang="fr-FR" sz="1400" b="1" i="0" u="sng" strike="noStrike" kern="1200" cap="none" spc="0" normalizeH="0" baseline="0" noProof="0" dirty="0">
-                <a:ln>
-                  <a:noFill/>
-                </a:ln>
-                <a:solidFill>
-                  <a:prstClr val="white"/>
-                </a:solidFill>
-                <a:effectLst/>
-                <a:uLnTx/>
-                <a:uFillTx/>
-                <a:latin typeface="Calibri" panose="020F0502020204030204"/>
-                <a:ea typeface="+mn-ea"/>
-                <a:cs typeface="+mn-cs"/>
-              </a:endParaRPr>
-            </a:p>
-          </p:txBody>
-        </p:sp>
-      </p:grpSp>
-      <p:sp>
-        <p:nvSpPr>
-          <p:cNvPr id="13" name="ZoneTexte 12">
-            <a:extLst>
-              <a:ext uri="{FF2B5EF4-FFF2-40B4-BE49-F238E27FC236}">
-                <a16:creationId xmlns:a16="http://schemas.microsoft.com/office/drawing/2014/main" id="{CE8EF61D-A04D-7E9D-BAA1-3C7353834DC6}"/>
-              </a:ext>
-            </a:extLst>
-          </p:cNvPr>
-          <p:cNvSpPr txBox="1"/>
-          <p:nvPr/>
-        </p:nvSpPr>
-        <p:spPr>
-          <a:xfrm>
-            <a:off x="2468461" y="321887"/>
-            <a:ext cx="6094602" cy="424732"/>
-          </a:xfrm>
-          <a:prstGeom prst="rect">
-            <a:avLst/>
-          </a:prstGeom>
-          <a:noFill/>
-        </p:spPr>
-        <p:txBody>
-          <a:bodyPr wrap="square">
-            <a:spAutoFit/>
-          </a:bodyPr>
-          <a:lstStyle/>
-          <a:p>
-            <a:pPr marL="0" marR="0" lvl="0" indent="0" algn="ctr" defTabSz="2400300" rtl="0" eaLnBrk="1" fontAlgn="auto" latinLnBrk="0" hangingPunct="1">
-              <a:lnSpc>
-                <a:spcPct val="90000"/>
-              </a:lnSpc>
-              <a:spcBef>
-                <a:spcPct val="0"/>
-              </a:spcBef>
-              <a:spcAft>
-                <a:spcPct val="35000"/>
-              </a:spcAft>
-              <a:buClrTx/>
-              <a:buSzTx/>
-              <a:buFontTx/>
-              <a:buNone/>
-              <a:tabLst/>
-              <a:defRPr/>
-            </a:pPr>
-            <a:r>
-              <a:rPr kumimoji="0" lang="fr-FR" sz="2400" b="0" i="0" u="none" strike="noStrike" kern="1200" cap="none" spc="0" normalizeH="0" baseline="0" noProof="0" dirty="0">
-                <a:ln>
-                  <a:noFill/>
-                </a:ln>
-                <a:solidFill>
-                  <a:prstClr val="black"/>
-                </a:solidFill>
-                <a:effectLst/>
-                <a:uLnTx/>
-                <a:uFillTx/>
-                <a:latin typeface="Calibri" panose="020F0502020204030204"/>
-                <a:ea typeface="+mn-ea"/>
-                <a:cs typeface="+mn-cs"/>
-              </a:rPr>
-              <a:t>Gestion du profil</a:t>
-            </a:r>
-          </a:p>
-        </p:txBody>
-      </p:sp>
-    </p:spTree>
-    <p:extLst>
-      <p:ext uri="{BB962C8B-B14F-4D97-AF65-F5344CB8AC3E}">
-        <p14:creationId xmlns:p14="http://schemas.microsoft.com/office/powerpoint/2010/main" val="4223093598"/>
-      </p:ext>
-    </p:extLst>
-  </p:cSld>
-  <p:clrMapOvr>
-    <a:masterClrMapping/>
-  </p:clrMapOvr>
-</p:sld>
-</file>
-
 <file path=ppt/theme/theme1.xml><?xml version="1.0" encoding="utf-8"?>
 <a:theme xmlns:a="http://schemas.openxmlformats.org/drawingml/2006/main" name="Thème Office">
   <a:themeElements>
@@ -9771,26 +5274,6 @@
 </file>
 
 <file path=customXml/item1.xml><?xml version="1.0" encoding="utf-8"?>
-<?mso-contentType ?>
-<FormTemplates xmlns="http://schemas.microsoft.com/sharepoint/v3/contenttype/forms">
-  <Display>DocumentLibraryForm</Display>
-  <Edit>DocumentLibraryForm</Edit>
-  <New>DocumentLibraryForm</New>
-</FormTemplates>
-</file>
-
-<file path=customXml/item2.xml><?xml version="1.0" encoding="utf-8"?>
-<p:properties xmlns:p="http://schemas.microsoft.com/office/2006/metadata/properties" xmlns:xsi="http://www.w3.org/2001/XMLSchema-instance" xmlns:pc="http://schemas.microsoft.com/office/infopath/2007/PartnerControls">
-  <documentManagement>
-    <lcf76f155ced4ddcb4097134ff3c332f xmlns="b5cf4370-ac38-4b9e-9836-ef6f5df64f24">
-      <Terms xmlns="http://schemas.microsoft.com/office/infopath/2007/PartnerControls"/>
-    </lcf76f155ced4ddcb4097134ff3c332f>
-    <TaxCatchAll xmlns="eefa3612-053e-497a-ae76-8a76877f5e22" xsi:nil="true"/>
-  </documentManagement>
-</p:properties>
-</file>
-
-<file path=customXml/item3.xml><?xml version="1.0" encoding="utf-8"?>
 <ct:contentTypeSchema xmlns:ct="http://schemas.microsoft.com/office/2006/metadata/contentType" xmlns:ma="http://schemas.microsoft.com/office/2006/metadata/properties/metaAttributes" ct:_="" ma:_="" ma:contentTypeName="Document" ma:contentTypeID="0x01010080C9F2488912074FB587B9AD9ADAE5BB" ma:contentTypeVersion="11" ma:contentTypeDescription="Crée un document." ma:contentTypeScope="" ma:versionID="1bebaa2d391e7c30de2dcb588a772684">
   <xsd:schema xmlns:xsd="http://www.w3.org/2001/XMLSchema" xmlns:xs="http://www.w3.org/2001/XMLSchema" xmlns:p="http://schemas.microsoft.com/office/2006/metadata/properties" xmlns:ns2="b5cf4370-ac38-4b9e-9836-ef6f5df64f24" xmlns:ns3="eefa3612-053e-497a-ae76-8a76877f5e22" targetNamespace="http://schemas.microsoft.com/office/2006/metadata/properties" ma:root="true" ma:fieldsID="071e4af5f84e298b60331b8e79120627" ns2:_="" ns3:_="">
     <xsd:import namespace="b5cf4370-ac38-4b9e-9836-ef6f5df64f24"/>
@@ -9985,10 +5468,41 @@
 </ct:contentTypeSchema>
 </file>
 
+<file path=customXml/item2.xml><?xml version="1.0" encoding="utf-8"?>
+<p:properties xmlns:p="http://schemas.microsoft.com/office/2006/metadata/properties" xmlns:xsi="http://www.w3.org/2001/XMLSchema-instance" xmlns:pc="http://schemas.microsoft.com/office/infopath/2007/PartnerControls">
+  <documentManagement>
+    <lcf76f155ced4ddcb4097134ff3c332f xmlns="b5cf4370-ac38-4b9e-9836-ef6f5df64f24">
+      <Terms xmlns="http://schemas.microsoft.com/office/infopath/2007/PartnerControls"/>
+    </lcf76f155ced4ddcb4097134ff3c332f>
+    <TaxCatchAll xmlns="eefa3612-053e-497a-ae76-8a76877f5e22" xsi:nil="true"/>
+  </documentManagement>
+</p:properties>
+</file>
+
+<file path=customXml/item3.xml><?xml version="1.0" encoding="utf-8"?>
+<?mso-contentType ?>
+<FormTemplates xmlns="http://schemas.microsoft.com/sharepoint/v3/contenttype/forms">
+  <Display>DocumentLibraryForm</Display>
+  <Edit>DocumentLibraryForm</Edit>
+  <New>DocumentLibraryForm</New>
+</FormTemplates>
+</file>
+
 <file path=customXml/itemProps1.xml><?xml version="1.0" encoding="utf-8"?>
-<ds:datastoreItem xmlns:ds="http://schemas.openxmlformats.org/officeDocument/2006/customXml" ds:itemID="{64DB6A9B-4014-4350-8FE6-F72DA25DFBDF}">
+<ds:datastoreItem xmlns:ds="http://schemas.openxmlformats.org/officeDocument/2006/customXml" ds:itemID="{C2099935-ADE8-4E25-82AD-270299869B08}">
   <ds:schemaRefs>
-    <ds:schemaRef ds:uri="http://schemas.microsoft.com/sharepoint/v3/contenttype/forms"/>
+    <ds:schemaRef ds:uri="http://schemas.microsoft.com/office/2006/metadata/contentType"/>
+    <ds:schemaRef ds:uri="http://schemas.microsoft.com/office/2006/metadata/properties/metaAttributes"/>
+    <ds:schemaRef ds:uri="http://www.w3.org/2001/XMLSchema"/>
+    <ds:schemaRef ds:uri="http://schemas.microsoft.com/office/2006/metadata/properties"/>
+    <ds:schemaRef ds:uri="b5cf4370-ac38-4b9e-9836-ef6f5df64f24"/>
+    <ds:schemaRef ds:uri="eefa3612-053e-497a-ae76-8a76877f5e22"/>
+    <ds:schemaRef ds:uri="http://schemas.microsoft.com/office/2006/documentManagement/types"/>
+    <ds:schemaRef ds:uri="http://schemas.microsoft.com/office/infopath/2007/PartnerControls"/>
+    <ds:schemaRef ds:uri="http://schemas.openxmlformats.org/package/2006/metadata/core-properties"/>
+    <ds:schemaRef ds:uri="http://purl.org/dc/elements/1.1/"/>
+    <ds:schemaRef ds:uri="http://purl.org/dc/terms/"/>
+    <ds:schemaRef ds:uri="http://schemas.microsoft.com/internal/obd"/>
   </ds:schemaRefs>
 </ds:datastoreItem>
 </file>
@@ -10005,20 +5519,9 @@
 </file>
 
 <file path=customXml/itemProps3.xml><?xml version="1.0" encoding="utf-8"?>
-<ds:datastoreItem xmlns:ds="http://schemas.openxmlformats.org/officeDocument/2006/customXml" ds:itemID="{C2099935-ADE8-4E25-82AD-270299869B08}">
+<ds:datastoreItem xmlns:ds="http://schemas.openxmlformats.org/officeDocument/2006/customXml" ds:itemID="{64DB6A9B-4014-4350-8FE6-F72DA25DFBDF}">
   <ds:schemaRefs>
-    <ds:schemaRef ds:uri="http://schemas.microsoft.com/office/2006/metadata/contentType"/>
-    <ds:schemaRef ds:uri="http://schemas.microsoft.com/office/2006/metadata/properties/metaAttributes"/>
-    <ds:schemaRef ds:uri="http://www.w3.org/2001/XMLSchema"/>
-    <ds:schemaRef ds:uri="http://schemas.microsoft.com/office/2006/metadata/properties"/>
-    <ds:schemaRef ds:uri="b5cf4370-ac38-4b9e-9836-ef6f5df64f24"/>
-    <ds:schemaRef ds:uri="eefa3612-053e-497a-ae76-8a76877f5e22"/>
-    <ds:schemaRef ds:uri="http://schemas.microsoft.com/office/2006/documentManagement/types"/>
-    <ds:schemaRef ds:uri="http://schemas.microsoft.com/office/infopath/2007/PartnerControls"/>
-    <ds:schemaRef ds:uri="http://schemas.openxmlformats.org/package/2006/metadata/core-properties"/>
-    <ds:schemaRef ds:uri="http://purl.org/dc/elements/1.1/"/>
-    <ds:schemaRef ds:uri="http://purl.org/dc/terms/"/>
-    <ds:schemaRef ds:uri="http://schemas.microsoft.com/internal/obd"/>
+    <ds:schemaRef ds:uri="http://schemas.microsoft.com/sharepoint/v3/contenttype/forms"/>
   </ds:schemaRefs>
 </ds:datastoreItem>
 </file>
--- a/WIP/plan de test/planTestGestionToDo.pptx
+++ b/WIP/plan de test/planTestGestionToDo.pptx
@@ -4305,6 +4305,7 @@
                 <a:rPr lang="fr-FR" sz="1400" b="1" u="sng" kern="1200" dirty="0"/>
                 <a:t>Données de test</a:t>
               </a:r>
+              <a:endParaRPr lang="fr-FR" sz="1400" kern="1200" dirty="0"/>
             </a:p>
             <a:p>
               <a:pPr marL="0" lvl="0" indent="0" defTabSz="1333500">
@@ -4321,31 +4322,9 @@
               </a:pPr>
               <a:r>
                 <a:rPr lang="fr-FR" sz="1400" dirty="0"/>
-                <a:t>Faux compte </a:t>
-              </a:r>
-              <a:r>
-                <a:rPr lang="fr-FR" sz="1400" dirty="0" err="1"/>
-                <a:t>users</a:t>
+                <a:t>Taches aléatoires</a:t>
               </a:r>
               <a:endParaRPr lang="fr-FR" sz="1400" kern="1200" dirty="0"/>
-            </a:p>
-            <a:p>
-              <a:pPr marL="0" lvl="0" indent="0" defTabSz="1333500">
-                <a:lnSpc>
-                  <a:spcPct val="90000"/>
-                </a:lnSpc>
-                <a:spcBef>
-                  <a:spcPct val="0"/>
-                </a:spcBef>
-                <a:spcAft>
-                  <a:spcPct val="35000"/>
-                </a:spcAft>
-                <a:buNone/>
-              </a:pPr>
-              <a:r>
-                <a:rPr lang="fr-FR" sz="1400" kern="1200" dirty="0"/>
-                <a:t>Nom de taches aléatoire</a:t>
-              </a:r>
             </a:p>
           </p:txBody>
         </p:sp>
@@ -5274,6 +5253,26 @@
 </file>
 
 <file path=customXml/item1.xml><?xml version="1.0" encoding="utf-8"?>
+<?mso-contentType ?>
+<FormTemplates xmlns="http://schemas.microsoft.com/sharepoint/v3/contenttype/forms">
+  <Display>DocumentLibraryForm</Display>
+  <Edit>DocumentLibraryForm</Edit>
+  <New>DocumentLibraryForm</New>
+</FormTemplates>
+</file>
+
+<file path=customXml/item2.xml><?xml version="1.0" encoding="utf-8"?>
+<p:properties xmlns:p="http://schemas.microsoft.com/office/2006/metadata/properties" xmlns:xsi="http://www.w3.org/2001/XMLSchema-instance" xmlns:pc="http://schemas.microsoft.com/office/infopath/2007/PartnerControls">
+  <documentManagement>
+    <lcf76f155ced4ddcb4097134ff3c332f xmlns="b5cf4370-ac38-4b9e-9836-ef6f5df64f24">
+      <Terms xmlns="http://schemas.microsoft.com/office/infopath/2007/PartnerControls"/>
+    </lcf76f155ced4ddcb4097134ff3c332f>
+    <TaxCatchAll xmlns="eefa3612-053e-497a-ae76-8a76877f5e22" xsi:nil="true"/>
+  </documentManagement>
+</p:properties>
+</file>
+
+<file path=customXml/item3.xml><?xml version="1.0" encoding="utf-8"?>
 <ct:contentTypeSchema xmlns:ct="http://schemas.microsoft.com/office/2006/metadata/contentType" xmlns:ma="http://schemas.microsoft.com/office/2006/metadata/properties/metaAttributes" ct:_="" ma:_="" ma:contentTypeName="Document" ma:contentTypeID="0x01010080C9F2488912074FB587B9AD9ADAE5BB" ma:contentTypeVersion="11" ma:contentTypeDescription="Crée un document." ma:contentTypeScope="" ma:versionID="1bebaa2d391e7c30de2dcb588a772684">
   <xsd:schema xmlns:xsd="http://www.w3.org/2001/XMLSchema" xmlns:xs="http://www.w3.org/2001/XMLSchema" xmlns:p="http://schemas.microsoft.com/office/2006/metadata/properties" xmlns:ns2="b5cf4370-ac38-4b9e-9836-ef6f5df64f24" xmlns:ns3="eefa3612-053e-497a-ae76-8a76877f5e22" targetNamespace="http://schemas.microsoft.com/office/2006/metadata/properties" ma:root="true" ma:fieldsID="071e4af5f84e298b60331b8e79120627" ns2:_="" ns3:_="">
     <xsd:import namespace="b5cf4370-ac38-4b9e-9836-ef6f5df64f24"/>
@@ -5468,27 +5467,26 @@
 </ct:contentTypeSchema>
 </file>
 
-<file path=customXml/item2.xml><?xml version="1.0" encoding="utf-8"?>
-<p:properties xmlns:p="http://schemas.microsoft.com/office/2006/metadata/properties" xmlns:xsi="http://www.w3.org/2001/XMLSchema-instance" xmlns:pc="http://schemas.microsoft.com/office/infopath/2007/PartnerControls">
-  <documentManagement>
-    <lcf76f155ced4ddcb4097134ff3c332f xmlns="b5cf4370-ac38-4b9e-9836-ef6f5df64f24">
-      <Terms xmlns="http://schemas.microsoft.com/office/infopath/2007/PartnerControls"/>
-    </lcf76f155ced4ddcb4097134ff3c332f>
-    <TaxCatchAll xmlns="eefa3612-053e-497a-ae76-8a76877f5e22" xsi:nil="true"/>
-  </documentManagement>
-</p:properties>
+<file path=customXml/itemProps1.xml><?xml version="1.0" encoding="utf-8"?>
+<ds:datastoreItem xmlns:ds="http://schemas.openxmlformats.org/officeDocument/2006/customXml" ds:itemID="{64DB6A9B-4014-4350-8FE6-F72DA25DFBDF}">
+  <ds:schemaRefs>
+    <ds:schemaRef ds:uri="http://schemas.microsoft.com/sharepoint/v3/contenttype/forms"/>
+  </ds:schemaRefs>
+</ds:datastoreItem>
 </file>
 
-<file path=customXml/item3.xml><?xml version="1.0" encoding="utf-8"?>
-<?mso-contentType ?>
-<FormTemplates xmlns="http://schemas.microsoft.com/sharepoint/v3/contenttype/forms">
-  <Display>DocumentLibraryForm</Display>
-  <Edit>DocumentLibraryForm</Edit>
-  <New>DocumentLibraryForm</New>
-</FormTemplates>
+<file path=customXml/itemProps2.xml><?xml version="1.0" encoding="utf-8"?>
+<ds:datastoreItem xmlns:ds="http://schemas.openxmlformats.org/officeDocument/2006/customXml" ds:itemID="{8A70AF45-36D6-4247-AA7E-6372E9B9F7E1}">
+  <ds:schemaRefs>
+    <ds:schemaRef ds:uri="http://schemas.microsoft.com/office/2006/metadata/properties"/>
+    <ds:schemaRef ds:uri="http://schemas.microsoft.com/office/infopath/2007/PartnerControls"/>
+    <ds:schemaRef ds:uri="b5cf4370-ac38-4b9e-9836-ef6f5df64f24"/>
+    <ds:schemaRef ds:uri="eefa3612-053e-497a-ae76-8a76877f5e22"/>
+  </ds:schemaRefs>
+</ds:datastoreItem>
 </file>
 
-<file path=customXml/itemProps1.xml><?xml version="1.0" encoding="utf-8"?>
+<file path=customXml/itemProps3.xml><?xml version="1.0" encoding="utf-8"?>
 <ds:datastoreItem xmlns:ds="http://schemas.openxmlformats.org/officeDocument/2006/customXml" ds:itemID="{C2099935-ADE8-4E25-82AD-270299869B08}">
   <ds:schemaRefs>
     <ds:schemaRef ds:uri="http://schemas.microsoft.com/office/2006/metadata/contentType"/>
@@ -5505,23 +5503,4 @@
     <ds:schemaRef ds:uri="http://schemas.microsoft.com/internal/obd"/>
   </ds:schemaRefs>
 </ds:datastoreItem>
-</file>
-
-<file path=customXml/itemProps2.xml><?xml version="1.0" encoding="utf-8"?>
-<ds:datastoreItem xmlns:ds="http://schemas.openxmlformats.org/officeDocument/2006/customXml" ds:itemID="{8A70AF45-36D6-4247-AA7E-6372E9B9F7E1}">
-  <ds:schemaRefs>
-    <ds:schemaRef ds:uri="http://schemas.microsoft.com/office/2006/metadata/properties"/>
-    <ds:schemaRef ds:uri="http://schemas.microsoft.com/office/infopath/2007/PartnerControls"/>
-    <ds:schemaRef ds:uri="b5cf4370-ac38-4b9e-9836-ef6f5df64f24"/>
-    <ds:schemaRef ds:uri="eefa3612-053e-497a-ae76-8a76877f5e22"/>
-  </ds:schemaRefs>
-</ds:datastoreItem>
-</file>
-
-<file path=customXml/itemProps3.xml><?xml version="1.0" encoding="utf-8"?>
-<ds:datastoreItem xmlns:ds="http://schemas.openxmlformats.org/officeDocument/2006/customXml" ds:itemID="{64DB6A9B-4014-4350-8FE6-F72DA25DFBDF}">
-  <ds:schemaRefs>
-    <ds:schemaRef ds:uri="http://schemas.microsoft.com/sharepoint/v3/contenttype/forms"/>
-  </ds:schemaRefs>
-</ds:datastoreItem>
 </file>